--- a/doc/SCALLOP_INF1-291118.pptx
+++ b/doc/SCALLOP_INF1-291118.pptx
@@ -8,14 +8,12 @@
     <p:sldId id="256" r:id="rId2"/>
     <p:sldId id="257" r:id="rId3"/>
     <p:sldId id="258" r:id="rId4"/>
-    <p:sldId id="259" r:id="rId5"/>
+    <p:sldId id="261" r:id="rId5"/>
     <p:sldId id="260" r:id="rId6"/>
-    <p:sldId id="261" r:id="rId7"/>
-    <p:sldId id="262" r:id="rId8"/>
-    <p:sldId id="263" r:id="rId9"/>
-    <p:sldId id="267" r:id="rId10"/>
-    <p:sldId id="266" r:id="rId11"/>
-    <p:sldId id="264" r:id="rId12"/>
+    <p:sldId id="267" r:id="rId7"/>
+    <p:sldId id="266" r:id="rId8"/>
+    <p:sldId id="268" r:id="rId9"/>
+    <p:sldId id="264" r:id="rId10"/>
   </p:sldIdLst>
   <p:sldSz cx="12192000" cy="6858000"/>
   <p:notesSz cx="6858000" cy="9144000"/>
@@ -271,7 +269,7 @@
           <a:p>
             <a:fld id="{E1BC1721-5CED-45EF-BE6E-B0E4EE9D0A2D}" type="datetimeFigureOut">
               <a:rPr lang="en-GB" smtClean="0"/>
-              <a:t>23/11/2018</a:t>
+              <a:t>27/11/2018</a:t>
             </a:fld>
             <a:endParaRPr lang="en-GB"/>
           </a:p>
@@ -471,7 +469,7 @@
           <a:p>
             <a:fld id="{E1BC1721-5CED-45EF-BE6E-B0E4EE9D0A2D}" type="datetimeFigureOut">
               <a:rPr lang="en-GB" smtClean="0"/>
-              <a:t>23/11/2018</a:t>
+              <a:t>27/11/2018</a:t>
             </a:fld>
             <a:endParaRPr lang="en-GB"/>
           </a:p>
@@ -681,7 +679,7 @@
           <a:p>
             <a:fld id="{E1BC1721-5CED-45EF-BE6E-B0E4EE9D0A2D}" type="datetimeFigureOut">
               <a:rPr lang="en-GB" smtClean="0"/>
-              <a:t>23/11/2018</a:t>
+              <a:t>27/11/2018</a:t>
             </a:fld>
             <a:endParaRPr lang="en-GB"/>
           </a:p>
@@ -881,7 +879,7 @@
           <a:p>
             <a:fld id="{E1BC1721-5CED-45EF-BE6E-B0E4EE9D0A2D}" type="datetimeFigureOut">
               <a:rPr lang="en-GB" smtClean="0"/>
-              <a:t>23/11/2018</a:t>
+              <a:t>27/11/2018</a:t>
             </a:fld>
             <a:endParaRPr lang="en-GB"/>
           </a:p>
@@ -1157,7 +1155,7 @@
           <a:p>
             <a:fld id="{E1BC1721-5CED-45EF-BE6E-B0E4EE9D0A2D}" type="datetimeFigureOut">
               <a:rPr lang="en-GB" smtClean="0"/>
-              <a:t>23/11/2018</a:t>
+              <a:t>27/11/2018</a:t>
             </a:fld>
             <a:endParaRPr lang="en-GB"/>
           </a:p>
@@ -1425,7 +1423,7 @@
           <a:p>
             <a:fld id="{E1BC1721-5CED-45EF-BE6E-B0E4EE9D0A2D}" type="datetimeFigureOut">
               <a:rPr lang="en-GB" smtClean="0"/>
-              <a:t>23/11/2018</a:t>
+              <a:t>27/11/2018</a:t>
             </a:fld>
             <a:endParaRPr lang="en-GB"/>
           </a:p>
@@ -1840,7 +1838,7 @@
           <a:p>
             <a:fld id="{E1BC1721-5CED-45EF-BE6E-B0E4EE9D0A2D}" type="datetimeFigureOut">
               <a:rPr lang="en-GB" smtClean="0"/>
-              <a:t>23/11/2018</a:t>
+              <a:t>27/11/2018</a:t>
             </a:fld>
             <a:endParaRPr lang="en-GB"/>
           </a:p>
@@ -1982,7 +1980,7 @@
           <a:p>
             <a:fld id="{E1BC1721-5CED-45EF-BE6E-B0E4EE9D0A2D}" type="datetimeFigureOut">
               <a:rPr lang="en-GB" smtClean="0"/>
-              <a:t>23/11/2018</a:t>
+              <a:t>27/11/2018</a:t>
             </a:fld>
             <a:endParaRPr lang="en-GB"/>
           </a:p>
@@ -2095,7 +2093,7 @@
           <a:p>
             <a:fld id="{E1BC1721-5CED-45EF-BE6E-B0E4EE9D0A2D}" type="datetimeFigureOut">
               <a:rPr lang="en-GB" smtClean="0"/>
-              <a:t>23/11/2018</a:t>
+              <a:t>27/11/2018</a:t>
             </a:fld>
             <a:endParaRPr lang="en-GB"/>
           </a:p>
@@ -2408,7 +2406,7 @@
           <a:p>
             <a:fld id="{E1BC1721-5CED-45EF-BE6E-B0E4EE9D0A2D}" type="datetimeFigureOut">
               <a:rPr lang="en-GB" smtClean="0"/>
-              <a:t>23/11/2018</a:t>
+              <a:t>27/11/2018</a:t>
             </a:fld>
             <a:endParaRPr lang="en-GB"/>
           </a:p>
@@ -2697,7 +2695,7 @@
           <a:p>
             <a:fld id="{E1BC1721-5CED-45EF-BE6E-B0E4EE9D0A2D}" type="datetimeFigureOut">
               <a:rPr lang="en-GB" smtClean="0"/>
-              <a:t>23/11/2018</a:t>
+              <a:t>27/11/2018</a:t>
             </a:fld>
             <a:endParaRPr lang="en-GB"/>
           </a:p>
@@ -2940,7 +2938,7 @@
           <a:p>
             <a:fld id="{E1BC1721-5CED-45EF-BE6E-B0E4EE9D0A2D}" type="datetimeFigureOut">
               <a:rPr lang="en-GB" smtClean="0"/>
-              <a:t>23/11/2018</a:t>
+              <a:t>27/11/2018</a:t>
             </a:fld>
             <a:endParaRPr lang="en-GB"/>
           </a:p>
@@ -3440,1888 +3438,6 @@
 </p:sld>
 </file>
 
-<file path=ppt/slides/slide10.xml><?xml version="1.0" encoding="utf-8"?>
-<p:sld xmlns:a="http://schemas.openxmlformats.org/drawingml/2006/main" xmlns:r="http://schemas.openxmlformats.org/officeDocument/2006/relationships" xmlns:p="http://schemas.openxmlformats.org/presentationml/2006/main">
-  <p:cSld>
-    <p:spTree>
-      <p:nvGrpSpPr>
-        <p:cNvPr id="1" name=""/>
-        <p:cNvGrpSpPr/>
-        <p:nvPr/>
-      </p:nvGrpSpPr>
-      <p:grpSpPr>
-        <a:xfrm>
-          <a:off x="0" y="0"/>
-          <a:ext cx="0" cy="0"/>
-          <a:chOff x="0" y="0"/>
-          <a:chExt cx="0" cy="0"/>
-        </a:xfrm>
-      </p:grpSpPr>
-      <p:sp>
-        <p:nvSpPr>
-          <p:cNvPr id="2" name="Title 1">
-            <a:extLst>
-              <a:ext uri="{FF2B5EF4-FFF2-40B4-BE49-F238E27FC236}">
-                <a16:creationId xmlns:a16="http://schemas.microsoft.com/office/drawing/2014/main" id="{C502F099-9616-49AF-AD69-A97C6AEDC211}"/>
-              </a:ext>
-            </a:extLst>
-          </p:cNvPr>
-          <p:cNvSpPr>
-            <a:spLocks noGrp="1"/>
-          </p:cNvSpPr>
-          <p:nvPr>
-            <p:ph type="title"/>
-          </p:nvPr>
-        </p:nvSpPr>
-        <p:spPr>
-          <a:xfrm>
-            <a:off x="0" y="0"/>
-            <a:ext cx="4947920" cy="6858000"/>
-          </a:xfrm>
-        </p:spPr>
-        <p:txBody>
-          <a:bodyPr>
-            <a:normAutofit/>
-          </a:bodyPr>
-          <a:lstStyle/>
-          <a:p>
-            <a:pPr algn="ctr"/>
-            <a:r>
-              <a:rPr lang="en-GB" b="1" dirty="0"/>
-              <a:t>SNP information (</a:t>
-            </a:r>
-            <a:r>
-              <a:rPr lang="en-GB" b="1" dirty="0" err="1"/>
-              <a:t>PhenoScanner</a:t>
-            </a:r>
-            <a:r>
-              <a:rPr lang="en-GB" b="1" dirty="0"/>
-              <a:t>)</a:t>
-            </a:r>
-            <a:br>
-              <a:rPr lang="en-GB" b="1" dirty="0"/>
-            </a:br>
-            <a:r>
-              <a:rPr lang="en-GB" b="1" dirty="0"/>
-              <a:t>chr17:26694861</a:t>
-            </a:r>
-            <a:br>
-              <a:rPr lang="en-GB" b="1" dirty="0"/>
-            </a:br>
-            <a:r>
-              <a:rPr lang="en-GB" b="1" dirty="0"/>
-              <a:t>rs704:</a:t>
-            </a:r>
-            <a:br>
-              <a:rPr lang="en-GB" b="1" dirty="0"/>
-            </a:br>
-            <a:r>
-              <a:rPr lang="en-GB" b="1" dirty="0"/>
-              <a:t>Kwan </a:t>
-            </a:r>
-            <a:r>
-              <a:rPr lang="en-GB" b="1" dirty="0" smtClean="0"/>
-              <a:t>JS, et al. (2014), </a:t>
-            </a:r>
-            <a:r>
-              <a:rPr lang="en-GB" b="1" i="1" dirty="0" smtClean="0"/>
-              <a:t>Hum </a:t>
-            </a:r>
-            <a:r>
-              <a:rPr lang="en-GB" b="1" i="1" dirty="0" err="1" smtClean="0"/>
-              <a:t>Mol</a:t>
-            </a:r>
-            <a:r>
-              <a:rPr lang="en-GB" b="1" i="1" dirty="0" smtClean="0"/>
-              <a:t> Genet</a:t>
-            </a:r>
-            <a:r>
-              <a:rPr lang="en-GB" b="1" dirty="0" smtClean="0"/>
-              <a:t>, </a:t>
-            </a:r>
-            <a:r>
-              <a:rPr lang="en-GB" b="1" dirty="0" smtClean="0"/>
-              <a:t>PMID25080503</a:t>
-            </a:r>
-            <a:r>
-              <a:rPr lang="en-GB" b="1" dirty="0"/>
-              <a:t>, allele G ~ decrease of </a:t>
-            </a:r>
-            <a:r>
-              <a:rPr lang="en-GB" b="1" dirty="0" err="1"/>
-              <a:t>Osteoprotegerin</a:t>
-            </a:r>
-            <a:r>
-              <a:rPr lang="en-GB" b="1" dirty="0"/>
-              <a:t> levels (</a:t>
-            </a:r>
-            <a:r>
-              <a:rPr lang="en-GB" b="1" i="1" dirty="0"/>
-              <a:t>p</a:t>
-            </a:r>
-            <a:r>
-              <a:rPr lang="en-GB" b="1" dirty="0"/>
-              <a:t>=1e-9).</a:t>
-            </a:r>
-            <a:br>
-              <a:rPr lang="en-GB" b="1" dirty="0"/>
-            </a:br>
-            <a:endParaRPr lang="en-GB" b="1" dirty="0"/>
-          </a:p>
-        </p:txBody>
-      </p:sp>
-      <p:graphicFrame>
-        <p:nvGraphicFramePr>
-          <p:cNvPr id="5" name="Content Placeholder 4">
-            <a:extLst>
-              <a:ext uri="{FF2B5EF4-FFF2-40B4-BE49-F238E27FC236}">
-                <a16:creationId xmlns:a16="http://schemas.microsoft.com/office/drawing/2014/main" id="{887C0A28-9FD4-45FC-AB9C-8D5755CB04FD}"/>
-              </a:ext>
-            </a:extLst>
-          </p:cNvPr>
-          <p:cNvGraphicFramePr>
-            <a:graphicFrameLocks noGrp="1"/>
-          </p:cNvGraphicFramePr>
-          <p:nvPr>
-            <p:ph idx="1"/>
-            <p:extLst>
-              <p:ext uri="{D42A27DB-BD31-4B8C-83A1-F6EECF244321}">
-                <p14:modId xmlns:p14="http://schemas.microsoft.com/office/powerpoint/2010/main" val="2208170802"/>
-              </p:ext>
-            </p:extLst>
-          </p:nvPr>
-        </p:nvGraphicFramePr>
-        <p:xfrm>
-          <a:off x="5354320" y="0"/>
-          <a:ext cx="6837681" cy="6858004"/>
-        </p:xfrm>
-        <a:graphic>
-          <a:graphicData uri="http://schemas.openxmlformats.org/drawingml/2006/table">
-            <a:tbl>
-              <a:tblPr firstRow="1" bandRow="1">
-                <a:tableStyleId>{5C22544A-7EE6-4342-B048-85BDC9FD1C3A}</a:tableStyleId>
-              </a:tblPr>
-              <a:tblGrid>
-                <a:gridCol w="2206375">
-                  <a:extLst>
-                    <a:ext uri="{9D8B030D-6E8A-4147-A177-3AD203B41FA5}">
-                      <a16:colId xmlns:a16="http://schemas.microsoft.com/office/drawing/2014/main" val="3862113751"/>
-                    </a:ext>
-                  </a:extLst>
-                </a:gridCol>
-                <a:gridCol w="1790078">
-                  <a:extLst>
-                    <a:ext uri="{9D8B030D-6E8A-4147-A177-3AD203B41FA5}">
-                      <a16:colId xmlns:a16="http://schemas.microsoft.com/office/drawing/2014/main" val="2135184577"/>
-                    </a:ext>
-                  </a:extLst>
-                </a:gridCol>
-                <a:gridCol w="1727633">
-                  <a:extLst>
-                    <a:ext uri="{9D8B030D-6E8A-4147-A177-3AD203B41FA5}">
-                      <a16:colId xmlns:a16="http://schemas.microsoft.com/office/drawing/2014/main" val="3567808460"/>
-                    </a:ext>
-                  </a:extLst>
-                </a:gridCol>
-                <a:gridCol w="1113595">
-                  <a:extLst>
-                    <a:ext uri="{9D8B030D-6E8A-4147-A177-3AD203B41FA5}">
-                      <a16:colId xmlns:a16="http://schemas.microsoft.com/office/drawing/2014/main" val="2099834370"/>
-                    </a:ext>
-                  </a:extLst>
-                </a:gridCol>
-              </a:tblGrid>
-              <a:tr h="403412">
-                <a:tc>
-                  <a:txBody>
-                    <a:bodyPr/>
-                    <a:lstStyle/>
-                    <a:p>
-                      <a:pPr algn="l" fontAlgn="b"/>
-                      <a:r>
-                        <a:rPr lang="en-GB" sz="1100" b="1" i="0" u="none" strike="noStrike" dirty="0">
-                          <a:solidFill>
-                            <a:srgbClr val="000000"/>
-                          </a:solidFill>
-                          <a:effectLst/>
-                          <a:latin typeface="Calibri" panose="020F0502020204030204" pitchFamily="34" charset="0"/>
-                        </a:rPr>
-                        <a:t>SNP</a:t>
-                      </a:r>
-                    </a:p>
-                  </a:txBody>
-                  <a:tcPr marL="7620" marR="7620" marT="7620" marB="0" anchor="b"/>
-                </a:tc>
-                <a:tc>
-                  <a:txBody>
-                    <a:bodyPr/>
-                    <a:lstStyle/>
-                    <a:p>
-                      <a:pPr algn="l" fontAlgn="b"/>
-                      <a:r>
-                        <a:rPr lang="en-GB" sz="1100" b="1" i="0" u="none" strike="noStrike" dirty="0" err="1">
-                          <a:solidFill>
-                            <a:srgbClr val="000000"/>
-                          </a:solidFill>
-                          <a:effectLst/>
-                          <a:latin typeface="Calibri" panose="020F0502020204030204" pitchFamily="34" charset="0"/>
-                        </a:rPr>
-                        <a:t>rsID</a:t>
-                      </a:r>
-                      <a:endParaRPr lang="en-GB" sz="1100" b="1" i="0" u="none" strike="noStrike" dirty="0">
-                        <a:solidFill>
-                          <a:srgbClr val="000000"/>
-                        </a:solidFill>
-                        <a:effectLst/>
-                        <a:latin typeface="Calibri" panose="020F0502020204030204" pitchFamily="34" charset="0"/>
-                      </a:endParaRPr>
-                    </a:p>
-                  </a:txBody>
-                  <a:tcPr marL="7620" marR="7620" marT="7620" marB="0" anchor="b"/>
-                </a:tc>
-                <a:tc>
-                  <a:txBody>
-                    <a:bodyPr/>
-                    <a:lstStyle/>
-                    <a:p>
-                      <a:pPr algn="l" fontAlgn="b"/>
-                      <a:r>
-                        <a:rPr lang="en-GB" sz="1100" b="1" i="0" u="none" strike="noStrike">
-                          <a:solidFill>
-                            <a:srgbClr val="000000"/>
-                          </a:solidFill>
-                          <a:effectLst/>
-                          <a:latin typeface="Calibri" panose="020F0502020204030204" pitchFamily="34" charset="0"/>
-                        </a:rPr>
-                        <a:t>Pos (hg19)</a:t>
-                      </a:r>
-                    </a:p>
-                  </a:txBody>
-                  <a:tcPr marL="7620" marR="7620" marT="7620" marB="0" anchor="b"/>
-                </a:tc>
-                <a:tc>
-                  <a:txBody>
-                    <a:bodyPr/>
-                    <a:lstStyle/>
-                    <a:p>
-                      <a:pPr algn="l" fontAlgn="b"/>
-                      <a:r>
-                        <a:rPr lang="en-GB" sz="1100" b="1" i="0" u="none" strike="noStrike" dirty="0">
-                          <a:solidFill>
-                            <a:srgbClr val="000000"/>
-                          </a:solidFill>
-                          <a:effectLst/>
-                          <a:latin typeface="Calibri" panose="020F0502020204030204" pitchFamily="34" charset="0"/>
-                        </a:rPr>
-                        <a:t>Alleles</a:t>
-                      </a:r>
-                    </a:p>
-                  </a:txBody>
-                  <a:tcPr marL="7620" marR="7620" marT="7620" marB="0" anchor="b"/>
-                </a:tc>
-                <a:extLst>
-                  <a:ext uri="{0D108BD9-81ED-4DB2-BD59-A6C34878D82A}">
-                    <a16:rowId xmlns:a16="http://schemas.microsoft.com/office/drawing/2014/main" val="2311789186"/>
-                  </a:ext>
-                </a:extLst>
-              </a:tr>
-              <a:tr h="403412">
-                <a:tc>
-                  <a:txBody>
-                    <a:bodyPr/>
-                    <a:lstStyle/>
-                    <a:p>
-                      <a:pPr algn="l" fontAlgn="b"/>
-                      <a:r>
-                        <a:rPr lang="en-GB" sz="1100" b="0" i="0" u="none" strike="noStrike">
-                          <a:solidFill>
-                            <a:srgbClr val="000000"/>
-                          </a:solidFill>
-                          <a:effectLst/>
-                          <a:latin typeface="Calibri" panose="020F0502020204030204" pitchFamily="34" charset="0"/>
-                        </a:rPr>
-                        <a:t>chr8:119867209</a:t>
-                      </a:r>
-                    </a:p>
-                  </a:txBody>
-                  <a:tcPr marL="7620" marR="7620" marT="7620" marB="0" anchor="b"/>
-                </a:tc>
-                <a:tc>
-                  <a:txBody>
-                    <a:bodyPr/>
-                    <a:lstStyle/>
-                    <a:p>
-                      <a:pPr algn="l" fontAlgn="b"/>
-                      <a:r>
-                        <a:rPr lang="en-GB" sz="1100" b="0" i="0" u="none" strike="noStrike" dirty="0">
-                          <a:solidFill>
-                            <a:srgbClr val="000000"/>
-                          </a:solidFill>
-                          <a:effectLst/>
-                          <a:latin typeface="Calibri" panose="020F0502020204030204" pitchFamily="34" charset="0"/>
-                        </a:rPr>
-                        <a:t>rs149577650</a:t>
-                      </a:r>
-                    </a:p>
-                  </a:txBody>
-                  <a:tcPr marL="7620" marR="7620" marT="7620" marB="0" anchor="b"/>
-                </a:tc>
-                <a:tc>
-                  <a:txBody>
-                    <a:bodyPr/>
-                    <a:lstStyle/>
-                    <a:p>
-                      <a:pPr algn="l" fontAlgn="b"/>
-                      <a:r>
-                        <a:rPr lang="en-GB" sz="1100" b="0" i="0" u="none" strike="noStrike">
-                          <a:solidFill>
-                            <a:srgbClr val="000000"/>
-                          </a:solidFill>
-                          <a:effectLst/>
-                          <a:latin typeface="Calibri" panose="020F0502020204030204" pitchFamily="34" charset="0"/>
-                        </a:rPr>
-                        <a:t>chr8:119867209</a:t>
-                      </a:r>
-                    </a:p>
-                  </a:txBody>
-                  <a:tcPr marL="7620" marR="7620" marT="7620" marB="0" anchor="b"/>
-                </a:tc>
-                <a:tc>
-                  <a:txBody>
-                    <a:bodyPr/>
-                    <a:lstStyle/>
-                    <a:p>
-                      <a:pPr algn="l" fontAlgn="b"/>
-                      <a:r>
-                        <a:rPr lang="en-GB" sz="1100" b="0" i="0" u="none" strike="noStrike">
-                          <a:solidFill>
-                            <a:srgbClr val="000000"/>
-                          </a:solidFill>
-                          <a:effectLst/>
-                          <a:latin typeface="Calibri" panose="020F0502020204030204" pitchFamily="34" charset="0"/>
-                        </a:rPr>
-                        <a:t>A/C</a:t>
-                      </a:r>
-                    </a:p>
-                  </a:txBody>
-                  <a:tcPr marL="7620" marR="7620" marT="7620" marB="0" anchor="b"/>
-                </a:tc>
-                <a:extLst>
-                  <a:ext uri="{0D108BD9-81ED-4DB2-BD59-A6C34878D82A}">
-                    <a16:rowId xmlns:a16="http://schemas.microsoft.com/office/drawing/2014/main" val="2214996260"/>
-                  </a:ext>
-                </a:extLst>
-              </a:tr>
-              <a:tr h="403412">
-                <a:tc>
-                  <a:txBody>
-                    <a:bodyPr/>
-                    <a:lstStyle/>
-                    <a:p>
-                      <a:pPr algn="l" fontAlgn="b"/>
-                      <a:r>
-                        <a:rPr lang="en-GB" sz="1100" b="0" i="0" u="none" strike="noStrike">
-                          <a:solidFill>
-                            <a:srgbClr val="000000"/>
-                          </a:solidFill>
-                          <a:effectLst/>
-                          <a:latin typeface="Calibri" panose="020F0502020204030204" pitchFamily="34" charset="0"/>
-                        </a:rPr>
-                        <a:t>chr8:120081031</a:t>
-                      </a:r>
-                    </a:p>
-                  </a:txBody>
-                  <a:tcPr marL="7620" marR="7620" marT="7620" marB="0" anchor="b"/>
-                </a:tc>
-                <a:tc>
-                  <a:txBody>
-                    <a:bodyPr/>
-                    <a:lstStyle/>
-                    <a:p>
-                      <a:pPr algn="l" fontAlgn="b"/>
-                      <a:r>
-                        <a:rPr lang="en-GB" sz="1100" b="0" i="0" u="none" strike="noStrike">
-                          <a:solidFill>
-                            <a:srgbClr val="000000"/>
-                          </a:solidFill>
-                          <a:effectLst/>
-                          <a:latin typeface="Calibri" panose="020F0502020204030204" pitchFamily="34" charset="0"/>
-                        </a:rPr>
-                        <a:t>rs2247769</a:t>
-                      </a:r>
-                    </a:p>
-                  </a:txBody>
-                  <a:tcPr marL="7620" marR="7620" marT="7620" marB="0" anchor="b"/>
-                </a:tc>
-                <a:tc>
-                  <a:txBody>
-                    <a:bodyPr/>
-                    <a:lstStyle/>
-                    <a:p>
-                      <a:pPr algn="l" fontAlgn="b"/>
-                      <a:r>
-                        <a:rPr lang="en-GB" sz="1100" b="0" i="0" u="none" strike="noStrike">
-                          <a:solidFill>
-                            <a:srgbClr val="000000"/>
-                          </a:solidFill>
-                          <a:effectLst/>
-                          <a:latin typeface="Calibri" panose="020F0502020204030204" pitchFamily="34" charset="0"/>
-                        </a:rPr>
-                        <a:t>chr8:120081031</a:t>
-                      </a:r>
-                    </a:p>
-                  </a:txBody>
-                  <a:tcPr marL="7620" marR="7620" marT="7620" marB="0" anchor="b"/>
-                </a:tc>
-                <a:tc>
-                  <a:txBody>
-                    <a:bodyPr/>
-                    <a:lstStyle/>
-                    <a:p>
-                      <a:pPr algn="l" fontAlgn="b"/>
-                      <a:r>
-                        <a:rPr lang="en-GB" sz="1100" b="0" i="0" u="none" strike="noStrike">
-                          <a:solidFill>
-                            <a:srgbClr val="000000"/>
-                          </a:solidFill>
-                          <a:effectLst/>
-                          <a:latin typeface="Calibri" panose="020F0502020204030204" pitchFamily="34" charset="0"/>
-                        </a:rPr>
-                        <a:t>C/T</a:t>
-                      </a:r>
-                    </a:p>
-                  </a:txBody>
-                  <a:tcPr marL="7620" marR="7620" marT="7620" marB="0" anchor="b"/>
-                </a:tc>
-                <a:extLst>
-                  <a:ext uri="{0D108BD9-81ED-4DB2-BD59-A6C34878D82A}">
-                    <a16:rowId xmlns:a16="http://schemas.microsoft.com/office/drawing/2014/main" val="463528673"/>
-                  </a:ext>
-                </a:extLst>
-              </a:tr>
-              <a:tr h="403412">
-                <a:tc>
-                  <a:txBody>
-                    <a:bodyPr/>
-                    <a:lstStyle/>
-                    <a:p>
-                      <a:pPr algn="l" fontAlgn="b"/>
-                      <a:r>
-                        <a:rPr lang="en-GB" sz="1100" b="0" i="0" u="none" strike="noStrike">
-                          <a:solidFill>
-                            <a:srgbClr val="FF0000"/>
-                          </a:solidFill>
-                          <a:effectLst/>
-                          <a:latin typeface="Calibri" panose="020F0502020204030204" pitchFamily="34" charset="0"/>
-                        </a:rPr>
-                        <a:t>chr17:26694861</a:t>
-                      </a:r>
-                    </a:p>
-                  </a:txBody>
-                  <a:tcPr marL="7620" marR="7620" marT="7620" marB="0" anchor="b"/>
-                </a:tc>
-                <a:tc>
-                  <a:txBody>
-                    <a:bodyPr/>
-                    <a:lstStyle/>
-                    <a:p>
-                      <a:pPr algn="l" fontAlgn="b"/>
-                      <a:r>
-                        <a:rPr lang="en-GB" sz="1100" b="0" i="0" u="none" strike="noStrike">
-                          <a:solidFill>
-                            <a:srgbClr val="FF0000"/>
-                          </a:solidFill>
-                          <a:effectLst/>
-                          <a:latin typeface="Calibri" panose="020F0502020204030204" pitchFamily="34" charset="0"/>
-                        </a:rPr>
-                        <a:t>rs704</a:t>
-                      </a:r>
-                    </a:p>
-                  </a:txBody>
-                  <a:tcPr marL="7620" marR="7620" marT="7620" marB="0" anchor="b"/>
-                </a:tc>
-                <a:tc>
-                  <a:txBody>
-                    <a:bodyPr/>
-                    <a:lstStyle/>
-                    <a:p>
-                      <a:pPr algn="l" fontAlgn="b"/>
-                      <a:r>
-                        <a:rPr lang="en-GB" sz="1100" b="0" i="0" u="none" strike="noStrike">
-                          <a:solidFill>
-                            <a:srgbClr val="FF0000"/>
-                          </a:solidFill>
-                          <a:effectLst/>
-                          <a:latin typeface="Calibri" panose="020F0502020204030204" pitchFamily="34" charset="0"/>
-                        </a:rPr>
-                        <a:t>chr17:26694861</a:t>
-                      </a:r>
-                    </a:p>
-                  </a:txBody>
-                  <a:tcPr marL="7620" marR="7620" marT="7620" marB="0" anchor="b"/>
-                </a:tc>
-                <a:tc>
-                  <a:txBody>
-                    <a:bodyPr/>
-                    <a:lstStyle/>
-                    <a:p>
-                      <a:pPr algn="l" fontAlgn="b"/>
-                      <a:r>
-                        <a:rPr lang="en-GB" sz="1100" b="0" i="0" u="none" strike="noStrike" dirty="0">
-                          <a:solidFill>
-                            <a:srgbClr val="FF0000"/>
-                          </a:solidFill>
-                          <a:effectLst/>
-                          <a:latin typeface="Calibri" panose="020F0502020204030204" pitchFamily="34" charset="0"/>
-                        </a:rPr>
-                        <a:t>G/A</a:t>
-                      </a:r>
-                    </a:p>
-                  </a:txBody>
-                  <a:tcPr marL="7620" marR="7620" marT="7620" marB="0" anchor="b"/>
-                </a:tc>
-                <a:extLst>
-                  <a:ext uri="{0D108BD9-81ED-4DB2-BD59-A6C34878D82A}">
-                    <a16:rowId xmlns:a16="http://schemas.microsoft.com/office/drawing/2014/main" val="4201455789"/>
-                  </a:ext>
-                </a:extLst>
-              </a:tr>
-              <a:tr h="403412">
-                <a:tc>
-                  <a:txBody>
-                    <a:bodyPr/>
-                    <a:lstStyle/>
-                    <a:p>
-                      <a:pPr algn="l" fontAlgn="b"/>
-                      <a:r>
-                        <a:rPr lang="en-GB" sz="1100" b="0" i="0" u="none" strike="noStrike" dirty="0">
-                          <a:solidFill>
-                            <a:srgbClr val="000000"/>
-                          </a:solidFill>
-                          <a:effectLst/>
-                          <a:latin typeface="Calibri" panose="020F0502020204030204" pitchFamily="34" charset="0"/>
-                        </a:rPr>
-                        <a:t>chr19:1227505</a:t>
-                      </a:r>
-                    </a:p>
-                  </a:txBody>
-                  <a:tcPr marL="7620" marR="7620" marT="7620" marB="0" anchor="b"/>
-                </a:tc>
-                <a:tc>
-                  <a:txBody>
-                    <a:bodyPr/>
-                    <a:lstStyle/>
-                    <a:p>
-                      <a:pPr algn="l" fontAlgn="b"/>
-                      <a:r>
-                        <a:rPr lang="en-GB" sz="1100" b="0" i="0" u="none" strike="noStrike">
-                          <a:solidFill>
-                            <a:srgbClr val="000000"/>
-                          </a:solidFill>
-                          <a:effectLst/>
-                          <a:latin typeface="Calibri" panose="020F0502020204030204" pitchFamily="34" charset="0"/>
-                        </a:rPr>
-                        <a:t>rs7259447</a:t>
-                      </a:r>
-                    </a:p>
-                  </a:txBody>
-                  <a:tcPr marL="7620" marR="7620" marT="7620" marB="0" anchor="b"/>
-                </a:tc>
-                <a:tc>
-                  <a:txBody>
-                    <a:bodyPr/>
-                    <a:lstStyle/>
-                    <a:p>
-                      <a:pPr algn="l" fontAlgn="b"/>
-                      <a:r>
-                        <a:rPr lang="en-GB" sz="1100" b="0" i="0" u="none" strike="noStrike">
-                          <a:solidFill>
-                            <a:srgbClr val="000000"/>
-                          </a:solidFill>
-                          <a:effectLst/>
-                          <a:latin typeface="Calibri" panose="020F0502020204030204" pitchFamily="34" charset="0"/>
-                        </a:rPr>
-                        <a:t>chr19:1227505</a:t>
-                      </a:r>
-                    </a:p>
-                  </a:txBody>
-                  <a:tcPr marL="7620" marR="7620" marT="7620" marB="0" anchor="b"/>
-                </a:tc>
-                <a:tc>
-                  <a:txBody>
-                    <a:bodyPr/>
-                    <a:lstStyle/>
-                    <a:p>
-                      <a:pPr algn="l" fontAlgn="b"/>
-                      <a:r>
-                        <a:rPr lang="en-GB" sz="1100" b="0" i="0" u="none" strike="noStrike">
-                          <a:solidFill>
-                            <a:srgbClr val="000000"/>
-                          </a:solidFill>
-                          <a:effectLst/>
-                          <a:latin typeface="Calibri" panose="020F0502020204030204" pitchFamily="34" charset="0"/>
-                        </a:rPr>
-                        <a:t>C/T</a:t>
-                      </a:r>
-                    </a:p>
-                  </a:txBody>
-                  <a:tcPr marL="7620" marR="7620" marT="7620" marB="0" anchor="b"/>
-                </a:tc>
-                <a:extLst>
-                  <a:ext uri="{0D108BD9-81ED-4DB2-BD59-A6C34878D82A}">
-                    <a16:rowId xmlns:a16="http://schemas.microsoft.com/office/drawing/2014/main" val="2380621020"/>
-                  </a:ext>
-                </a:extLst>
-              </a:tr>
-              <a:tr h="403412">
-                <a:tc>
-                  <a:txBody>
-                    <a:bodyPr/>
-                    <a:lstStyle/>
-                    <a:p>
-                      <a:pPr algn="l" fontAlgn="b"/>
-                      <a:r>
-                        <a:rPr lang="en-GB" sz="1100" b="0" i="0" u="none" strike="noStrike">
-                          <a:solidFill>
-                            <a:srgbClr val="000000"/>
-                          </a:solidFill>
-                          <a:effectLst/>
-                          <a:latin typeface="Calibri" panose="020F0502020204030204" pitchFamily="34" charset="0"/>
-                        </a:rPr>
-                        <a:t>chr19:1403959</a:t>
-                      </a:r>
-                    </a:p>
-                  </a:txBody>
-                  <a:tcPr marL="7620" marR="7620" marT="7620" marB="0" anchor="b"/>
-                </a:tc>
-                <a:tc>
-                  <a:txBody>
-                    <a:bodyPr/>
-                    <a:lstStyle/>
-                    <a:p>
-                      <a:pPr algn="l" fontAlgn="b"/>
-                      <a:r>
-                        <a:rPr lang="en-GB" sz="1100" b="0" i="0" u="none" strike="noStrike">
-                          <a:solidFill>
-                            <a:srgbClr val="000000"/>
-                          </a:solidFill>
-                          <a:effectLst/>
-                          <a:latin typeface="Calibri" panose="020F0502020204030204" pitchFamily="34" charset="0"/>
-                        </a:rPr>
-                        <a:t>chr19:1403959</a:t>
-                      </a:r>
-                    </a:p>
-                  </a:txBody>
-                  <a:tcPr marL="7620" marR="7620" marT="7620" marB="0" anchor="b"/>
-                </a:tc>
-                <a:tc>
-                  <a:txBody>
-                    <a:bodyPr/>
-                    <a:lstStyle/>
-                    <a:p>
-                      <a:pPr algn="l" fontAlgn="b"/>
-                      <a:r>
-                        <a:rPr lang="en-GB" sz="1100" b="0" i="0" u="none" strike="noStrike">
-                          <a:solidFill>
-                            <a:srgbClr val="000000"/>
-                          </a:solidFill>
-                          <a:effectLst/>
-                          <a:latin typeface="Calibri" panose="020F0502020204030204" pitchFamily="34" charset="0"/>
-                        </a:rPr>
-                        <a:t>chr19:1403959</a:t>
-                      </a:r>
-                    </a:p>
-                  </a:txBody>
-                  <a:tcPr marL="7620" marR="7620" marT="7620" marB="0" anchor="b"/>
-                </a:tc>
-                <a:tc>
-                  <a:txBody>
-                    <a:bodyPr/>
-                    <a:lstStyle/>
-                    <a:p>
-                      <a:pPr algn="l" fontAlgn="b"/>
-                      <a:r>
-                        <a:rPr lang="en-GB" sz="1100" b="0" i="0" u="none" strike="noStrike">
-                          <a:solidFill>
-                            <a:srgbClr val="000000"/>
-                          </a:solidFill>
-                          <a:effectLst/>
-                          <a:latin typeface="Calibri" panose="020F0502020204030204" pitchFamily="34" charset="0"/>
-                        </a:rPr>
-                        <a:t>C/G</a:t>
-                      </a:r>
-                    </a:p>
-                  </a:txBody>
-                  <a:tcPr marL="7620" marR="7620" marT="7620" marB="0" anchor="b"/>
-                </a:tc>
-                <a:extLst>
-                  <a:ext uri="{0D108BD9-81ED-4DB2-BD59-A6C34878D82A}">
-                    <a16:rowId xmlns:a16="http://schemas.microsoft.com/office/drawing/2014/main" val="631381923"/>
-                  </a:ext>
-                </a:extLst>
-              </a:tr>
-              <a:tr h="403412">
-                <a:tc>
-                  <a:txBody>
-                    <a:bodyPr/>
-                    <a:lstStyle/>
-                    <a:p>
-                      <a:pPr algn="l" fontAlgn="b"/>
-                      <a:r>
-                        <a:rPr lang="en-GB" sz="1100" b="0" i="0" u="none" strike="noStrike">
-                          <a:solidFill>
-                            <a:srgbClr val="000000"/>
-                          </a:solidFill>
-                          <a:effectLst/>
-                          <a:latin typeface="Calibri" panose="020F0502020204030204" pitchFamily="34" charset="0"/>
-                        </a:rPr>
-                        <a:t>chr19:3932314</a:t>
-                      </a:r>
-                    </a:p>
-                  </a:txBody>
-                  <a:tcPr marL="7620" marR="7620" marT="7620" marB="0" anchor="b"/>
-                </a:tc>
-                <a:tc>
-                  <a:txBody>
-                    <a:bodyPr/>
-                    <a:lstStyle/>
-                    <a:p>
-                      <a:pPr algn="l" fontAlgn="b"/>
-                      <a:r>
-                        <a:rPr lang="en-GB" sz="1100" b="0" i="0" u="none" strike="noStrike">
-                          <a:solidFill>
-                            <a:srgbClr val="000000"/>
-                          </a:solidFill>
-                          <a:effectLst/>
-                          <a:latin typeface="Calibri" panose="020F0502020204030204" pitchFamily="34" charset="0"/>
-                        </a:rPr>
-                        <a:t>rs149200741</a:t>
-                      </a:r>
-                    </a:p>
-                  </a:txBody>
-                  <a:tcPr marL="7620" marR="7620" marT="7620" marB="0" anchor="b"/>
-                </a:tc>
-                <a:tc>
-                  <a:txBody>
-                    <a:bodyPr/>
-                    <a:lstStyle/>
-                    <a:p>
-                      <a:pPr algn="l" fontAlgn="b"/>
-                      <a:r>
-                        <a:rPr lang="en-GB" sz="1100" b="0" i="0" u="none" strike="noStrike">
-                          <a:solidFill>
-                            <a:srgbClr val="000000"/>
-                          </a:solidFill>
-                          <a:effectLst/>
-                          <a:latin typeface="Calibri" panose="020F0502020204030204" pitchFamily="34" charset="0"/>
-                        </a:rPr>
-                        <a:t>chr19:3932314</a:t>
-                      </a:r>
-                    </a:p>
-                  </a:txBody>
-                  <a:tcPr marL="7620" marR="7620" marT="7620" marB="0" anchor="b"/>
-                </a:tc>
-                <a:tc>
-                  <a:txBody>
-                    <a:bodyPr/>
-                    <a:lstStyle/>
-                    <a:p>
-                      <a:pPr algn="l" fontAlgn="b"/>
-                      <a:r>
-                        <a:rPr lang="en-GB" sz="1100" b="0" i="0" u="none" strike="noStrike">
-                          <a:solidFill>
-                            <a:srgbClr val="000000"/>
-                          </a:solidFill>
-                          <a:effectLst/>
-                          <a:latin typeface="Calibri" panose="020F0502020204030204" pitchFamily="34" charset="0"/>
-                        </a:rPr>
-                        <a:t>C/T</a:t>
-                      </a:r>
-                    </a:p>
-                  </a:txBody>
-                  <a:tcPr marL="7620" marR="7620" marT="7620" marB="0" anchor="b"/>
-                </a:tc>
-                <a:extLst>
-                  <a:ext uri="{0D108BD9-81ED-4DB2-BD59-A6C34878D82A}">
-                    <a16:rowId xmlns:a16="http://schemas.microsoft.com/office/drawing/2014/main" val="280472112"/>
-                  </a:ext>
-                </a:extLst>
-              </a:tr>
-              <a:tr h="403412">
-                <a:tc>
-                  <a:txBody>
-                    <a:bodyPr/>
-                    <a:lstStyle/>
-                    <a:p>
-                      <a:pPr algn="l" fontAlgn="b"/>
-                      <a:r>
-                        <a:rPr lang="en-GB" sz="1100" b="0" i="0" u="none" strike="noStrike">
-                          <a:solidFill>
-                            <a:srgbClr val="000000"/>
-                          </a:solidFill>
-                          <a:effectLst/>
-                          <a:latin typeface="Calibri" panose="020F0502020204030204" pitchFamily="34" charset="0"/>
-                        </a:rPr>
-                        <a:t>chr19:6641765</a:t>
-                      </a:r>
-                    </a:p>
-                  </a:txBody>
-                  <a:tcPr marL="7620" marR="7620" marT="7620" marB="0" anchor="b"/>
-                </a:tc>
-                <a:tc>
-                  <a:txBody>
-                    <a:bodyPr/>
-                    <a:lstStyle/>
-                    <a:p>
-                      <a:pPr algn="l" fontAlgn="b"/>
-                      <a:r>
-                        <a:rPr lang="en-GB" sz="1100" b="0" i="0" u="none" strike="noStrike">
-                          <a:solidFill>
-                            <a:srgbClr val="000000"/>
-                          </a:solidFill>
-                          <a:effectLst/>
-                          <a:latin typeface="Calibri" panose="020F0502020204030204" pitchFamily="34" charset="0"/>
-                        </a:rPr>
-                        <a:t>rs56029314</a:t>
-                      </a:r>
-                    </a:p>
-                  </a:txBody>
-                  <a:tcPr marL="7620" marR="7620" marT="7620" marB="0" anchor="b"/>
-                </a:tc>
-                <a:tc>
-                  <a:txBody>
-                    <a:bodyPr/>
-                    <a:lstStyle/>
-                    <a:p>
-                      <a:pPr algn="l" fontAlgn="b"/>
-                      <a:r>
-                        <a:rPr lang="en-GB" sz="1100" b="0" i="0" u="none" strike="noStrike">
-                          <a:solidFill>
-                            <a:srgbClr val="000000"/>
-                          </a:solidFill>
-                          <a:effectLst/>
-                          <a:latin typeface="Calibri" panose="020F0502020204030204" pitchFamily="34" charset="0"/>
-                        </a:rPr>
-                        <a:t>chr19:6641765</a:t>
-                      </a:r>
-                    </a:p>
-                  </a:txBody>
-                  <a:tcPr marL="7620" marR="7620" marT="7620" marB="0" anchor="b"/>
-                </a:tc>
-                <a:tc>
-                  <a:txBody>
-                    <a:bodyPr/>
-                    <a:lstStyle/>
-                    <a:p>
-                      <a:pPr algn="l" fontAlgn="b"/>
-                      <a:r>
-                        <a:rPr lang="en-GB" sz="1100" b="0" i="0" u="none" strike="noStrike">
-                          <a:solidFill>
-                            <a:srgbClr val="000000"/>
-                          </a:solidFill>
-                          <a:effectLst/>
-                          <a:latin typeface="Calibri" panose="020F0502020204030204" pitchFamily="34" charset="0"/>
-                        </a:rPr>
-                        <a:t>C/T</a:t>
-                      </a:r>
-                    </a:p>
-                  </a:txBody>
-                  <a:tcPr marL="7620" marR="7620" marT="7620" marB="0" anchor="b"/>
-                </a:tc>
-                <a:extLst>
-                  <a:ext uri="{0D108BD9-81ED-4DB2-BD59-A6C34878D82A}">
-                    <a16:rowId xmlns:a16="http://schemas.microsoft.com/office/drawing/2014/main" val="1016826138"/>
-                  </a:ext>
-                </a:extLst>
-              </a:tr>
-              <a:tr h="403412">
-                <a:tc>
-                  <a:txBody>
-                    <a:bodyPr/>
-                    <a:lstStyle/>
-                    <a:p>
-                      <a:pPr algn="l" fontAlgn="b"/>
-                      <a:r>
-                        <a:rPr lang="en-GB" sz="1100" b="0" i="0" u="none" strike="noStrike" dirty="0">
-                          <a:solidFill>
-                            <a:srgbClr val="000000"/>
-                          </a:solidFill>
-                          <a:effectLst/>
-                          <a:latin typeface="Calibri" panose="020F0502020204030204" pitchFamily="34" charset="0"/>
-                        </a:rPr>
-                        <a:t>chr19:6665020</a:t>
-                      </a:r>
-                    </a:p>
-                  </a:txBody>
-                  <a:tcPr marL="7620" marR="7620" marT="7620" marB="0" anchor="b"/>
-                </a:tc>
-                <a:tc>
-                  <a:txBody>
-                    <a:bodyPr/>
-                    <a:lstStyle/>
-                    <a:p>
-                      <a:pPr algn="l" fontAlgn="b"/>
-                      <a:r>
-                        <a:rPr lang="en-GB" sz="1100" b="0" i="0" u="none" strike="noStrike">
-                          <a:solidFill>
-                            <a:srgbClr val="000000"/>
-                          </a:solidFill>
-                          <a:effectLst/>
-                          <a:latin typeface="Calibri" panose="020F0502020204030204" pitchFamily="34" charset="0"/>
-                        </a:rPr>
-                        <a:t>rs344560</a:t>
-                      </a:r>
-                    </a:p>
-                  </a:txBody>
-                  <a:tcPr marL="7620" marR="7620" marT="7620" marB="0" anchor="b"/>
-                </a:tc>
-                <a:tc>
-                  <a:txBody>
-                    <a:bodyPr/>
-                    <a:lstStyle/>
-                    <a:p>
-                      <a:pPr algn="l" fontAlgn="b"/>
-                      <a:r>
-                        <a:rPr lang="en-GB" sz="1100" b="0" i="0" u="none" strike="noStrike">
-                          <a:solidFill>
-                            <a:srgbClr val="000000"/>
-                          </a:solidFill>
-                          <a:effectLst/>
-                          <a:latin typeface="Calibri" panose="020F0502020204030204" pitchFamily="34" charset="0"/>
-                        </a:rPr>
-                        <a:t>chr19:6665020</a:t>
-                      </a:r>
-                    </a:p>
-                  </a:txBody>
-                  <a:tcPr marL="7620" marR="7620" marT="7620" marB="0" anchor="b"/>
-                </a:tc>
-                <a:tc>
-                  <a:txBody>
-                    <a:bodyPr/>
-                    <a:lstStyle/>
-                    <a:p>
-                      <a:pPr algn="l" fontAlgn="b"/>
-                      <a:r>
-                        <a:rPr lang="en-GB" sz="1100" b="0" i="0" u="none" strike="noStrike">
-                          <a:solidFill>
-                            <a:srgbClr val="000000"/>
-                          </a:solidFill>
-                          <a:effectLst/>
-                          <a:latin typeface="Calibri" panose="020F0502020204030204" pitchFamily="34" charset="0"/>
-                        </a:rPr>
-                        <a:t>T/C</a:t>
-                      </a:r>
-                    </a:p>
-                  </a:txBody>
-                  <a:tcPr marL="7620" marR="7620" marT="7620" marB="0" anchor="b"/>
-                </a:tc>
-                <a:extLst>
-                  <a:ext uri="{0D108BD9-81ED-4DB2-BD59-A6C34878D82A}">
-                    <a16:rowId xmlns:a16="http://schemas.microsoft.com/office/drawing/2014/main" val="3637693929"/>
-                  </a:ext>
-                </a:extLst>
-              </a:tr>
-              <a:tr h="403412">
-                <a:tc>
-                  <a:txBody>
-                    <a:bodyPr/>
-                    <a:lstStyle/>
-                    <a:p>
-                      <a:pPr algn="l" fontAlgn="b"/>
-                      <a:r>
-                        <a:rPr lang="en-GB" sz="1100" b="0" i="0" u="none" strike="noStrike">
-                          <a:solidFill>
-                            <a:srgbClr val="000000"/>
-                          </a:solidFill>
-                          <a:effectLst/>
-                          <a:latin typeface="Calibri" panose="020F0502020204030204" pitchFamily="34" charset="0"/>
-                        </a:rPr>
-                        <a:t>chr19:6673889</a:t>
-                      </a:r>
-                    </a:p>
-                  </a:txBody>
-                  <a:tcPr marL="7620" marR="7620" marT="7620" marB="0" anchor="b"/>
-                </a:tc>
-                <a:tc>
-                  <a:txBody>
-                    <a:bodyPr/>
-                    <a:lstStyle/>
-                    <a:p>
-                      <a:pPr algn="l" fontAlgn="b"/>
-                      <a:r>
-                        <a:rPr lang="en-GB" sz="1100" b="0" i="0" u="none" strike="noStrike">
-                          <a:solidFill>
-                            <a:srgbClr val="000000"/>
-                          </a:solidFill>
-                          <a:effectLst/>
-                          <a:latin typeface="Calibri" panose="020F0502020204030204" pitchFamily="34" charset="0"/>
-                        </a:rPr>
-                        <a:t>rs6510917</a:t>
-                      </a:r>
-                    </a:p>
-                  </a:txBody>
-                  <a:tcPr marL="7620" marR="7620" marT="7620" marB="0" anchor="b"/>
-                </a:tc>
-                <a:tc>
-                  <a:txBody>
-                    <a:bodyPr/>
-                    <a:lstStyle/>
-                    <a:p>
-                      <a:pPr algn="l" fontAlgn="b"/>
-                      <a:r>
-                        <a:rPr lang="en-GB" sz="1100" b="0" i="0" u="none" strike="noStrike" dirty="0">
-                          <a:solidFill>
-                            <a:srgbClr val="000000"/>
-                          </a:solidFill>
-                          <a:effectLst/>
-                          <a:latin typeface="Calibri" panose="020F0502020204030204" pitchFamily="34" charset="0"/>
-                        </a:rPr>
-                        <a:t>chr19:6673889</a:t>
-                      </a:r>
-                    </a:p>
-                  </a:txBody>
-                  <a:tcPr marL="7620" marR="7620" marT="7620" marB="0" anchor="b"/>
-                </a:tc>
-                <a:tc>
-                  <a:txBody>
-                    <a:bodyPr/>
-                    <a:lstStyle/>
-                    <a:p>
-                      <a:pPr algn="l" fontAlgn="b"/>
-                      <a:r>
-                        <a:rPr lang="en-GB" sz="1100" b="0" i="0" u="none" strike="noStrike">
-                          <a:solidFill>
-                            <a:srgbClr val="000000"/>
-                          </a:solidFill>
-                          <a:effectLst/>
-                          <a:latin typeface="Calibri" panose="020F0502020204030204" pitchFamily="34" charset="0"/>
-                        </a:rPr>
-                        <a:t>A/G</a:t>
-                      </a:r>
-                    </a:p>
-                  </a:txBody>
-                  <a:tcPr marL="7620" marR="7620" marT="7620" marB="0" anchor="b"/>
-                </a:tc>
-                <a:extLst>
-                  <a:ext uri="{0D108BD9-81ED-4DB2-BD59-A6C34878D82A}">
-                    <a16:rowId xmlns:a16="http://schemas.microsoft.com/office/drawing/2014/main" val="3168733370"/>
-                  </a:ext>
-                </a:extLst>
-              </a:tr>
-              <a:tr h="403412">
-                <a:tc>
-                  <a:txBody>
-                    <a:bodyPr/>
-                    <a:lstStyle/>
-                    <a:p>
-                      <a:pPr algn="l" fontAlgn="b"/>
-                      <a:r>
-                        <a:rPr lang="en-GB" sz="1100" b="0" i="0" u="none" strike="noStrike">
-                          <a:solidFill>
-                            <a:srgbClr val="000000"/>
-                          </a:solidFill>
-                          <a:effectLst/>
-                          <a:latin typeface="Calibri" panose="020F0502020204030204" pitchFamily="34" charset="0"/>
-                        </a:rPr>
-                        <a:t>chr19:6704670</a:t>
-                      </a:r>
-                    </a:p>
-                  </a:txBody>
-                  <a:tcPr marL="7620" marR="7620" marT="7620" marB="0" anchor="b"/>
-                </a:tc>
-                <a:tc>
-                  <a:txBody>
-                    <a:bodyPr/>
-                    <a:lstStyle/>
-                    <a:p>
-                      <a:pPr algn="l" fontAlgn="b"/>
-                      <a:r>
-                        <a:rPr lang="en-GB" sz="1100" b="0" i="0" u="none" strike="noStrike">
-                          <a:solidFill>
-                            <a:srgbClr val="000000"/>
-                          </a:solidFill>
-                          <a:effectLst/>
-                          <a:latin typeface="Calibri" panose="020F0502020204030204" pitchFamily="34" charset="0"/>
-                        </a:rPr>
-                        <a:t>rs11085195</a:t>
-                      </a:r>
-                    </a:p>
-                  </a:txBody>
-                  <a:tcPr marL="7620" marR="7620" marT="7620" marB="0" anchor="b"/>
-                </a:tc>
-                <a:tc>
-                  <a:txBody>
-                    <a:bodyPr/>
-                    <a:lstStyle/>
-                    <a:p>
-                      <a:pPr algn="l" fontAlgn="b"/>
-                      <a:r>
-                        <a:rPr lang="en-GB" sz="1100" b="0" i="0" u="none" strike="noStrike">
-                          <a:solidFill>
-                            <a:srgbClr val="000000"/>
-                          </a:solidFill>
-                          <a:effectLst/>
-                          <a:latin typeface="Calibri" panose="020F0502020204030204" pitchFamily="34" charset="0"/>
-                        </a:rPr>
-                        <a:t>chr19:6704670</a:t>
-                      </a:r>
-                    </a:p>
-                  </a:txBody>
-                  <a:tcPr marL="7620" marR="7620" marT="7620" marB="0" anchor="b"/>
-                </a:tc>
-                <a:tc>
-                  <a:txBody>
-                    <a:bodyPr/>
-                    <a:lstStyle/>
-                    <a:p>
-                      <a:pPr algn="l" fontAlgn="b"/>
-                      <a:r>
-                        <a:rPr lang="en-GB" sz="1100" b="0" i="0" u="none" strike="noStrike">
-                          <a:solidFill>
-                            <a:srgbClr val="000000"/>
-                          </a:solidFill>
-                          <a:effectLst/>
-                          <a:latin typeface="Calibri" panose="020F0502020204030204" pitchFamily="34" charset="0"/>
-                        </a:rPr>
-                        <a:t>T/C</a:t>
-                      </a:r>
-                    </a:p>
-                  </a:txBody>
-                  <a:tcPr marL="7620" marR="7620" marT="7620" marB="0" anchor="b"/>
-                </a:tc>
-                <a:extLst>
-                  <a:ext uri="{0D108BD9-81ED-4DB2-BD59-A6C34878D82A}">
-                    <a16:rowId xmlns:a16="http://schemas.microsoft.com/office/drawing/2014/main" val="1391176935"/>
-                  </a:ext>
-                </a:extLst>
-              </a:tr>
-              <a:tr h="403412">
-                <a:tc>
-                  <a:txBody>
-                    <a:bodyPr/>
-                    <a:lstStyle/>
-                    <a:p>
-                      <a:pPr algn="l" fontAlgn="b"/>
-                      <a:r>
-                        <a:rPr lang="en-GB" sz="1100" b="0" i="0" u="none" strike="noStrike">
-                          <a:solidFill>
-                            <a:srgbClr val="000000"/>
-                          </a:solidFill>
-                          <a:effectLst/>
-                          <a:latin typeface="Calibri" panose="020F0502020204030204" pitchFamily="34" charset="0"/>
-                        </a:rPr>
-                        <a:t>chr19:8094596</a:t>
-                      </a:r>
-                    </a:p>
-                  </a:txBody>
-                  <a:tcPr marL="7620" marR="7620" marT="7620" marB="0" anchor="b"/>
-                </a:tc>
-                <a:tc>
-                  <a:txBody>
-                    <a:bodyPr/>
-                    <a:lstStyle/>
-                    <a:p>
-                      <a:pPr algn="l" fontAlgn="b"/>
-                      <a:r>
-                        <a:rPr lang="en-GB" sz="1100" b="0" i="0" u="none" strike="noStrike">
-                          <a:solidFill>
-                            <a:srgbClr val="000000"/>
-                          </a:solidFill>
-                          <a:effectLst/>
-                          <a:latin typeface="Calibri" panose="020F0502020204030204" pitchFamily="34" charset="0"/>
-                        </a:rPr>
-                        <a:t>rs142682195</a:t>
-                      </a:r>
-                    </a:p>
-                  </a:txBody>
-                  <a:tcPr marL="7620" marR="7620" marT="7620" marB="0" anchor="b"/>
-                </a:tc>
-                <a:tc>
-                  <a:txBody>
-                    <a:bodyPr/>
-                    <a:lstStyle/>
-                    <a:p>
-                      <a:pPr algn="l" fontAlgn="b"/>
-                      <a:r>
-                        <a:rPr lang="en-GB" sz="1100" b="0" i="0" u="none" strike="noStrike">
-                          <a:solidFill>
-                            <a:srgbClr val="000000"/>
-                          </a:solidFill>
-                          <a:effectLst/>
-                          <a:latin typeface="Calibri" panose="020F0502020204030204" pitchFamily="34" charset="0"/>
-                        </a:rPr>
-                        <a:t>chr19:8094596</a:t>
-                      </a:r>
-                    </a:p>
-                  </a:txBody>
-                  <a:tcPr marL="7620" marR="7620" marT="7620" marB="0" anchor="b"/>
-                </a:tc>
-                <a:tc>
-                  <a:txBody>
-                    <a:bodyPr/>
-                    <a:lstStyle/>
-                    <a:p>
-                      <a:pPr algn="l" fontAlgn="b"/>
-                      <a:r>
-                        <a:rPr lang="en-GB" sz="1100" b="0" i="0" u="none" strike="noStrike">
-                          <a:solidFill>
-                            <a:srgbClr val="000000"/>
-                          </a:solidFill>
-                          <a:effectLst/>
-                          <a:latin typeface="Calibri" panose="020F0502020204030204" pitchFamily="34" charset="0"/>
-                        </a:rPr>
-                        <a:t>A/G</a:t>
-                      </a:r>
-                    </a:p>
-                  </a:txBody>
-                  <a:tcPr marL="7620" marR="7620" marT="7620" marB="0" anchor="b"/>
-                </a:tc>
-                <a:extLst>
-                  <a:ext uri="{0D108BD9-81ED-4DB2-BD59-A6C34878D82A}">
-                    <a16:rowId xmlns:a16="http://schemas.microsoft.com/office/drawing/2014/main" val="522236567"/>
-                  </a:ext>
-                </a:extLst>
-              </a:tr>
-              <a:tr h="403412">
-                <a:tc>
-                  <a:txBody>
-                    <a:bodyPr/>
-                    <a:lstStyle/>
-                    <a:p>
-                      <a:pPr algn="l" fontAlgn="b"/>
-                      <a:r>
-                        <a:rPr lang="en-GB" sz="1100" b="0" i="0" u="none" strike="noStrike">
-                          <a:solidFill>
-                            <a:srgbClr val="000000"/>
-                          </a:solidFill>
-                          <a:effectLst/>
-                          <a:latin typeface="Calibri" panose="020F0502020204030204" pitchFamily="34" charset="0"/>
-                        </a:rPr>
-                        <a:t>chr19:8120283</a:t>
-                      </a:r>
-                    </a:p>
-                  </a:txBody>
-                  <a:tcPr marL="7620" marR="7620" marT="7620" marB="0" anchor="b"/>
-                </a:tc>
-                <a:tc>
-                  <a:txBody>
-                    <a:bodyPr/>
-                    <a:lstStyle/>
-                    <a:p>
-                      <a:pPr algn="l" fontAlgn="b"/>
-                      <a:r>
-                        <a:rPr lang="en-GB" sz="1100" b="0" i="0" u="none" strike="noStrike">
-                          <a:solidFill>
-                            <a:srgbClr val="000000"/>
-                          </a:solidFill>
-                          <a:effectLst/>
-                          <a:latin typeface="Calibri" panose="020F0502020204030204" pitchFamily="34" charset="0"/>
-                        </a:rPr>
-                        <a:t>chr19:8120283</a:t>
-                      </a:r>
-                    </a:p>
-                  </a:txBody>
-                  <a:tcPr marL="7620" marR="7620" marT="7620" marB="0" anchor="b"/>
-                </a:tc>
-                <a:tc>
-                  <a:txBody>
-                    <a:bodyPr/>
-                    <a:lstStyle/>
-                    <a:p>
-                      <a:pPr algn="l" fontAlgn="b"/>
-                      <a:r>
-                        <a:rPr lang="en-GB" sz="1100" b="0" i="0" u="none" strike="noStrike">
-                          <a:solidFill>
-                            <a:srgbClr val="000000"/>
-                          </a:solidFill>
-                          <a:effectLst/>
-                          <a:latin typeface="Calibri" panose="020F0502020204030204" pitchFamily="34" charset="0"/>
-                        </a:rPr>
-                        <a:t>chr19:8120283</a:t>
-                      </a:r>
-                    </a:p>
-                  </a:txBody>
-                  <a:tcPr marL="7620" marR="7620" marT="7620" marB="0" anchor="b"/>
-                </a:tc>
-                <a:tc>
-                  <a:txBody>
-                    <a:bodyPr/>
-                    <a:lstStyle/>
-                    <a:p>
-                      <a:pPr algn="l" fontAlgn="b"/>
-                      <a:r>
-                        <a:rPr lang="en-GB" sz="1100" b="0" i="0" u="none" strike="noStrike">
-                          <a:solidFill>
-                            <a:srgbClr val="000000"/>
-                          </a:solidFill>
-                          <a:effectLst/>
-                          <a:latin typeface="Calibri" panose="020F0502020204030204" pitchFamily="34" charset="0"/>
-                        </a:rPr>
-                        <a:t>NA</a:t>
-                      </a:r>
-                    </a:p>
-                  </a:txBody>
-                  <a:tcPr marL="7620" marR="7620" marT="7620" marB="0" anchor="b"/>
-                </a:tc>
-                <a:extLst>
-                  <a:ext uri="{0D108BD9-81ED-4DB2-BD59-A6C34878D82A}">
-                    <a16:rowId xmlns:a16="http://schemas.microsoft.com/office/drawing/2014/main" val="1643906254"/>
-                  </a:ext>
-                </a:extLst>
-              </a:tr>
-              <a:tr h="403412">
-                <a:tc>
-                  <a:txBody>
-                    <a:bodyPr/>
-                    <a:lstStyle/>
-                    <a:p>
-                      <a:pPr algn="l" fontAlgn="b"/>
-                      <a:r>
-                        <a:rPr lang="en-GB" sz="1100" b="0" i="0" u="none" strike="noStrike">
-                          <a:solidFill>
-                            <a:srgbClr val="000000"/>
-                          </a:solidFill>
-                          <a:effectLst/>
-                          <a:latin typeface="Calibri" panose="020F0502020204030204" pitchFamily="34" charset="0"/>
-                        </a:rPr>
-                        <a:t>chr19:13181330</a:t>
-                      </a:r>
-                    </a:p>
-                  </a:txBody>
-                  <a:tcPr marL="7620" marR="7620" marT="7620" marB="0" anchor="b"/>
-                </a:tc>
-                <a:tc>
-                  <a:txBody>
-                    <a:bodyPr/>
-                    <a:lstStyle/>
-                    <a:p>
-                      <a:pPr algn="l" fontAlgn="b"/>
-                      <a:r>
-                        <a:rPr lang="en-GB" sz="1100" b="0" i="0" u="none" strike="noStrike">
-                          <a:solidFill>
-                            <a:srgbClr val="000000"/>
-                          </a:solidFill>
-                          <a:effectLst/>
-                          <a:latin typeface="Calibri" panose="020F0502020204030204" pitchFamily="34" charset="0"/>
-                        </a:rPr>
-                        <a:t>chr19:13181330</a:t>
-                      </a:r>
-                    </a:p>
-                  </a:txBody>
-                  <a:tcPr marL="7620" marR="7620" marT="7620" marB="0" anchor="b"/>
-                </a:tc>
-                <a:tc>
-                  <a:txBody>
-                    <a:bodyPr/>
-                    <a:lstStyle/>
-                    <a:p>
-                      <a:pPr algn="l" fontAlgn="b"/>
-                      <a:r>
-                        <a:rPr lang="en-GB" sz="1100" b="0" i="0" u="none" strike="noStrike">
-                          <a:solidFill>
-                            <a:srgbClr val="000000"/>
-                          </a:solidFill>
-                          <a:effectLst/>
-                          <a:latin typeface="Calibri" panose="020F0502020204030204" pitchFamily="34" charset="0"/>
-                        </a:rPr>
-                        <a:t>chr19:13181330</a:t>
-                      </a:r>
-                    </a:p>
-                  </a:txBody>
-                  <a:tcPr marL="7620" marR="7620" marT="7620" marB="0" anchor="b"/>
-                </a:tc>
-                <a:tc>
-                  <a:txBody>
-                    <a:bodyPr/>
-                    <a:lstStyle/>
-                    <a:p>
-                      <a:pPr algn="l" fontAlgn="b"/>
-                      <a:r>
-                        <a:rPr lang="en-GB" sz="1100" b="0" i="0" u="none" strike="noStrike">
-                          <a:solidFill>
-                            <a:srgbClr val="000000"/>
-                          </a:solidFill>
-                          <a:effectLst/>
-                          <a:latin typeface="Calibri" panose="020F0502020204030204" pitchFamily="34" charset="0"/>
-                        </a:rPr>
-                        <a:t>NA</a:t>
-                      </a:r>
-                    </a:p>
-                  </a:txBody>
-                  <a:tcPr marL="7620" marR="7620" marT="7620" marB="0" anchor="b"/>
-                </a:tc>
-                <a:extLst>
-                  <a:ext uri="{0D108BD9-81ED-4DB2-BD59-A6C34878D82A}">
-                    <a16:rowId xmlns:a16="http://schemas.microsoft.com/office/drawing/2014/main" val="830810826"/>
-                  </a:ext>
-                </a:extLst>
-              </a:tr>
-              <a:tr h="403412">
-                <a:tc>
-                  <a:txBody>
-                    <a:bodyPr/>
-                    <a:lstStyle/>
-                    <a:p>
-                      <a:pPr algn="l" fontAlgn="b"/>
-                      <a:r>
-                        <a:rPr lang="en-GB" sz="1100" b="0" i="0" u="none" strike="noStrike">
-                          <a:solidFill>
-                            <a:srgbClr val="000000"/>
-                          </a:solidFill>
-                          <a:effectLst/>
-                          <a:latin typeface="Calibri" panose="020F0502020204030204" pitchFamily="34" charset="0"/>
-                        </a:rPr>
-                        <a:t>chr19:14165598</a:t>
-                      </a:r>
-                    </a:p>
-                  </a:txBody>
-                  <a:tcPr marL="7620" marR="7620" marT="7620" marB="0" anchor="b"/>
-                </a:tc>
-                <a:tc>
-                  <a:txBody>
-                    <a:bodyPr/>
-                    <a:lstStyle/>
-                    <a:p>
-                      <a:pPr algn="l" fontAlgn="b"/>
-                      <a:r>
-                        <a:rPr lang="en-GB" sz="1100" b="0" i="0" u="none" strike="noStrike">
-                          <a:solidFill>
-                            <a:srgbClr val="000000"/>
-                          </a:solidFill>
-                          <a:effectLst/>
-                          <a:latin typeface="Calibri" panose="020F0502020204030204" pitchFamily="34" charset="0"/>
-                        </a:rPr>
-                        <a:t>rs56361194</a:t>
-                      </a:r>
-                    </a:p>
-                  </a:txBody>
-                  <a:tcPr marL="7620" marR="7620" marT="7620" marB="0" anchor="b"/>
-                </a:tc>
-                <a:tc>
-                  <a:txBody>
-                    <a:bodyPr/>
-                    <a:lstStyle/>
-                    <a:p>
-                      <a:pPr algn="l" fontAlgn="b"/>
-                      <a:r>
-                        <a:rPr lang="en-GB" sz="1100" b="0" i="0" u="none" strike="noStrike">
-                          <a:solidFill>
-                            <a:srgbClr val="000000"/>
-                          </a:solidFill>
-                          <a:effectLst/>
-                          <a:latin typeface="Calibri" panose="020F0502020204030204" pitchFamily="34" charset="0"/>
-                        </a:rPr>
-                        <a:t>chr19:14165598</a:t>
-                      </a:r>
-                    </a:p>
-                  </a:txBody>
-                  <a:tcPr marL="7620" marR="7620" marT="7620" marB="0" anchor="b"/>
-                </a:tc>
-                <a:tc>
-                  <a:txBody>
-                    <a:bodyPr/>
-                    <a:lstStyle/>
-                    <a:p>
-                      <a:pPr algn="l" fontAlgn="b"/>
-                      <a:r>
-                        <a:rPr lang="en-GB" sz="1100" b="0" i="0" u="none" strike="noStrike">
-                          <a:solidFill>
-                            <a:srgbClr val="000000"/>
-                          </a:solidFill>
-                          <a:effectLst/>
-                          <a:latin typeface="Calibri" panose="020F0502020204030204" pitchFamily="34" charset="0"/>
-                        </a:rPr>
-                        <a:t>C/T</a:t>
-                      </a:r>
-                    </a:p>
-                  </a:txBody>
-                  <a:tcPr marL="7620" marR="7620" marT="7620" marB="0" anchor="b"/>
-                </a:tc>
-                <a:extLst>
-                  <a:ext uri="{0D108BD9-81ED-4DB2-BD59-A6C34878D82A}">
-                    <a16:rowId xmlns:a16="http://schemas.microsoft.com/office/drawing/2014/main" val="1195124701"/>
-                  </a:ext>
-                </a:extLst>
-              </a:tr>
-              <a:tr h="403412">
-                <a:tc>
-                  <a:txBody>
-                    <a:bodyPr/>
-                    <a:lstStyle/>
-                    <a:p>
-                      <a:pPr algn="l" fontAlgn="b"/>
-                      <a:r>
-                        <a:rPr lang="en-GB" sz="1100" b="0" i="0" u="none" strike="noStrike">
-                          <a:solidFill>
-                            <a:srgbClr val="000000"/>
-                          </a:solidFill>
-                          <a:effectLst/>
-                          <a:latin typeface="Calibri" panose="020F0502020204030204" pitchFamily="34" charset="0"/>
-                        </a:rPr>
-                        <a:t>chr19:22506594</a:t>
-                      </a:r>
-                    </a:p>
-                  </a:txBody>
-                  <a:tcPr marL="7620" marR="7620" marT="7620" marB="0" anchor="b"/>
-                </a:tc>
-                <a:tc>
-                  <a:txBody>
-                    <a:bodyPr/>
-                    <a:lstStyle/>
-                    <a:p>
-                      <a:pPr algn="l" fontAlgn="b"/>
-                      <a:r>
-                        <a:rPr lang="en-GB" sz="1100" b="0" i="0" u="none" strike="noStrike">
-                          <a:solidFill>
-                            <a:srgbClr val="000000"/>
-                          </a:solidFill>
-                          <a:effectLst/>
-                          <a:latin typeface="Calibri" panose="020F0502020204030204" pitchFamily="34" charset="0"/>
-                        </a:rPr>
-                        <a:t>rs193135521</a:t>
-                      </a:r>
-                    </a:p>
-                  </a:txBody>
-                  <a:tcPr marL="7620" marR="7620" marT="7620" marB="0" anchor="b"/>
-                </a:tc>
-                <a:tc>
-                  <a:txBody>
-                    <a:bodyPr/>
-                    <a:lstStyle/>
-                    <a:p>
-                      <a:pPr algn="l" fontAlgn="b"/>
-                      <a:r>
-                        <a:rPr lang="en-GB" sz="1100" b="0" i="0" u="none" strike="noStrike">
-                          <a:solidFill>
-                            <a:srgbClr val="000000"/>
-                          </a:solidFill>
-                          <a:effectLst/>
-                          <a:latin typeface="Calibri" panose="020F0502020204030204" pitchFamily="34" charset="0"/>
-                        </a:rPr>
-                        <a:t>chr19:22506594</a:t>
-                      </a:r>
-                    </a:p>
-                  </a:txBody>
-                  <a:tcPr marL="7620" marR="7620" marT="7620" marB="0" anchor="b"/>
-                </a:tc>
-                <a:tc>
-                  <a:txBody>
-                    <a:bodyPr/>
-                    <a:lstStyle/>
-                    <a:p>
-                      <a:pPr algn="l" fontAlgn="b"/>
-                      <a:r>
-                        <a:rPr lang="en-GB" sz="1100" b="0" i="0" u="none" strike="noStrike">
-                          <a:solidFill>
-                            <a:srgbClr val="000000"/>
-                          </a:solidFill>
-                          <a:effectLst/>
-                          <a:latin typeface="Calibri" panose="020F0502020204030204" pitchFamily="34" charset="0"/>
-                        </a:rPr>
-                        <a:t>A/G</a:t>
-                      </a:r>
-                    </a:p>
-                  </a:txBody>
-                  <a:tcPr marL="7620" marR="7620" marT="7620" marB="0" anchor="b"/>
-                </a:tc>
-                <a:extLst>
-                  <a:ext uri="{0D108BD9-81ED-4DB2-BD59-A6C34878D82A}">
-                    <a16:rowId xmlns:a16="http://schemas.microsoft.com/office/drawing/2014/main" val="1314175112"/>
-                  </a:ext>
-                </a:extLst>
-              </a:tr>
-              <a:tr h="403412">
-                <a:tc>
-                  <a:txBody>
-                    <a:bodyPr/>
-                    <a:lstStyle/>
-                    <a:p>
-                      <a:pPr algn="l" fontAlgn="b"/>
-                      <a:r>
-                        <a:rPr lang="en-GB" sz="1100" b="0" i="0" u="none" strike="noStrike" dirty="0">
-                          <a:solidFill>
-                            <a:srgbClr val="000000"/>
-                          </a:solidFill>
-                          <a:effectLst/>
-                          <a:latin typeface="Calibri" panose="020F0502020204030204" pitchFamily="34" charset="0"/>
-                        </a:rPr>
-                        <a:t>chr19:54324995</a:t>
-                      </a:r>
-                    </a:p>
-                  </a:txBody>
-                  <a:tcPr marL="7620" marR="7620" marT="7620" marB="0" anchor="b"/>
-                </a:tc>
-                <a:tc>
-                  <a:txBody>
-                    <a:bodyPr/>
-                    <a:lstStyle/>
-                    <a:p>
-                      <a:pPr algn="l" fontAlgn="b"/>
-                      <a:r>
-                        <a:rPr lang="en-GB" sz="1100" b="0" i="0" u="none" strike="noStrike">
-                          <a:solidFill>
-                            <a:srgbClr val="000000"/>
-                          </a:solidFill>
-                          <a:effectLst/>
-                          <a:latin typeface="Calibri" panose="020F0502020204030204" pitchFamily="34" charset="0"/>
-                        </a:rPr>
-                        <a:t>rs4632248</a:t>
-                      </a:r>
-                    </a:p>
-                  </a:txBody>
-                  <a:tcPr marL="7620" marR="7620" marT="7620" marB="0" anchor="b"/>
-                </a:tc>
-                <a:tc>
-                  <a:txBody>
-                    <a:bodyPr/>
-                    <a:lstStyle/>
-                    <a:p>
-                      <a:pPr algn="l" fontAlgn="b"/>
-                      <a:r>
-                        <a:rPr lang="en-GB" sz="1100" b="0" i="0" u="none" strike="noStrike">
-                          <a:solidFill>
-                            <a:srgbClr val="000000"/>
-                          </a:solidFill>
-                          <a:effectLst/>
-                          <a:latin typeface="Calibri" panose="020F0502020204030204" pitchFamily="34" charset="0"/>
-                        </a:rPr>
-                        <a:t>chr19:54324995</a:t>
-                      </a:r>
-                    </a:p>
-                  </a:txBody>
-                  <a:tcPr marL="7620" marR="7620" marT="7620" marB="0" anchor="b"/>
-                </a:tc>
-                <a:tc>
-                  <a:txBody>
-                    <a:bodyPr/>
-                    <a:lstStyle/>
-                    <a:p>
-                      <a:pPr algn="l" fontAlgn="b"/>
-                      <a:r>
-                        <a:rPr lang="en-GB" sz="1100" b="0" i="0" u="none" strike="noStrike" dirty="0">
-                          <a:solidFill>
-                            <a:srgbClr val="000000"/>
-                          </a:solidFill>
-                          <a:effectLst/>
-                          <a:latin typeface="Calibri" panose="020F0502020204030204" pitchFamily="34" charset="0"/>
-                        </a:rPr>
-                        <a:t>G/T</a:t>
-                      </a:r>
-                    </a:p>
-                  </a:txBody>
-                  <a:tcPr marL="7620" marR="7620" marT="7620" marB="0" anchor="b"/>
-                </a:tc>
-                <a:extLst>
-                  <a:ext uri="{0D108BD9-81ED-4DB2-BD59-A6C34878D82A}">
-                    <a16:rowId xmlns:a16="http://schemas.microsoft.com/office/drawing/2014/main" val="964284980"/>
-                  </a:ext>
-                </a:extLst>
-              </a:tr>
-            </a:tbl>
-          </a:graphicData>
-        </a:graphic>
-      </p:graphicFrame>
-    </p:spTree>
-    <p:extLst>
-      <p:ext uri="{BB962C8B-B14F-4D97-AF65-F5344CB8AC3E}">
-        <p14:creationId xmlns:p14="http://schemas.microsoft.com/office/powerpoint/2010/main" val="1015306248"/>
-      </p:ext>
-    </p:extLst>
-  </p:cSld>
-  <p:clrMapOvr>
-    <a:masterClrMapping/>
-  </p:clrMapOvr>
-</p:sld>
-</file>
-
-<file path=ppt/slides/slide11.xml><?xml version="1.0" encoding="utf-8"?>
-<p:sld xmlns:a="http://schemas.openxmlformats.org/drawingml/2006/main" xmlns:r="http://schemas.openxmlformats.org/officeDocument/2006/relationships" xmlns:p="http://schemas.openxmlformats.org/presentationml/2006/main">
-  <p:cSld>
-    <p:spTree>
-      <p:nvGrpSpPr>
-        <p:cNvPr id="1" name=""/>
-        <p:cNvGrpSpPr/>
-        <p:nvPr/>
-      </p:nvGrpSpPr>
-      <p:grpSpPr>
-        <a:xfrm>
-          <a:off x="0" y="0"/>
-          <a:ext cx="0" cy="0"/>
-          <a:chOff x="0" y="0"/>
-          <a:chExt cx="0" cy="0"/>
-        </a:xfrm>
-      </p:grpSpPr>
-      <p:sp>
-        <p:nvSpPr>
-          <p:cNvPr id="2" name="Title 1">
-            <a:extLst>
-              <a:ext uri="{FF2B5EF4-FFF2-40B4-BE49-F238E27FC236}">
-                <a16:creationId xmlns:a16="http://schemas.microsoft.com/office/drawing/2014/main" id="{0B706D4B-56BB-4904-95C8-C7317B2F9042}"/>
-              </a:ext>
-            </a:extLst>
-          </p:cNvPr>
-          <p:cNvSpPr>
-            <a:spLocks noGrp="1"/>
-          </p:cNvSpPr>
-          <p:nvPr>
-            <p:ph type="title"/>
-          </p:nvPr>
-        </p:nvSpPr>
-        <p:spPr/>
-        <p:txBody>
-          <a:bodyPr/>
-          <a:lstStyle/>
-          <a:p>
-            <a:pPr algn="ctr"/>
-            <a:r>
-              <a:rPr lang="en-GB" b="1" dirty="0"/>
-              <a:t>Points</a:t>
-            </a:r>
-          </a:p>
-        </p:txBody>
-      </p:sp>
-      <p:sp>
-        <p:nvSpPr>
-          <p:cNvPr id="3" name="Content Placeholder 2">
-            <a:extLst>
-              <a:ext uri="{FF2B5EF4-FFF2-40B4-BE49-F238E27FC236}">
-                <a16:creationId xmlns:a16="http://schemas.microsoft.com/office/drawing/2014/main" id="{779C168B-FE2B-48BB-9F71-190FE784313F}"/>
-              </a:ext>
-            </a:extLst>
-          </p:cNvPr>
-          <p:cNvSpPr>
-            <a:spLocks noGrp="1"/>
-          </p:cNvSpPr>
-          <p:nvPr>
-            <p:ph idx="1"/>
-          </p:nvPr>
-        </p:nvSpPr>
-        <p:spPr/>
-        <p:txBody>
-          <a:bodyPr/>
-          <a:lstStyle/>
-          <a:p>
-            <a:r>
-              <a:rPr lang="en-GB" dirty="0"/>
-              <a:t>KORA individual level data analysis will be </a:t>
-            </a:r>
-            <a:r>
-              <a:rPr lang="en-GB" dirty="0" smtClean="0"/>
-              <a:t>conducted centrally.</a:t>
-            </a:r>
-            <a:endParaRPr lang="en-GB" dirty="0"/>
-          </a:p>
-          <a:p>
-            <a:r>
-              <a:rPr lang="en-GB" dirty="0" smtClean="0"/>
-              <a:t>Studies such as COMBINE </a:t>
-            </a:r>
-            <a:r>
-              <a:rPr lang="en-GB" dirty="0"/>
-              <a:t>will be added.</a:t>
-            </a:r>
-          </a:p>
-          <a:p>
-            <a:r>
-              <a:rPr lang="en-GB" dirty="0"/>
-              <a:t>Additional </a:t>
-            </a:r>
-            <a:r>
-              <a:rPr lang="en-GB" dirty="0" smtClean="0"/>
-              <a:t>information su</a:t>
-            </a:r>
-            <a:r>
-              <a:rPr lang="en-GB" dirty="0" smtClean="0"/>
-              <a:t>ch as effect allele (frequency), imputation quality</a:t>
-            </a:r>
-            <a:r>
-              <a:rPr lang="en-GB" dirty="0" smtClean="0"/>
-              <a:t>, </a:t>
-            </a:r>
-            <a:r>
-              <a:rPr lang="en-GB" dirty="0"/>
-              <a:t>esp. </a:t>
-            </a:r>
-            <a:r>
-              <a:rPr lang="en-GB" dirty="0" smtClean="0"/>
-              <a:t>for cohorts with results </a:t>
-            </a:r>
-            <a:r>
-              <a:rPr lang="en-GB" dirty="0"/>
-              <a:t>from </a:t>
-            </a:r>
-            <a:r>
-              <a:rPr lang="en-GB" dirty="0" smtClean="0"/>
-              <a:t>PLINK. As</a:t>
-            </a:r>
-            <a:r>
-              <a:rPr lang="en-GB" dirty="0" smtClean="0"/>
-              <a:t> suggested this is on a per-cohort basis using </a:t>
-            </a:r>
-            <a:r>
-              <a:rPr lang="en-GB" dirty="0" err="1" smtClean="0"/>
-              <a:t>qctool</a:t>
-            </a:r>
-            <a:r>
-              <a:rPr lang="en-GB" dirty="0" smtClean="0"/>
-              <a:t>, </a:t>
-            </a:r>
-            <a:r>
-              <a:rPr lang="en-GB" dirty="0"/>
-              <a:t>as noted in SCALLOP_INF_I_analysis_plan.md at the GitHub</a:t>
-            </a:r>
-            <a:r>
-              <a:rPr lang="en-GB" dirty="0" smtClean="0"/>
-              <a:t>.</a:t>
-            </a:r>
-            <a:endParaRPr lang="en-GB" dirty="0"/>
-          </a:p>
-          <a:p>
-            <a:r>
-              <a:rPr lang="en-GB" dirty="0"/>
-              <a:t>Refined and downstream analysis, as the results shown were based on 1000Genomes extracted from </a:t>
-            </a:r>
-            <a:r>
-              <a:rPr lang="en-GB" dirty="0" err="1"/>
-              <a:t>LocusZoom</a:t>
-            </a:r>
-            <a:r>
-              <a:rPr lang="en-GB" dirty="0"/>
-              <a:t> 1.4 at </a:t>
-            </a:r>
-            <a:r>
-              <a:rPr lang="en-GB" dirty="0" err="1" smtClean="0"/>
-              <a:t>tryggve</a:t>
-            </a:r>
-            <a:r>
-              <a:rPr lang="en-GB" dirty="0" smtClean="0"/>
-              <a:t> when there was issues with the up/down-load. A more desirable panel would be INTERVAL, </a:t>
-            </a:r>
-            <a:r>
-              <a:rPr lang="en-GB" dirty="0" err="1" smtClean="0"/>
-              <a:t>UKBiobank</a:t>
-            </a:r>
-            <a:r>
-              <a:rPr lang="en-GB" dirty="0" smtClean="0"/>
-              <a:t>, for instance.</a:t>
-            </a:r>
-            <a:endParaRPr lang="en-GB" dirty="0"/>
-          </a:p>
-        </p:txBody>
-      </p:sp>
-    </p:spTree>
-    <p:extLst>
-      <p:ext uri="{BB962C8B-B14F-4D97-AF65-F5344CB8AC3E}">
-        <p14:creationId xmlns:p14="http://schemas.microsoft.com/office/powerpoint/2010/main" val="435210134"/>
-      </p:ext>
-    </p:extLst>
-  </p:cSld>
-  <p:clrMapOvr>
-    <a:masterClrMapping/>
-  </p:clrMapOvr>
-</p:sld>
-</file>
-
 <file path=ppt/slides/slide2.xml><?xml version="1.0" encoding="utf-8"?>
 <p:sld xmlns:a="http://schemas.openxmlformats.org/drawingml/2006/main" xmlns:r="http://schemas.openxmlformats.org/officeDocument/2006/relationships" xmlns:p="http://schemas.openxmlformats.org/presentationml/2006/main">
   <p:cSld>
@@ -5390,11 +3506,38 @@
           <a:lstStyle/>
           <a:p>
             <a:r>
+              <a:rPr lang="en-GB" dirty="0" smtClean="0"/>
+              <a:t>Further work on INTERVAL.</a:t>
+            </a:r>
+          </a:p>
+          <a:p>
+            <a:r>
+              <a:rPr lang="en-GB" dirty="0" smtClean="0"/>
+              <a:t>Meta-analysis:</a:t>
+            </a:r>
+            <a:endParaRPr lang="en-GB" dirty="0" smtClean="0"/>
+          </a:p>
+          <a:p>
+            <a:pPr lvl="1"/>
+            <a:r>
+              <a:rPr lang="en-GB" dirty="0" smtClean="0"/>
+              <a:t>Summary </a:t>
+            </a:r>
+            <a:r>
               <a:rPr lang="en-GB" dirty="0"/>
-              <a:t>Summary data from EGCUT, INTERVAL, NSPHS, ORCADES, STABILITY, STANLEY, VIS.</a:t>
-            </a:r>
-          </a:p>
-          <a:p>
+              <a:t>data from EGCUT, INTERVAL, NSPHS, ORCADES, STABILITY, STANLEY, </a:t>
+            </a:r>
+            <a:r>
+              <a:rPr lang="en-GB" dirty="0" smtClean="0"/>
+              <a:t>VIS</a:t>
+            </a:r>
+            <a:r>
+              <a:rPr lang="en-GB" dirty="0"/>
+              <a:t>.</a:t>
+            </a:r>
+          </a:p>
+          <a:p>
+            <a:pPr lvl="1"/>
             <a:r>
               <a:rPr lang="en-GB" dirty="0"/>
               <a:t>METAL (WEIGHTS &gt;= 50, SCHEME STDERR).</a:t>
@@ -5402,8 +3545,27 @@
           </a:p>
           <a:p>
             <a:r>
+              <a:rPr lang="en-GB" dirty="0" smtClean="0"/>
+              <a:t>Highlights: </a:t>
+            </a:r>
+          </a:p>
+          <a:p>
+            <a:pPr lvl="1"/>
+            <a:r>
+              <a:rPr lang="en-GB" dirty="0" smtClean="0"/>
+              <a:t>PLINK </a:t>
+            </a:r>
+            <a:r>
               <a:rPr lang="en-GB" dirty="0"/>
-              <a:t>PLINK –clumping and GCTA –</a:t>
+              <a:t>–</a:t>
+            </a:r>
+            <a:r>
+              <a:rPr lang="en-GB" dirty="0" smtClean="0"/>
+              <a:t>clump </a:t>
+            </a:r>
+            <a:r>
+              <a:rPr lang="en-GB" dirty="0"/>
+              <a:t>and GCTA –</a:t>
             </a:r>
             <a:r>
               <a:rPr lang="en-GB" dirty="0" err="1"/>
@@ -5415,26 +3577,16 @@
             </a:r>
           </a:p>
           <a:p>
+            <a:pPr lvl="1"/>
             <a:r>
               <a:rPr lang="en-GB" dirty="0"/>
-              <a:t>Shown for </a:t>
-            </a:r>
-            <a:r>
-              <a:rPr lang="en-GB" i="1" dirty="0"/>
-              <a:t>TNFRSF11B</a:t>
-            </a:r>
-            <a:r>
-              <a:rPr lang="en-GB" dirty="0"/>
-              <a:t>, chr8:119935796-119964439 (OPG) and </a:t>
-            </a:r>
-            <a:r>
-              <a:rPr lang="en-GB" i="1" dirty="0"/>
-              <a:t>TNFSF14</a:t>
-            </a:r>
-            <a:r>
-              <a:rPr lang="en-GB" dirty="0"/>
-              <a:t>, chr19:6663148-6670599 (TNFSF14).</a:t>
-            </a:r>
+              <a:t>Shown for two benchmarks and cis-/trans- </a:t>
+            </a:r>
+            <a:r>
+              <a:rPr lang="en-GB" dirty="0" smtClean="0"/>
+              <a:t>classifications (generic R function now available).</a:t>
+            </a:r>
+            <a:endParaRPr lang="en-GB" dirty="0"/>
           </a:p>
           <a:p>
             <a:endParaRPr lang="en-GB" dirty="0"/>
@@ -5494,21 +3646,20 @@
           <a:p>
             <a:pPr algn="ctr"/>
             <a:r>
+              <a:rPr lang="en-GB" b="1" i="1" dirty="0"/>
+              <a:t>TNFRSF11B</a:t>
+            </a:r>
+            <a:r>
               <a:rPr lang="en-GB" b="1" dirty="0"/>
-              <a:t>OPG</a:t>
-            </a:r>
+              <a:t>, chr8:119935796-119964439 (OPG)</a:t>
+            </a:r>
+            <a:endParaRPr lang="en-GB" b="1" dirty="0"/>
           </a:p>
         </p:txBody>
       </p:sp>
       <p:pic>
         <p:nvPicPr>
-          <p:cNvPr id="5" name="Content Placeholder 4">
-            <a:extLst>
-              <a:ext uri="{FF2B5EF4-FFF2-40B4-BE49-F238E27FC236}">
-                <a16:creationId xmlns:a16="http://schemas.microsoft.com/office/drawing/2014/main" id="{C7021785-460B-40EE-A5DA-CB147EB434FD}"/>
-              </a:ext>
-            </a:extLst>
-          </p:cNvPr>
+          <p:cNvPr id="6" name="Content Placeholder 5"/>
           <p:cNvPicPr>
             <a:picLocks noGrp="1" noChangeAspect="1"/>
           </p:cNvPicPr>
@@ -5530,9 +3681,39 @@
         </p:blipFill>
         <p:spPr>
           <a:xfrm>
-            <a:off x="3485197" y="1825625"/>
+            <a:off x="667183" y="1690688"/>
             <a:ext cx="5221605" cy="4351338"/>
           </a:xfrm>
+        </p:spPr>
+      </p:pic>
+      <p:pic>
+        <p:nvPicPr>
+          <p:cNvPr id="7" name="Picture 6"/>
+          <p:cNvPicPr>
+            <a:picLocks noChangeAspect="1"/>
+          </p:cNvPicPr>
+          <p:nvPr/>
+        </p:nvPicPr>
+        <p:blipFill>
+          <a:blip r:embed="rId3" cstate="hqprint">
+            <a:extLst>
+              <a:ext uri="{28A0092B-C50C-407E-A947-70E740481C1C}">
+                <a14:useLocalDpi xmlns:a14="http://schemas.microsoft.com/office/drawing/2010/main" val="0"/>
+              </a:ext>
+            </a:extLst>
+          </a:blip>
+          <a:stretch>
+            <a:fillRect/>
+          </a:stretch>
+        </p:blipFill>
+        <p:spPr>
+          <a:xfrm>
+            <a:off x="5979621" y="1690688"/>
+            <a:ext cx="5945262" cy="4351338"/>
+          </a:xfrm>
+          <a:prstGeom prst="rect">
+            <a:avLst/>
+          </a:prstGeom>
         </p:spPr>
       </p:pic>
     </p:spTree>
@@ -5570,7 +3751,7 @@
           <p:cNvPr id="2" name="Title 1">
             <a:extLst>
               <a:ext uri="{FF2B5EF4-FFF2-40B4-BE49-F238E27FC236}">
-                <a16:creationId xmlns:a16="http://schemas.microsoft.com/office/drawing/2014/main" id="{204DEE30-94F8-4E15-920F-6CE46512A8EE}"/>
+                <a16:creationId xmlns:a16="http://schemas.microsoft.com/office/drawing/2014/main" id="{D827E6D8-8853-4E5D-844A-D136D0E5C6AA}"/>
               </a:ext>
             </a:extLst>
           </p:cNvPr>
@@ -5588,21 +3769,20 @@
           <a:p>
             <a:pPr algn="ctr"/>
             <a:r>
+              <a:rPr lang="en-GB" b="1" i="1" dirty="0"/>
+              <a:t>TNFSF14</a:t>
+            </a:r>
+            <a:r>
               <a:rPr lang="en-GB" b="1" dirty="0"/>
-              <a:t>OPG</a:t>
-            </a:r>
+              <a:t>, chr19:6663148-6670599 (TNFSF14)</a:t>
+            </a:r>
+            <a:endParaRPr lang="en-GB" b="1" dirty="0"/>
           </a:p>
         </p:txBody>
       </p:sp>
       <p:pic>
         <p:nvPicPr>
-          <p:cNvPr id="5" name="Content Placeholder 4">
-            <a:extLst>
-              <a:ext uri="{FF2B5EF4-FFF2-40B4-BE49-F238E27FC236}">
-                <a16:creationId xmlns:a16="http://schemas.microsoft.com/office/drawing/2014/main" id="{D0158210-8B92-4198-B8BB-92BDED33F9B3}"/>
-              </a:ext>
-            </a:extLst>
-          </p:cNvPr>
+          <p:cNvPr id="6" name="Content Placeholder 5"/>
           <p:cNvPicPr>
             <a:picLocks noGrp="1" noChangeAspect="1"/>
           </p:cNvPicPr>
@@ -5624,15 +3804,45 @@
         </p:blipFill>
         <p:spPr>
           <a:xfrm>
-            <a:off x="3485197" y="1825625"/>
+            <a:off x="608993" y="1690688"/>
             <a:ext cx="5221605" cy="4351338"/>
           </a:xfrm>
+        </p:spPr>
+      </p:pic>
+      <p:pic>
+        <p:nvPicPr>
+          <p:cNvPr id="7" name="Picture 6"/>
+          <p:cNvPicPr>
+            <a:picLocks noChangeAspect="1"/>
+          </p:cNvPicPr>
+          <p:nvPr/>
+        </p:nvPicPr>
+        <p:blipFill>
+          <a:blip r:embed="rId3" cstate="hqprint">
+            <a:extLst>
+              <a:ext uri="{28A0092B-C50C-407E-A947-70E740481C1C}">
+                <a14:useLocalDpi xmlns:a14="http://schemas.microsoft.com/office/drawing/2010/main" val="0"/>
+              </a:ext>
+            </a:extLst>
+          </a:blip>
+          <a:stretch>
+            <a:fillRect/>
+          </a:stretch>
+        </p:blipFill>
+        <p:spPr>
+          <a:xfrm>
+            <a:off x="6096000" y="1736033"/>
+            <a:ext cx="5167192" cy="4305993"/>
+          </a:xfrm>
+          <a:prstGeom prst="rect">
+            <a:avLst/>
+          </a:prstGeom>
         </p:spPr>
       </p:pic>
     </p:spTree>
     <p:extLst>
       <p:ext uri="{BB962C8B-B14F-4D97-AF65-F5344CB8AC3E}">
-        <p14:creationId xmlns:p14="http://schemas.microsoft.com/office/powerpoint/2010/main" val="1687079971"/>
+        <p14:creationId xmlns:p14="http://schemas.microsoft.com/office/powerpoint/2010/main" val="3021896654"/>
       </p:ext>
     </p:extLst>
   </p:cSld>
@@ -5683,14 +3893,15 @@
             <a:pPr algn="ctr"/>
             <a:r>
               <a:rPr lang="en-GB" b="1" dirty="0"/>
-              <a:t>OPG</a:t>
-            </a:r>
+              <a:t>OPG/TNFSF14</a:t>
+            </a:r>
+            <a:endParaRPr lang="en-GB" b="1" dirty="0"/>
           </a:p>
         </p:txBody>
       </p:sp>
       <p:pic>
         <p:nvPicPr>
-          <p:cNvPr id="5" name="Content Placeholder 4"/>
+          <p:cNvPr id="6" name="Content Placeholder 5"/>
           <p:cNvPicPr>
             <a:picLocks noGrp="1" noChangeAspect="1"/>
           </p:cNvPicPr>
@@ -5712,9 +3923,39 @@
         </p:blipFill>
         <p:spPr>
           <a:xfrm>
-            <a:off x="2987901" y="1811337"/>
+            <a:off x="236388" y="1690688"/>
             <a:ext cx="6216197" cy="4351338"/>
           </a:xfrm>
+        </p:spPr>
+      </p:pic>
+      <p:pic>
+        <p:nvPicPr>
+          <p:cNvPr id="7" name="Picture 6"/>
+          <p:cNvPicPr>
+            <a:picLocks noChangeAspect="1"/>
+          </p:cNvPicPr>
+          <p:nvPr/>
+        </p:nvPicPr>
+        <p:blipFill>
+          <a:blip r:embed="rId3" cstate="hqprint">
+            <a:extLst>
+              <a:ext uri="{28A0092B-C50C-407E-A947-70E740481C1C}">
+                <a14:useLocalDpi xmlns:a14="http://schemas.microsoft.com/office/drawing/2010/main" val="0"/>
+              </a:ext>
+            </a:extLst>
+          </a:blip>
+          <a:stretch>
+            <a:fillRect/>
+          </a:stretch>
+        </p:blipFill>
+        <p:spPr>
+          <a:xfrm>
+            <a:off x="6217920" y="1690688"/>
+            <a:ext cx="5848993" cy="4954385"/>
+          </a:xfrm>
+          <a:prstGeom prst="rect">
+            <a:avLst/>
+          </a:prstGeom>
         </p:spPr>
       </p:pic>
     </p:spTree>
@@ -5731,282 +3972,6 @@
 </file>
 
 <file path=ppt/slides/slide6.xml><?xml version="1.0" encoding="utf-8"?>
-<p:sld xmlns:a="http://schemas.openxmlformats.org/drawingml/2006/main" xmlns:r="http://schemas.openxmlformats.org/officeDocument/2006/relationships" xmlns:p="http://schemas.openxmlformats.org/presentationml/2006/main">
-  <p:cSld>
-    <p:spTree>
-      <p:nvGrpSpPr>
-        <p:cNvPr id="1" name=""/>
-        <p:cNvGrpSpPr/>
-        <p:nvPr/>
-      </p:nvGrpSpPr>
-      <p:grpSpPr>
-        <a:xfrm>
-          <a:off x="0" y="0"/>
-          <a:ext cx="0" cy="0"/>
-          <a:chOff x="0" y="0"/>
-          <a:chExt cx="0" cy="0"/>
-        </a:xfrm>
-      </p:grpSpPr>
-      <p:sp>
-        <p:nvSpPr>
-          <p:cNvPr id="2" name="Title 1">
-            <a:extLst>
-              <a:ext uri="{FF2B5EF4-FFF2-40B4-BE49-F238E27FC236}">
-                <a16:creationId xmlns:a16="http://schemas.microsoft.com/office/drawing/2014/main" id="{D827E6D8-8853-4E5D-844A-D136D0E5C6AA}"/>
-              </a:ext>
-            </a:extLst>
-          </p:cNvPr>
-          <p:cNvSpPr>
-            <a:spLocks noGrp="1"/>
-          </p:cNvSpPr>
-          <p:nvPr>
-            <p:ph type="title"/>
-          </p:nvPr>
-        </p:nvSpPr>
-        <p:spPr/>
-        <p:txBody>
-          <a:bodyPr/>
-          <a:lstStyle/>
-          <a:p>
-            <a:pPr algn="ctr"/>
-            <a:r>
-              <a:rPr lang="en-GB" b="1" dirty="0"/>
-              <a:t>TNFSF14</a:t>
-            </a:r>
-          </a:p>
-        </p:txBody>
-      </p:sp>
-      <p:pic>
-        <p:nvPicPr>
-          <p:cNvPr id="5" name="Content Placeholder 4">
-            <a:extLst>
-              <a:ext uri="{FF2B5EF4-FFF2-40B4-BE49-F238E27FC236}">
-                <a16:creationId xmlns:a16="http://schemas.microsoft.com/office/drawing/2014/main" id="{A46F396E-EC3F-472D-BDAC-18F55CCE05F8}"/>
-              </a:ext>
-            </a:extLst>
-          </p:cNvPr>
-          <p:cNvPicPr>
-            <a:picLocks noGrp="1" noChangeAspect="1"/>
-          </p:cNvPicPr>
-          <p:nvPr>
-            <p:ph idx="1"/>
-          </p:nvPr>
-        </p:nvPicPr>
-        <p:blipFill>
-          <a:blip r:embed="rId2" cstate="hqprint">
-            <a:extLst>
-              <a:ext uri="{28A0092B-C50C-407E-A947-70E740481C1C}">
-                <a14:useLocalDpi xmlns:a14="http://schemas.microsoft.com/office/drawing/2010/main" val="0"/>
-              </a:ext>
-            </a:extLst>
-          </a:blip>
-          <a:stretch>
-            <a:fillRect/>
-          </a:stretch>
-        </p:blipFill>
-        <p:spPr>
-          <a:xfrm>
-            <a:off x="3485197" y="1825625"/>
-            <a:ext cx="5221605" cy="4351338"/>
-          </a:xfrm>
-        </p:spPr>
-      </p:pic>
-    </p:spTree>
-    <p:extLst>
-      <p:ext uri="{BB962C8B-B14F-4D97-AF65-F5344CB8AC3E}">
-        <p14:creationId xmlns:p14="http://schemas.microsoft.com/office/powerpoint/2010/main" val="3021896654"/>
-      </p:ext>
-    </p:extLst>
-  </p:cSld>
-  <p:clrMapOvr>
-    <a:masterClrMapping/>
-  </p:clrMapOvr>
-</p:sld>
-</file>
-
-<file path=ppt/slides/slide7.xml><?xml version="1.0" encoding="utf-8"?>
-<p:sld xmlns:a="http://schemas.openxmlformats.org/drawingml/2006/main" xmlns:r="http://schemas.openxmlformats.org/officeDocument/2006/relationships" xmlns:p="http://schemas.openxmlformats.org/presentationml/2006/main">
-  <p:cSld>
-    <p:spTree>
-      <p:nvGrpSpPr>
-        <p:cNvPr id="1" name=""/>
-        <p:cNvGrpSpPr/>
-        <p:nvPr/>
-      </p:nvGrpSpPr>
-      <p:grpSpPr>
-        <a:xfrm>
-          <a:off x="0" y="0"/>
-          <a:ext cx="0" cy="0"/>
-          <a:chOff x="0" y="0"/>
-          <a:chExt cx="0" cy="0"/>
-        </a:xfrm>
-      </p:grpSpPr>
-      <p:sp>
-        <p:nvSpPr>
-          <p:cNvPr id="2" name="Title 1">
-            <a:extLst>
-              <a:ext uri="{FF2B5EF4-FFF2-40B4-BE49-F238E27FC236}">
-                <a16:creationId xmlns:a16="http://schemas.microsoft.com/office/drawing/2014/main" id="{22E061F3-53D2-44D0-9FA7-6C36C1B70C67}"/>
-              </a:ext>
-            </a:extLst>
-          </p:cNvPr>
-          <p:cNvSpPr>
-            <a:spLocks noGrp="1"/>
-          </p:cNvSpPr>
-          <p:nvPr>
-            <p:ph type="title"/>
-          </p:nvPr>
-        </p:nvSpPr>
-        <p:spPr/>
-        <p:txBody>
-          <a:bodyPr/>
-          <a:lstStyle/>
-          <a:p>
-            <a:pPr algn="ctr"/>
-            <a:r>
-              <a:rPr lang="en-GB" b="1" dirty="0"/>
-              <a:t>TNFSF14</a:t>
-            </a:r>
-          </a:p>
-        </p:txBody>
-      </p:sp>
-      <p:pic>
-        <p:nvPicPr>
-          <p:cNvPr id="5" name="Content Placeholder 4">
-            <a:extLst>
-              <a:ext uri="{FF2B5EF4-FFF2-40B4-BE49-F238E27FC236}">
-                <a16:creationId xmlns:a16="http://schemas.microsoft.com/office/drawing/2014/main" id="{A0FE9C86-F4AD-4D9F-8CF6-B1F7DED79717}"/>
-              </a:ext>
-            </a:extLst>
-          </p:cNvPr>
-          <p:cNvPicPr>
-            <a:picLocks noGrp="1" noChangeAspect="1"/>
-          </p:cNvPicPr>
-          <p:nvPr>
-            <p:ph idx="1"/>
-          </p:nvPr>
-        </p:nvPicPr>
-        <p:blipFill>
-          <a:blip r:embed="rId2" cstate="hqprint">
-            <a:extLst>
-              <a:ext uri="{28A0092B-C50C-407E-A947-70E740481C1C}">
-                <a14:useLocalDpi xmlns:a14="http://schemas.microsoft.com/office/drawing/2010/main" val="0"/>
-              </a:ext>
-            </a:extLst>
-          </a:blip>
-          <a:stretch>
-            <a:fillRect/>
-          </a:stretch>
-        </p:blipFill>
-        <p:spPr>
-          <a:xfrm>
-            <a:off x="3485197" y="1825625"/>
-            <a:ext cx="5221605" cy="4351338"/>
-          </a:xfrm>
-        </p:spPr>
-      </p:pic>
-    </p:spTree>
-    <p:extLst>
-      <p:ext uri="{BB962C8B-B14F-4D97-AF65-F5344CB8AC3E}">
-        <p14:creationId xmlns:p14="http://schemas.microsoft.com/office/powerpoint/2010/main" val="930619527"/>
-      </p:ext>
-    </p:extLst>
-  </p:cSld>
-  <p:clrMapOvr>
-    <a:masterClrMapping/>
-  </p:clrMapOvr>
-</p:sld>
-</file>
-
-<file path=ppt/slides/slide8.xml><?xml version="1.0" encoding="utf-8"?>
-<p:sld xmlns:a="http://schemas.openxmlformats.org/drawingml/2006/main" xmlns:r="http://schemas.openxmlformats.org/officeDocument/2006/relationships" xmlns:p="http://schemas.openxmlformats.org/presentationml/2006/main">
-  <p:cSld>
-    <p:spTree>
-      <p:nvGrpSpPr>
-        <p:cNvPr id="1" name=""/>
-        <p:cNvGrpSpPr/>
-        <p:nvPr/>
-      </p:nvGrpSpPr>
-      <p:grpSpPr>
-        <a:xfrm>
-          <a:off x="0" y="0"/>
-          <a:ext cx="0" cy="0"/>
-          <a:chOff x="0" y="0"/>
-          <a:chExt cx="0" cy="0"/>
-        </a:xfrm>
-      </p:grpSpPr>
-      <p:sp>
-        <p:nvSpPr>
-          <p:cNvPr id="2" name="Title 1">
-            <a:extLst>
-              <a:ext uri="{FF2B5EF4-FFF2-40B4-BE49-F238E27FC236}">
-                <a16:creationId xmlns:a16="http://schemas.microsoft.com/office/drawing/2014/main" id="{09DF4E42-7AC2-4A9F-94CF-7436518ACA4D}"/>
-              </a:ext>
-            </a:extLst>
-          </p:cNvPr>
-          <p:cNvSpPr>
-            <a:spLocks noGrp="1"/>
-          </p:cNvSpPr>
-          <p:nvPr>
-            <p:ph type="title"/>
-          </p:nvPr>
-        </p:nvSpPr>
-        <p:spPr/>
-        <p:txBody>
-          <a:bodyPr/>
-          <a:lstStyle/>
-          <a:p>
-            <a:pPr algn="ctr"/>
-            <a:r>
-              <a:rPr lang="en-GB" b="1" dirty="0"/>
-              <a:t>TNFSF14</a:t>
-            </a:r>
-          </a:p>
-        </p:txBody>
-      </p:sp>
-      <p:pic>
-        <p:nvPicPr>
-          <p:cNvPr id="5" name="Content Placeholder 4"/>
-          <p:cNvPicPr>
-            <a:picLocks noGrp="1" noChangeAspect="1"/>
-          </p:cNvPicPr>
-          <p:nvPr>
-            <p:ph idx="1"/>
-          </p:nvPr>
-        </p:nvPicPr>
-        <p:blipFill>
-          <a:blip r:embed="rId2" cstate="print">
-            <a:extLst>
-              <a:ext uri="{28A0092B-C50C-407E-A947-70E740481C1C}">
-                <a14:useLocalDpi xmlns:a14="http://schemas.microsoft.com/office/drawing/2010/main" val="0"/>
-              </a:ext>
-            </a:extLst>
-          </a:blip>
-          <a:stretch>
-            <a:fillRect/>
-          </a:stretch>
-        </p:blipFill>
-        <p:spPr>
-          <a:xfrm>
-            <a:off x="2987901" y="1825625"/>
-            <a:ext cx="6216197" cy="4351338"/>
-          </a:xfrm>
-        </p:spPr>
-      </p:pic>
-    </p:spTree>
-    <p:extLst>
-      <p:ext uri="{BB962C8B-B14F-4D97-AF65-F5344CB8AC3E}">
-        <p14:creationId xmlns:p14="http://schemas.microsoft.com/office/powerpoint/2010/main" val="3595052693"/>
-      </p:ext>
-    </p:extLst>
-  </p:cSld>
-  <p:clrMapOvr>
-    <a:masterClrMapping/>
-  </p:clrMapOvr>
-</p:sld>
-</file>
-
-<file path=ppt/slides/slide9.xml><?xml version="1.0" encoding="utf-8"?>
 <p:sld xmlns:a="http://schemas.openxmlformats.org/drawingml/2006/main" xmlns:r="http://schemas.openxmlformats.org/officeDocument/2006/relationships" xmlns:p="http://schemas.openxmlformats.org/presentationml/2006/main">
   <p:cSld>
     <p:spTree>
@@ -10054,6 +8019,1996 @@
     <p:extLst>
       <p:ext uri="{BB962C8B-B14F-4D97-AF65-F5344CB8AC3E}">
         <p14:creationId xmlns:p14="http://schemas.microsoft.com/office/powerpoint/2010/main" val="1682900558"/>
+      </p:ext>
+    </p:extLst>
+  </p:cSld>
+  <p:clrMapOvr>
+    <a:masterClrMapping/>
+  </p:clrMapOvr>
+</p:sld>
+</file>
+
+<file path=ppt/slides/slide7.xml><?xml version="1.0" encoding="utf-8"?>
+<p:sld xmlns:a="http://schemas.openxmlformats.org/drawingml/2006/main" xmlns:r="http://schemas.openxmlformats.org/officeDocument/2006/relationships" xmlns:p="http://schemas.openxmlformats.org/presentationml/2006/main">
+  <p:cSld>
+    <p:spTree>
+      <p:nvGrpSpPr>
+        <p:cNvPr id="1" name=""/>
+        <p:cNvGrpSpPr/>
+        <p:nvPr/>
+      </p:nvGrpSpPr>
+      <p:grpSpPr>
+        <a:xfrm>
+          <a:off x="0" y="0"/>
+          <a:ext cx="0" cy="0"/>
+          <a:chOff x="0" y="0"/>
+          <a:chExt cx="0" cy="0"/>
+        </a:xfrm>
+      </p:grpSpPr>
+      <p:sp>
+        <p:nvSpPr>
+          <p:cNvPr id="2" name="Title 1">
+            <a:extLst>
+              <a:ext uri="{FF2B5EF4-FFF2-40B4-BE49-F238E27FC236}">
+                <a16:creationId xmlns:a16="http://schemas.microsoft.com/office/drawing/2014/main" id="{C502F099-9616-49AF-AD69-A97C6AEDC211}"/>
+              </a:ext>
+            </a:extLst>
+          </p:cNvPr>
+          <p:cNvSpPr>
+            <a:spLocks noGrp="1"/>
+          </p:cNvSpPr>
+          <p:nvPr>
+            <p:ph type="title"/>
+          </p:nvPr>
+        </p:nvSpPr>
+        <p:spPr>
+          <a:xfrm>
+            <a:off x="0" y="0"/>
+            <a:ext cx="4947920" cy="6858000"/>
+          </a:xfrm>
+        </p:spPr>
+        <p:txBody>
+          <a:bodyPr>
+            <a:normAutofit/>
+          </a:bodyPr>
+          <a:lstStyle/>
+          <a:p>
+            <a:pPr algn="ctr"/>
+            <a:r>
+              <a:rPr lang="en-GB" b="1" dirty="0"/>
+              <a:t>SNP information (</a:t>
+            </a:r>
+            <a:r>
+              <a:rPr lang="en-GB" b="1" dirty="0" err="1"/>
+              <a:t>PhenoScanner</a:t>
+            </a:r>
+            <a:r>
+              <a:rPr lang="en-GB" b="1" dirty="0"/>
+              <a:t>)</a:t>
+            </a:r>
+            <a:br>
+              <a:rPr lang="en-GB" b="1" dirty="0"/>
+            </a:br>
+            <a:r>
+              <a:rPr lang="en-GB" b="1" dirty="0"/>
+              <a:t>chr17:26694861</a:t>
+            </a:r>
+            <a:br>
+              <a:rPr lang="en-GB" b="1" dirty="0"/>
+            </a:br>
+            <a:r>
+              <a:rPr lang="en-GB" b="1" dirty="0"/>
+              <a:t>rs704:</a:t>
+            </a:r>
+            <a:br>
+              <a:rPr lang="en-GB" b="1" dirty="0"/>
+            </a:br>
+            <a:r>
+              <a:rPr lang="en-GB" b="1" dirty="0"/>
+              <a:t>Kwan </a:t>
+            </a:r>
+            <a:r>
+              <a:rPr lang="en-GB" b="1" dirty="0" smtClean="0"/>
+              <a:t>JS, et al. (2014), </a:t>
+            </a:r>
+            <a:r>
+              <a:rPr lang="en-GB" b="1" i="1" dirty="0" smtClean="0"/>
+              <a:t>Hum </a:t>
+            </a:r>
+            <a:r>
+              <a:rPr lang="en-GB" b="1" i="1" dirty="0" err="1" smtClean="0"/>
+              <a:t>Mol</a:t>
+            </a:r>
+            <a:r>
+              <a:rPr lang="en-GB" b="1" i="1" dirty="0" smtClean="0"/>
+              <a:t> Genet</a:t>
+            </a:r>
+            <a:r>
+              <a:rPr lang="en-GB" b="1" dirty="0" smtClean="0"/>
+              <a:t>, PMID25080503</a:t>
+            </a:r>
+            <a:r>
+              <a:rPr lang="en-GB" b="1" dirty="0"/>
+              <a:t>, allele G ~ decrease of </a:t>
+            </a:r>
+            <a:r>
+              <a:rPr lang="en-GB" b="1" dirty="0" err="1"/>
+              <a:t>Osteoprotegerin</a:t>
+            </a:r>
+            <a:r>
+              <a:rPr lang="en-GB" b="1" dirty="0"/>
+              <a:t> levels (</a:t>
+            </a:r>
+            <a:r>
+              <a:rPr lang="en-GB" b="1" i="1" dirty="0"/>
+              <a:t>p</a:t>
+            </a:r>
+            <a:r>
+              <a:rPr lang="en-GB" b="1" dirty="0"/>
+              <a:t>=1e-9).</a:t>
+            </a:r>
+            <a:br>
+              <a:rPr lang="en-GB" b="1" dirty="0"/>
+            </a:br>
+            <a:endParaRPr lang="en-GB" b="1" dirty="0"/>
+          </a:p>
+        </p:txBody>
+      </p:sp>
+      <p:graphicFrame>
+        <p:nvGraphicFramePr>
+          <p:cNvPr id="5" name="Content Placeholder 4">
+            <a:extLst>
+              <a:ext uri="{FF2B5EF4-FFF2-40B4-BE49-F238E27FC236}">
+                <a16:creationId xmlns:a16="http://schemas.microsoft.com/office/drawing/2014/main" id="{887C0A28-9FD4-45FC-AB9C-8D5755CB04FD}"/>
+              </a:ext>
+            </a:extLst>
+          </p:cNvPr>
+          <p:cNvGraphicFramePr>
+            <a:graphicFrameLocks noGrp="1"/>
+          </p:cNvGraphicFramePr>
+          <p:nvPr>
+            <p:ph idx="1"/>
+            <p:extLst>
+              <p:ext uri="{D42A27DB-BD31-4B8C-83A1-F6EECF244321}">
+                <p14:modId xmlns:p14="http://schemas.microsoft.com/office/powerpoint/2010/main" val="2208170802"/>
+              </p:ext>
+            </p:extLst>
+          </p:nvPr>
+        </p:nvGraphicFramePr>
+        <p:xfrm>
+          <a:off x="5354320" y="0"/>
+          <a:ext cx="6837681" cy="6858004"/>
+        </p:xfrm>
+        <a:graphic>
+          <a:graphicData uri="http://schemas.openxmlformats.org/drawingml/2006/table">
+            <a:tbl>
+              <a:tblPr firstRow="1" bandRow="1">
+                <a:tableStyleId>{5C22544A-7EE6-4342-B048-85BDC9FD1C3A}</a:tableStyleId>
+              </a:tblPr>
+              <a:tblGrid>
+                <a:gridCol w="2206375">
+                  <a:extLst>
+                    <a:ext uri="{9D8B030D-6E8A-4147-A177-3AD203B41FA5}">
+                      <a16:colId xmlns:a16="http://schemas.microsoft.com/office/drawing/2014/main" val="3862113751"/>
+                    </a:ext>
+                  </a:extLst>
+                </a:gridCol>
+                <a:gridCol w="1790078">
+                  <a:extLst>
+                    <a:ext uri="{9D8B030D-6E8A-4147-A177-3AD203B41FA5}">
+                      <a16:colId xmlns:a16="http://schemas.microsoft.com/office/drawing/2014/main" val="2135184577"/>
+                    </a:ext>
+                  </a:extLst>
+                </a:gridCol>
+                <a:gridCol w="1727633">
+                  <a:extLst>
+                    <a:ext uri="{9D8B030D-6E8A-4147-A177-3AD203B41FA5}">
+                      <a16:colId xmlns:a16="http://schemas.microsoft.com/office/drawing/2014/main" val="3567808460"/>
+                    </a:ext>
+                  </a:extLst>
+                </a:gridCol>
+                <a:gridCol w="1113595">
+                  <a:extLst>
+                    <a:ext uri="{9D8B030D-6E8A-4147-A177-3AD203B41FA5}">
+                      <a16:colId xmlns:a16="http://schemas.microsoft.com/office/drawing/2014/main" val="2099834370"/>
+                    </a:ext>
+                  </a:extLst>
+                </a:gridCol>
+              </a:tblGrid>
+              <a:tr h="403412">
+                <a:tc>
+                  <a:txBody>
+                    <a:bodyPr/>
+                    <a:lstStyle/>
+                    <a:p>
+                      <a:pPr algn="l" fontAlgn="b"/>
+                      <a:r>
+                        <a:rPr lang="en-GB" sz="1100" b="1" i="0" u="none" strike="noStrike" dirty="0">
+                          <a:solidFill>
+                            <a:srgbClr val="000000"/>
+                          </a:solidFill>
+                          <a:effectLst/>
+                          <a:latin typeface="Calibri" panose="020F0502020204030204" pitchFamily="34" charset="0"/>
+                        </a:rPr>
+                        <a:t>SNP</a:t>
+                      </a:r>
+                    </a:p>
+                  </a:txBody>
+                  <a:tcPr marL="7620" marR="7620" marT="7620" marB="0" anchor="b"/>
+                </a:tc>
+                <a:tc>
+                  <a:txBody>
+                    <a:bodyPr/>
+                    <a:lstStyle/>
+                    <a:p>
+                      <a:pPr algn="l" fontAlgn="b"/>
+                      <a:r>
+                        <a:rPr lang="en-GB" sz="1100" b="1" i="0" u="none" strike="noStrike" dirty="0" err="1">
+                          <a:solidFill>
+                            <a:srgbClr val="000000"/>
+                          </a:solidFill>
+                          <a:effectLst/>
+                          <a:latin typeface="Calibri" panose="020F0502020204030204" pitchFamily="34" charset="0"/>
+                        </a:rPr>
+                        <a:t>rsID</a:t>
+                      </a:r>
+                      <a:endParaRPr lang="en-GB" sz="1100" b="1" i="0" u="none" strike="noStrike" dirty="0">
+                        <a:solidFill>
+                          <a:srgbClr val="000000"/>
+                        </a:solidFill>
+                        <a:effectLst/>
+                        <a:latin typeface="Calibri" panose="020F0502020204030204" pitchFamily="34" charset="0"/>
+                      </a:endParaRPr>
+                    </a:p>
+                  </a:txBody>
+                  <a:tcPr marL="7620" marR="7620" marT="7620" marB="0" anchor="b"/>
+                </a:tc>
+                <a:tc>
+                  <a:txBody>
+                    <a:bodyPr/>
+                    <a:lstStyle/>
+                    <a:p>
+                      <a:pPr algn="l" fontAlgn="b"/>
+                      <a:r>
+                        <a:rPr lang="en-GB" sz="1100" b="1" i="0" u="none" strike="noStrike">
+                          <a:solidFill>
+                            <a:srgbClr val="000000"/>
+                          </a:solidFill>
+                          <a:effectLst/>
+                          <a:latin typeface="Calibri" panose="020F0502020204030204" pitchFamily="34" charset="0"/>
+                        </a:rPr>
+                        <a:t>Pos (hg19)</a:t>
+                      </a:r>
+                    </a:p>
+                  </a:txBody>
+                  <a:tcPr marL="7620" marR="7620" marT="7620" marB="0" anchor="b"/>
+                </a:tc>
+                <a:tc>
+                  <a:txBody>
+                    <a:bodyPr/>
+                    <a:lstStyle/>
+                    <a:p>
+                      <a:pPr algn="l" fontAlgn="b"/>
+                      <a:r>
+                        <a:rPr lang="en-GB" sz="1100" b="1" i="0" u="none" strike="noStrike" dirty="0">
+                          <a:solidFill>
+                            <a:srgbClr val="000000"/>
+                          </a:solidFill>
+                          <a:effectLst/>
+                          <a:latin typeface="Calibri" panose="020F0502020204030204" pitchFamily="34" charset="0"/>
+                        </a:rPr>
+                        <a:t>Alleles</a:t>
+                      </a:r>
+                    </a:p>
+                  </a:txBody>
+                  <a:tcPr marL="7620" marR="7620" marT="7620" marB="0" anchor="b"/>
+                </a:tc>
+                <a:extLst>
+                  <a:ext uri="{0D108BD9-81ED-4DB2-BD59-A6C34878D82A}">
+                    <a16:rowId xmlns:a16="http://schemas.microsoft.com/office/drawing/2014/main" val="2311789186"/>
+                  </a:ext>
+                </a:extLst>
+              </a:tr>
+              <a:tr h="403412">
+                <a:tc>
+                  <a:txBody>
+                    <a:bodyPr/>
+                    <a:lstStyle/>
+                    <a:p>
+                      <a:pPr algn="l" fontAlgn="b"/>
+                      <a:r>
+                        <a:rPr lang="en-GB" sz="1100" b="0" i="0" u="none" strike="noStrike">
+                          <a:solidFill>
+                            <a:srgbClr val="000000"/>
+                          </a:solidFill>
+                          <a:effectLst/>
+                          <a:latin typeface="Calibri" panose="020F0502020204030204" pitchFamily="34" charset="0"/>
+                        </a:rPr>
+                        <a:t>chr8:119867209</a:t>
+                      </a:r>
+                    </a:p>
+                  </a:txBody>
+                  <a:tcPr marL="7620" marR="7620" marT="7620" marB="0" anchor="b"/>
+                </a:tc>
+                <a:tc>
+                  <a:txBody>
+                    <a:bodyPr/>
+                    <a:lstStyle/>
+                    <a:p>
+                      <a:pPr algn="l" fontAlgn="b"/>
+                      <a:r>
+                        <a:rPr lang="en-GB" sz="1100" b="0" i="0" u="none" strike="noStrike" dirty="0">
+                          <a:solidFill>
+                            <a:srgbClr val="000000"/>
+                          </a:solidFill>
+                          <a:effectLst/>
+                          <a:latin typeface="Calibri" panose="020F0502020204030204" pitchFamily="34" charset="0"/>
+                        </a:rPr>
+                        <a:t>rs149577650</a:t>
+                      </a:r>
+                    </a:p>
+                  </a:txBody>
+                  <a:tcPr marL="7620" marR="7620" marT="7620" marB="0" anchor="b"/>
+                </a:tc>
+                <a:tc>
+                  <a:txBody>
+                    <a:bodyPr/>
+                    <a:lstStyle/>
+                    <a:p>
+                      <a:pPr algn="l" fontAlgn="b"/>
+                      <a:r>
+                        <a:rPr lang="en-GB" sz="1100" b="0" i="0" u="none" strike="noStrike">
+                          <a:solidFill>
+                            <a:srgbClr val="000000"/>
+                          </a:solidFill>
+                          <a:effectLst/>
+                          <a:latin typeface="Calibri" panose="020F0502020204030204" pitchFamily="34" charset="0"/>
+                        </a:rPr>
+                        <a:t>chr8:119867209</a:t>
+                      </a:r>
+                    </a:p>
+                  </a:txBody>
+                  <a:tcPr marL="7620" marR="7620" marT="7620" marB="0" anchor="b"/>
+                </a:tc>
+                <a:tc>
+                  <a:txBody>
+                    <a:bodyPr/>
+                    <a:lstStyle/>
+                    <a:p>
+                      <a:pPr algn="l" fontAlgn="b"/>
+                      <a:r>
+                        <a:rPr lang="en-GB" sz="1100" b="0" i="0" u="none" strike="noStrike">
+                          <a:solidFill>
+                            <a:srgbClr val="000000"/>
+                          </a:solidFill>
+                          <a:effectLst/>
+                          <a:latin typeface="Calibri" panose="020F0502020204030204" pitchFamily="34" charset="0"/>
+                        </a:rPr>
+                        <a:t>A/C</a:t>
+                      </a:r>
+                    </a:p>
+                  </a:txBody>
+                  <a:tcPr marL="7620" marR="7620" marT="7620" marB="0" anchor="b"/>
+                </a:tc>
+                <a:extLst>
+                  <a:ext uri="{0D108BD9-81ED-4DB2-BD59-A6C34878D82A}">
+                    <a16:rowId xmlns:a16="http://schemas.microsoft.com/office/drawing/2014/main" val="2214996260"/>
+                  </a:ext>
+                </a:extLst>
+              </a:tr>
+              <a:tr h="403412">
+                <a:tc>
+                  <a:txBody>
+                    <a:bodyPr/>
+                    <a:lstStyle/>
+                    <a:p>
+                      <a:pPr algn="l" fontAlgn="b"/>
+                      <a:r>
+                        <a:rPr lang="en-GB" sz="1100" b="0" i="0" u="none" strike="noStrike">
+                          <a:solidFill>
+                            <a:srgbClr val="000000"/>
+                          </a:solidFill>
+                          <a:effectLst/>
+                          <a:latin typeface="Calibri" panose="020F0502020204030204" pitchFamily="34" charset="0"/>
+                        </a:rPr>
+                        <a:t>chr8:120081031</a:t>
+                      </a:r>
+                    </a:p>
+                  </a:txBody>
+                  <a:tcPr marL="7620" marR="7620" marT="7620" marB="0" anchor="b"/>
+                </a:tc>
+                <a:tc>
+                  <a:txBody>
+                    <a:bodyPr/>
+                    <a:lstStyle/>
+                    <a:p>
+                      <a:pPr algn="l" fontAlgn="b"/>
+                      <a:r>
+                        <a:rPr lang="en-GB" sz="1100" b="0" i="0" u="none" strike="noStrike">
+                          <a:solidFill>
+                            <a:srgbClr val="000000"/>
+                          </a:solidFill>
+                          <a:effectLst/>
+                          <a:latin typeface="Calibri" panose="020F0502020204030204" pitchFamily="34" charset="0"/>
+                        </a:rPr>
+                        <a:t>rs2247769</a:t>
+                      </a:r>
+                    </a:p>
+                  </a:txBody>
+                  <a:tcPr marL="7620" marR="7620" marT="7620" marB="0" anchor="b"/>
+                </a:tc>
+                <a:tc>
+                  <a:txBody>
+                    <a:bodyPr/>
+                    <a:lstStyle/>
+                    <a:p>
+                      <a:pPr algn="l" fontAlgn="b"/>
+                      <a:r>
+                        <a:rPr lang="en-GB" sz="1100" b="0" i="0" u="none" strike="noStrike">
+                          <a:solidFill>
+                            <a:srgbClr val="000000"/>
+                          </a:solidFill>
+                          <a:effectLst/>
+                          <a:latin typeface="Calibri" panose="020F0502020204030204" pitchFamily="34" charset="0"/>
+                        </a:rPr>
+                        <a:t>chr8:120081031</a:t>
+                      </a:r>
+                    </a:p>
+                  </a:txBody>
+                  <a:tcPr marL="7620" marR="7620" marT="7620" marB="0" anchor="b"/>
+                </a:tc>
+                <a:tc>
+                  <a:txBody>
+                    <a:bodyPr/>
+                    <a:lstStyle/>
+                    <a:p>
+                      <a:pPr algn="l" fontAlgn="b"/>
+                      <a:r>
+                        <a:rPr lang="en-GB" sz="1100" b="0" i="0" u="none" strike="noStrike">
+                          <a:solidFill>
+                            <a:srgbClr val="000000"/>
+                          </a:solidFill>
+                          <a:effectLst/>
+                          <a:latin typeface="Calibri" panose="020F0502020204030204" pitchFamily="34" charset="0"/>
+                        </a:rPr>
+                        <a:t>C/T</a:t>
+                      </a:r>
+                    </a:p>
+                  </a:txBody>
+                  <a:tcPr marL="7620" marR="7620" marT="7620" marB="0" anchor="b"/>
+                </a:tc>
+                <a:extLst>
+                  <a:ext uri="{0D108BD9-81ED-4DB2-BD59-A6C34878D82A}">
+                    <a16:rowId xmlns:a16="http://schemas.microsoft.com/office/drawing/2014/main" val="463528673"/>
+                  </a:ext>
+                </a:extLst>
+              </a:tr>
+              <a:tr h="403412">
+                <a:tc>
+                  <a:txBody>
+                    <a:bodyPr/>
+                    <a:lstStyle/>
+                    <a:p>
+                      <a:pPr algn="l" fontAlgn="b"/>
+                      <a:r>
+                        <a:rPr lang="en-GB" sz="1100" b="0" i="0" u="none" strike="noStrike">
+                          <a:solidFill>
+                            <a:srgbClr val="FF0000"/>
+                          </a:solidFill>
+                          <a:effectLst/>
+                          <a:latin typeface="Calibri" panose="020F0502020204030204" pitchFamily="34" charset="0"/>
+                        </a:rPr>
+                        <a:t>chr17:26694861</a:t>
+                      </a:r>
+                    </a:p>
+                  </a:txBody>
+                  <a:tcPr marL="7620" marR="7620" marT="7620" marB="0" anchor="b"/>
+                </a:tc>
+                <a:tc>
+                  <a:txBody>
+                    <a:bodyPr/>
+                    <a:lstStyle/>
+                    <a:p>
+                      <a:pPr algn="l" fontAlgn="b"/>
+                      <a:r>
+                        <a:rPr lang="en-GB" sz="1100" b="0" i="0" u="none" strike="noStrike">
+                          <a:solidFill>
+                            <a:srgbClr val="FF0000"/>
+                          </a:solidFill>
+                          <a:effectLst/>
+                          <a:latin typeface="Calibri" panose="020F0502020204030204" pitchFamily="34" charset="0"/>
+                        </a:rPr>
+                        <a:t>rs704</a:t>
+                      </a:r>
+                    </a:p>
+                  </a:txBody>
+                  <a:tcPr marL="7620" marR="7620" marT="7620" marB="0" anchor="b"/>
+                </a:tc>
+                <a:tc>
+                  <a:txBody>
+                    <a:bodyPr/>
+                    <a:lstStyle/>
+                    <a:p>
+                      <a:pPr algn="l" fontAlgn="b"/>
+                      <a:r>
+                        <a:rPr lang="en-GB" sz="1100" b="0" i="0" u="none" strike="noStrike">
+                          <a:solidFill>
+                            <a:srgbClr val="FF0000"/>
+                          </a:solidFill>
+                          <a:effectLst/>
+                          <a:latin typeface="Calibri" panose="020F0502020204030204" pitchFamily="34" charset="0"/>
+                        </a:rPr>
+                        <a:t>chr17:26694861</a:t>
+                      </a:r>
+                    </a:p>
+                  </a:txBody>
+                  <a:tcPr marL="7620" marR="7620" marT="7620" marB="0" anchor="b"/>
+                </a:tc>
+                <a:tc>
+                  <a:txBody>
+                    <a:bodyPr/>
+                    <a:lstStyle/>
+                    <a:p>
+                      <a:pPr algn="l" fontAlgn="b"/>
+                      <a:r>
+                        <a:rPr lang="en-GB" sz="1100" b="0" i="0" u="none" strike="noStrike" dirty="0">
+                          <a:solidFill>
+                            <a:srgbClr val="FF0000"/>
+                          </a:solidFill>
+                          <a:effectLst/>
+                          <a:latin typeface="Calibri" panose="020F0502020204030204" pitchFamily="34" charset="0"/>
+                        </a:rPr>
+                        <a:t>G/A</a:t>
+                      </a:r>
+                    </a:p>
+                  </a:txBody>
+                  <a:tcPr marL="7620" marR="7620" marT="7620" marB="0" anchor="b"/>
+                </a:tc>
+                <a:extLst>
+                  <a:ext uri="{0D108BD9-81ED-4DB2-BD59-A6C34878D82A}">
+                    <a16:rowId xmlns:a16="http://schemas.microsoft.com/office/drawing/2014/main" val="4201455789"/>
+                  </a:ext>
+                </a:extLst>
+              </a:tr>
+              <a:tr h="403412">
+                <a:tc>
+                  <a:txBody>
+                    <a:bodyPr/>
+                    <a:lstStyle/>
+                    <a:p>
+                      <a:pPr algn="l" fontAlgn="b"/>
+                      <a:r>
+                        <a:rPr lang="en-GB" sz="1100" b="0" i="0" u="none" strike="noStrike" dirty="0">
+                          <a:solidFill>
+                            <a:srgbClr val="000000"/>
+                          </a:solidFill>
+                          <a:effectLst/>
+                          <a:latin typeface="Calibri" panose="020F0502020204030204" pitchFamily="34" charset="0"/>
+                        </a:rPr>
+                        <a:t>chr19:1227505</a:t>
+                      </a:r>
+                    </a:p>
+                  </a:txBody>
+                  <a:tcPr marL="7620" marR="7620" marT="7620" marB="0" anchor="b"/>
+                </a:tc>
+                <a:tc>
+                  <a:txBody>
+                    <a:bodyPr/>
+                    <a:lstStyle/>
+                    <a:p>
+                      <a:pPr algn="l" fontAlgn="b"/>
+                      <a:r>
+                        <a:rPr lang="en-GB" sz="1100" b="0" i="0" u="none" strike="noStrike">
+                          <a:solidFill>
+                            <a:srgbClr val="000000"/>
+                          </a:solidFill>
+                          <a:effectLst/>
+                          <a:latin typeface="Calibri" panose="020F0502020204030204" pitchFamily="34" charset="0"/>
+                        </a:rPr>
+                        <a:t>rs7259447</a:t>
+                      </a:r>
+                    </a:p>
+                  </a:txBody>
+                  <a:tcPr marL="7620" marR="7620" marT="7620" marB="0" anchor="b"/>
+                </a:tc>
+                <a:tc>
+                  <a:txBody>
+                    <a:bodyPr/>
+                    <a:lstStyle/>
+                    <a:p>
+                      <a:pPr algn="l" fontAlgn="b"/>
+                      <a:r>
+                        <a:rPr lang="en-GB" sz="1100" b="0" i="0" u="none" strike="noStrike">
+                          <a:solidFill>
+                            <a:srgbClr val="000000"/>
+                          </a:solidFill>
+                          <a:effectLst/>
+                          <a:latin typeface="Calibri" panose="020F0502020204030204" pitchFamily="34" charset="0"/>
+                        </a:rPr>
+                        <a:t>chr19:1227505</a:t>
+                      </a:r>
+                    </a:p>
+                  </a:txBody>
+                  <a:tcPr marL="7620" marR="7620" marT="7620" marB="0" anchor="b"/>
+                </a:tc>
+                <a:tc>
+                  <a:txBody>
+                    <a:bodyPr/>
+                    <a:lstStyle/>
+                    <a:p>
+                      <a:pPr algn="l" fontAlgn="b"/>
+                      <a:r>
+                        <a:rPr lang="en-GB" sz="1100" b="0" i="0" u="none" strike="noStrike">
+                          <a:solidFill>
+                            <a:srgbClr val="000000"/>
+                          </a:solidFill>
+                          <a:effectLst/>
+                          <a:latin typeface="Calibri" panose="020F0502020204030204" pitchFamily="34" charset="0"/>
+                        </a:rPr>
+                        <a:t>C/T</a:t>
+                      </a:r>
+                    </a:p>
+                  </a:txBody>
+                  <a:tcPr marL="7620" marR="7620" marT="7620" marB="0" anchor="b"/>
+                </a:tc>
+                <a:extLst>
+                  <a:ext uri="{0D108BD9-81ED-4DB2-BD59-A6C34878D82A}">
+                    <a16:rowId xmlns:a16="http://schemas.microsoft.com/office/drawing/2014/main" val="2380621020"/>
+                  </a:ext>
+                </a:extLst>
+              </a:tr>
+              <a:tr h="403412">
+                <a:tc>
+                  <a:txBody>
+                    <a:bodyPr/>
+                    <a:lstStyle/>
+                    <a:p>
+                      <a:pPr algn="l" fontAlgn="b"/>
+                      <a:r>
+                        <a:rPr lang="en-GB" sz="1100" b="0" i="0" u="none" strike="noStrike">
+                          <a:solidFill>
+                            <a:srgbClr val="000000"/>
+                          </a:solidFill>
+                          <a:effectLst/>
+                          <a:latin typeface="Calibri" panose="020F0502020204030204" pitchFamily="34" charset="0"/>
+                        </a:rPr>
+                        <a:t>chr19:1403959</a:t>
+                      </a:r>
+                    </a:p>
+                  </a:txBody>
+                  <a:tcPr marL="7620" marR="7620" marT="7620" marB="0" anchor="b"/>
+                </a:tc>
+                <a:tc>
+                  <a:txBody>
+                    <a:bodyPr/>
+                    <a:lstStyle/>
+                    <a:p>
+                      <a:pPr algn="l" fontAlgn="b"/>
+                      <a:r>
+                        <a:rPr lang="en-GB" sz="1100" b="0" i="0" u="none" strike="noStrike">
+                          <a:solidFill>
+                            <a:srgbClr val="000000"/>
+                          </a:solidFill>
+                          <a:effectLst/>
+                          <a:latin typeface="Calibri" panose="020F0502020204030204" pitchFamily="34" charset="0"/>
+                        </a:rPr>
+                        <a:t>chr19:1403959</a:t>
+                      </a:r>
+                    </a:p>
+                  </a:txBody>
+                  <a:tcPr marL="7620" marR="7620" marT="7620" marB="0" anchor="b"/>
+                </a:tc>
+                <a:tc>
+                  <a:txBody>
+                    <a:bodyPr/>
+                    <a:lstStyle/>
+                    <a:p>
+                      <a:pPr algn="l" fontAlgn="b"/>
+                      <a:r>
+                        <a:rPr lang="en-GB" sz="1100" b="0" i="0" u="none" strike="noStrike">
+                          <a:solidFill>
+                            <a:srgbClr val="000000"/>
+                          </a:solidFill>
+                          <a:effectLst/>
+                          <a:latin typeface="Calibri" panose="020F0502020204030204" pitchFamily="34" charset="0"/>
+                        </a:rPr>
+                        <a:t>chr19:1403959</a:t>
+                      </a:r>
+                    </a:p>
+                  </a:txBody>
+                  <a:tcPr marL="7620" marR="7620" marT="7620" marB="0" anchor="b"/>
+                </a:tc>
+                <a:tc>
+                  <a:txBody>
+                    <a:bodyPr/>
+                    <a:lstStyle/>
+                    <a:p>
+                      <a:pPr algn="l" fontAlgn="b"/>
+                      <a:r>
+                        <a:rPr lang="en-GB" sz="1100" b="0" i="0" u="none" strike="noStrike">
+                          <a:solidFill>
+                            <a:srgbClr val="000000"/>
+                          </a:solidFill>
+                          <a:effectLst/>
+                          <a:latin typeface="Calibri" panose="020F0502020204030204" pitchFamily="34" charset="0"/>
+                        </a:rPr>
+                        <a:t>C/G</a:t>
+                      </a:r>
+                    </a:p>
+                  </a:txBody>
+                  <a:tcPr marL="7620" marR="7620" marT="7620" marB="0" anchor="b"/>
+                </a:tc>
+                <a:extLst>
+                  <a:ext uri="{0D108BD9-81ED-4DB2-BD59-A6C34878D82A}">
+                    <a16:rowId xmlns:a16="http://schemas.microsoft.com/office/drawing/2014/main" val="631381923"/>
+                  </a:ext>
+                </a:extLst>
+              </a:tr>
+              <a:tr h="403412">
+                <a:tc>
+                  <a:txBody>
+                    <a:bodyPr/>
+                    <a:lstStyle/>
+                    <a:p>
+                      <a:pPr algn="l" fontAlgn="b"/>
+                      <a:r>
+                        <a:rPr lang="en-GB" sz="1100" b="0" i="0" u="none" strike="noStrike">
+                          <a:solidFill>
+                            <a:srgbClr val="000000"/>
+                          </a:solidFill>
+                          <a:effectLst/>
+                          <a:latin typeface="Calibri" panose="020F0502020204030204" pitchFamily="34" charset="0"/>
+                        </a:rPr>
+                        <a:t>chr19:3932314</a:t>
+                      </a:r>
+                    </a:p>
+                  </a:txBody>
+                  <a:tcPr marL="7620" marR="7620" marT="7620" marB="0" anchor="b"/>
+                </a:tc>
+                <a:tc>
+                  <a:txBody>
+                    <a:bodyPr/>
+                    <a:lstStyle/>
+                    <a:p>
+                      <a:pPr algn="l" fontAlgn="b"/>
+                      <a:r>
+                        <a:rPr lang="en-GB" sz="1100" b="0" i="0" u="none" strike="noStrike">
+                          <a:solidFill>
+                            <a:srgbClr val="000000"/>
+                          </a:solidFill>
+                          <a:effectLst/>
+                          <a:latin typeface="Calibri" panose="020F0502020204030204" pitchFamily="34" charset="0"/>
+                        </a:rPr>
+                        <a:t>rs149200741</a:t>
+                      </a:r>
+                    </a:p>
+                  </a:txBody>
+                  <a:tcPr marL="7620" marR="7620" marT="7620" marB="0" anchor="b"/>
+                </a:tc>
+                <a:tc>
+                  <a:txBody>
+                    <a:bodyPr/>
+                    <a:lstStyle/>
+                    <a:p>
+                      <a:pPr algn="l" fontAlgn="b"/>
+                      <a:r>
+                        <a:rPr lang="en-GB" sz="1100" b="0" i="0" u="none" strike="noStrike">
+                          <a:solidFill>
+                            <a:srgbClr val="000000"/>
+                          </a:solidFill>
+                          <a:effectLst/>
+                          <a:latin typeface="Calibri" panose="020F0502020204030204" pitchFamily="34" charset="0"/>
+                        </a:rPr>
+                        <a:t>chr19:3932314</a:t>
+                      </a:r>
+                    </a:p>
+                  </a:txBody>
+                  <a:tcPr marL="7620" marR="7620" marT="7620" marB="0" anchor="b"/>
+                </a:tc>
+                <a:tc>
+                  <a:txBody>
+                    <a:bodyPr/>
+                    <a:lstStyle/>
+                    <a:p>
+                      <a:pPr algn="l" fontAlgn="b"/>
+                      <a:r>
+                        <a:rPr lang="en-GB" sz="1100" b="0" i="0" u="none" strike="noStrike">
+                          <a:solidFill>
+                            <a:srgbClr val="000000"/>
+                          </a:solidFill>
+                          <a:effectLst/>
+                          <a:latin typeface="Calibri" panose="020F0502020204030204" pitchFamily="34" charset="0"/>
+                        </a:rPr>
+                        <a:t>C/T</a:t>
+                      </a:r>
+                    </a:p>
+                  </a:txBody>
+                  <a:tcPr marL="7620" marR="7620" marT="7620" marB="0" anchor="b"/>
+                </a:tc>
+                <a:extLst>
+                  <a:ext uri="{0D108BD9-81ED-4DB2-BD59-A6C34878D82A}">
+                    <a16:rowId xmlns:a16="http://schemas.microsoft.com/office/drawing/2014/main" val="280472112"/>
+                  </a:ext>
+                </a:extLst>
+              </a:tr>
+              <a:tr h="403412">
+                <a:tc>
+                  <a:txBody>
+                    <a:bodyPr/>
+                    <a:lstStyle/>
+                    <a:p>
+                      <a:pPr algn="l" fontAlgn="b"/>
+                      <a:r>
+                        <a:rPr lang="en-GB" sz="1100" b="0" i="0" u="none" strike="noStrike">
+                          <a:solidFill>
+                            <a:srgbClr val="000000"/>
+                          </a:solidFill>
+                          <a:effectLst/>
+                          <a:latin typeface="Calibri" panose="020F0502020204030204" pitchFamily="34" charset="0"/>
+                        </a:rPr>
+                        <a:t>chr19:6641765</a:t>
+                      </a:r>
+                    </a:p>
+                  </a:txBody>
+                  <a:tcPr marL="7620" marR="7620" marT="7620" marB="0" anchor="b"/>
+                </a:tc>
+                <a:tc>
+                  <a:txBody>
+                    <a:bodyPr/>
+                    <a:lstStyle/>
+                    <a:p>
+                      <a:pPr algn="l" fontAlgn="b"/>
+                      <a:r>
+                        <a:rPr lang="en-GB" sz="1100" b="0" i="0" u="none" strike="noStrike">
+                          <a:solidFill>
+                            <a:srgbClr val="000000"/>
+                          </a:solidFill>
+                          <a:effectLst/>
+                          <a:latin typeface="Calibri" panose="020F0502020204030204" pitchFamily="34" charset="0"/>
+                        </a:rPr>
+                        <a:t>rs56029314</a:t>
+                      </a:r>
+                    </a:p>
+                  </a:txBody>
+                  <a:tcPr marL="7620" marR="7620" marT="7620" marB="0" anchor="b"/>
+                </a:tc>
+                <a:tc>
+                  <a:txBody>
+                    <a:bodyPr/>
+                    <a:lstStyle/>
+                    <a:p>
+                      <a:pPr algn="l" fontAlgn="b"/>
+                      <a:r>
+                        <a:rPr lang="en-GB" sz="1100" b="0" i="0" u="none" strike="noStrike">
+                          <a:solidFill>
+                            <a:srgbClr val="000000"/>
+                          </a:solidFill>
+                          <a:effectLst/>
+                          <a:latin typeface="Calibri" panose="020F0502020204030204" pitchFamily="34" charset="0"/>
+                        </a:rPr>
+                        <a:t>chr19:6641765</a:t>
+                      </a:r>
+                    </a:p>
+                  </a:txBody>
+                  <a:tcPr marL="7620" marR="7620" marT="7620" marB="0" anchor="b"/>
+                </a:tc>
+                <a:tc>
+                  <a:txBody>
+                    <a:bodyPr/>
+                    <a:lstStyle/>
+                    <a:p>
+                      <a:pPr algn="l" fontAlgn="b"/>
+                      <a:r>
+                        <a:rPr lang="en-GB" sz="1100" b="0" i="0" u="none" strike="noStrike">
+                          <a:solidFill>
+                            <a:srgbClr val="000000"/>
+                          </a:solidFill>
+                          <a:effectLst/>
+                          <a:latin typeface="Calibri" panose="020F0502020204030204" pitchFamily="34" charset="0"/>
+                        </a:rPr>
+                        <a:t>C/T</a:t>
+                      </a:r>
+                    </a:p>
+                  </a:txBody>
+                  <a:tcPr marL="7620" marR="7620" marT="7620" marB="0" anchor="b"/>
+                </a:tc>
+                <a:extLst>
+                  <a:ext uri="{0D108BD9-81ED-4DB2-BD59-A6C34878D82A}">
+                    <a16:rowId xmlns:a16="http://schemas.microsoft.com/office/drawing/2014/main" val="1016826138"/>
+                  </a:ext>
+                </a:extLst>
+              </a:tr>
+              <a:tr h="403412">
+                <a:tc>
+                  <a:txBody>
+                    <a:bodyPr/>
+                    <a:lstStyle/>
+                    <a:p>
+                      <a:pPr algn="l" fontAlgn="b"/>
+                      <a:r>
+                        <a:rPr lang="en-GB" sz="1100" b="0" i="0" u="none" strike="noStrike" dirty="0">
+                          <a:solidFill>
+                            <a:srgbClr val="000000"/>
+                          </a:solidFill>
+                          <a:effectLst/>
+                          <a:latin typeface="Calibri" panose="020F0502020204030204" pitchFamily="34" charset="0"/>
+                        </a:rPr>
+                        <a:t>chr19:6665020</a:t>
+                      </a:r>
+                    </a:p>
+                  </a:txBody>
+                  <a:tcPr marL="7620" marR="7620" marT="7620" marB="0" anchor="b"/>
+                </a:tc>
+                <a:tc>
+                  <a:txBody>
+                    <a:bodyPr/>
+                    <a:lstStyle/>
+                    <a:p>
+                      <a:pPr algn="l" fontAlgn="b"/>
+                      <a:r>
+                        <a:rPr lang="en-GB" sz="1100" b="0" i="0" u="none" strike="noStrike">
+                          <a:solidFill>
+                            <a:srgbClr val="000000"/>
+                          </a:solidFill>
+                          <a:effectLst/>
+                          <a:latin typeface="Calibri" panose="020F0502020204030204" pitchFamily="34" charset="0"/>
+                        </a:rPr>
+                        <a:t>rs344560</a:t>
+                      </a:r>
+                    </a:p>
+                  </a:txBody>
+                  <a:tcPr marL="7620" marR="7620" marT="7620" marB="0" anchor="b"/>
+                </a:tc>
+                <a:tc>
+                  <a:txBody>
+                    <a:bodyPr/>
+                    <a:lstStyle/>
+                    <a:p>
+                      <a:pPr algn="l" fontAlgn="b"/>
+                      <a:r>
+                        <a:rPr lang="en-GB" sz="1100" b="0" i="0" u="none" strike="noStrike">
+                          <a:solidFill>
+                            <a:srgbClr val="000000"/>
+                          </a:solidFill>
+                          <a:effectLst/>
+                          <a:latin typeface="Calibri" panose="020F0502020204030204" pitchFamily="34" charset="0"/>
+                        </a:rPr>
+                        <a:t>chr19:6665020</a:t>
+                      </a:r>
+                    </a:p>
+                  </a:txBody>
+                  <a:tcPr marL="7620" marR="7620" marT="7620" marB="0" anchor="b"/>
+                </a:tc>
+                <a:tc>
+                  <a:txBody>
+                    <a:bodyPr/>
+                    <a:lstStyle/>
+                    <a:p>
+                      <a:pPr algn="l" fontAlgn="b"/>
+                      <a:r>
+                        <a:rPr lang="en-GB" sz="1100" b="0" i="0" u="none" strike="noStrike">
+                          <a:solidFill>
+                            <a:srgbClr val="000000"/>
+                          </a:solidFill>
+                          <a:effectLst/>
+                          <a:latin typeface="Calibri" panose="020F0502020204030204" pitchFamily="34" charset="0"/>
+                        </a:rPr>
+                        <a:t>T/C</a:t>
+                      </a:r>
+                    </a:p>
+                  </a:txBody>
+                  <a:tcPr marL="7620" marR="7620" marT="7620" marB="0" anchor="b"/>
+                </a:tc>
+                <a:extLst>
+                  <a:ext uri="{0D108BD9-81ED-4DB2-BD59-A6C34878D82A}">
+                    <a16:rowId xmlns:a16="http://schemas.microsoft.com/office/drawing/2014/main" val="3637693929"/>
+                  </a:ext>
+                </a:extLst>
+              </a:tr>
+              <a:tr h="403412">
+                <a:tc>
+                  <a:txBody>
+                    <a:bodyPr/>
+                    <a:lstStyle/>
+                    <a:p>
+                      <a:pPr algn="l" fontAlgn="b"/>
+                      <a:r>
+                        <a:rPr lang="en-GB" sz="1100" b="0" i="0" u="none" strike="noStrike">
+                          <a:solidFill>
+                            <a:srgbClr val="000000"/>
+                          </a:solidFill>
+                          <a:effectLst/>
+                          <a:latin typeface="Calibri" panose="020F0502020204030204" pitchFamily="34" charset="0"/>
+                        </a:rPr>
+                        <a:t>chr19:6673889</a:t>
+                      </a:r>
+                    </a:p>
+                  </a:txBody>
+                  <a:tcPr marL="7620" marR="7620" marT="7620" marB="0" anchor="b"/>
+                </a:tc>
+                <a:tc>
+                  <a:txBody>
+                    <a:bodyPr/>
+                    <a:lstStyle/>
+                    <a:p>
+                      <a:pPr algn="l" fontAlgn="b"/>
+                      <a:r>
+                        <a:rPr lang="en-GB" sz="1100" b="0" i="0" u="none" strike="noStrike">
+                          <a:solidFill>
+                            <a:srgbClr val="000000"/>
+                          </a:solidFill>
+                          <a:effectLst/>
+                          <a:latin typeface="Calibri" panose="020F0502020204030204" pitchFamily="34" charset="0"/>
+                        </a:rPr>
+                        <a:t>rs6510917</a:t>
+                      </a:r>
+                    </a:p>
+                  </a:txBody>
+                  <a:tcPr marL="7620" marR="7620" marT="7620" marB="0" anchor="b"/>
+                </a:tc>
+                <a:tc>
+                  <a:txBody>
+                    <a:bodyPr/>
+                    <a:lstStyle/>
+                    <a:p>
+                      <a:pPr algn="l" fontAlgn="b"/>
+                      <a:r>
+                        <a:rPr lang="en-GB" sz="1100" b="0" i="0" u="none" strike="noStrike" dirty="0">
+                          <a:solidFill>
+                            <a:srgbClr val="000000"/>
+                          </a:solidFill>
+                          <a:effectLst/>
+                          <a:latin typeface="Calibri" panose="020F0502020204030204" pitchFamily="34" charset="0"/>
+                        </a:rPr>
+                        <a:t>chr19:6673889</a:t>
+                      </a:r>
+                    </a:p>
+                  </a:txBody>
+                  <a:tcPr marL="7620" marR="7620" marT="7620" marB="0" anchor="b"/>
+                </a:tc>
+                <a:tc>
+                  <a:txBody>
+                    <a:bodyPr/>
+                    <a:lstStyle/>
+                    <a:p>
+                      <a:pPr algn="l" fontAlgn="b"/>
+                      <a:r>
+                        <a:rPr lang="en-GB" sz="1100" b="0" i="0" u="none" strike="noStrike">
+                          <a:solidFill>
+                            <a:srgbClr val="000000"/>
+                          </a:solidFill>
+                          <a:effectLst/>
+                          <a:latin typeface="Calibri" panose="020F0502020204030204" pitchFamily="34" charset="0"/>
+                        </a:rPr>
+                        <a:t>A/G</a:t>
+                      </a:r>
+                    </a:p>
+                  </a:txBody>
+                  <a:tcPr marL="7620" marR="7620" marT="7620" marB="0" anchor="b"/>
+                </a:tc>
+                <a:extLst>
+                  <a:ext uri="{0D108BD9-81ED-4DB2-BD59-A6C34878D82A}">
+                    <a16:rowId xmlns:a16="http://schemas.microsoft.com/office/drawing/2014/main" val="3168733370"/>
+                  </a:ext>
+                </a:extLst>
+              </a:tr>
+              <a:tr h="403412">
+                <a:tc>
+                  <a:txBody>
+                    <a:bodyPr/>
+                    <a:lstStyle/>
+                    <a:p>
+                      <a:pPr algn="l" fontAlgn="b"/>
+                      <a:r>
+                        <a:rPr lang="en-GB" sz="1100" b="0" i="0" u="none" strike="noStrike">
+                          <a:solidFill>
+                            <a:srgbClr val="000000"/>
+                          </a:solidFill>
+                          <a:effectLst/>
+                          <a:latin typeface="Calibri" panose="020F0502020204030204" pitchFamily="34" charset="0"/>
+                        </a:rPr>
+                        <a:t>chr19:6704670</a:t>
+                      </a:r>
+                    </a:p>
+                  </a:txBody>
+                  <a:tcPr marL="7620" marR="7620" marT="7620" marB="0" anchor="b"/>
+                </a:tc>
+                <a:tc>
+                  <a:txBody>
+                    <a:bodyPr/>
+                    <a:lstStyle/>
+                    <a:p>
+                      <a:pPr algn="l" fontAlgn="b"/>
+                      <a:r>
+                        <a:rPr lang="en-GB" sz="1100" b="0" i="0" u="none" strike="noStrike">
+                          <a:solidFill>
+                            <a:srgbClr val="000000"/>
+                          </a:solidFill>
+                          <a:effectLst/>
+                          <a:latin typeface="Calibri" panose="020F0502020204030204" pitchFamily="34" charset="0"/>
+                        </a:rPr>
+                        <a:t>rs11085195</a:t>
+                      </a:r>
+                    </a:p>
+                  </a:txBody>
+                  <a:tcPr marL="7620" marR="7620" marT="7620" marB="0" anchor="b"/>
+                </a:tc>
+                <a:tc>
+                  <a:txBody>
+                    <a:bodyPr/>
+                    <a:lstStyle/>
+                    <a:p>
+                      <a:pPr algn="l" fontAlgn="b"/>
+                      <a:r>
+                        <a:rPr lang="en-GB" sz="1100" b="0" i="0" u="none" strike="noStrike">
+                          <a:solidFill>
+                            <a:srgbClr val="000000"/>
+                          </a:solidFill>
+                          <a:effectLst/>
+                          <a:latin typeface="Calibri" panose="020F0502020204030204" pitchFamily="34" charset="0"/>
+                        </a:rPr>
+                        <a:t>chr19:6704670</a:t>
+                      </a:r>
+                    </a:p>
+                  </a:txBody>
+                  <a:tcPr marL="7620" marR="7620" marT="7620" marB="0" anchor="b"/>
+                </a:tc>
+                <a:tc>
+                  <a:txBody>
+                    <a:bodyPr/>
+                    <a:lstStyle/>
+                    <a:p>
+                      <a:pPr algn="l" fontAlgn="b"/>
+                      <a:r>
+                        <a:rPr lang="en-GB" sz="1100" b="0" i="0" u="none" strike="noStrike">
+                          <a:solidFill>
+                            <a:srgbClr val="000000"/>
+                          </a:solidFill>
+                          <a:effectLst/>
+                          <a:latin typeface="Calibri" panose="020F0502020204030204" pitchFamily="34" charset="0"/>
+                        </a:rPr>
+                        <a:t>T/C</a:t>
+                      </a:r>
+                    </a:p>
+                  </a:txBody>
+                  <a:tcPr marL="7620" marR="7620" marT="7620" marB="0" anchor="b"/>
+                </a:tc>
+                <a:extLst>
+                  <a:ext uri="{0D108BD9-81ED-4DB2-BD59-A6C34878D82A}">
+                    <a16:rowId xmlns:a16="http://schemas.microsoft.com/office/drawing/2014/main" val="1391176935"/>
+                  </a:ext>
+                </a:extLst>
+              </a:tr>
+              <a:tr h="403412">
+                <a:tc>
+                  <a:txBody>
+                    <a:bodyPr/>
+                    <a:lstStyle/>
+                    <a:p>
+                      <a:pPr algn="l" fontAlgn="b"/>
+                      <a:r>
+                        <a:rPr lang="en-GB" sz="1100" b="0" i="0" u="none" strike="noStrike">
+                          <a:solidFill>
+                            <a:srgbClr val="000000"/>
+                          </a:solidFill>
+                          <a:effectLst/>
+                          <a:latin typeface="Calibri" panose="020F0502020204030204" pitchFamily="34" charset="0"/>
+                        </a:rPr>
+                        <a:t>chr19:8094596</a:t>
+                      </a:r>
+                    </a:p>
+                  </a:txBody>
+                  <a:tcPr marL="7620" marR="7620" marT="7620" marB="0" anchor="b"/>
+                </a:tc>
+                <a:tc>
+                  <a:txBody>
+                    <a:bodyPr/>
+                    <a:lstStyle/>
+                    <a:p>
+                      <a:pPr algn="l" fontAlgn="b"/>
+                      <a:r>
+                        <a:rPr lang="en-GB" sz="1100" b="0" i="0" u="none" strike="noStrike">
+                          <a:solidFill>
+                            <a:srgbClr val="000000"/>
+                          </a:solidFill>
+                          <a:effectLst/>
+                          <a:latin typeface="Calibri" panose="020F0502020204030204" pitchFamily="34" charset="0"/>
+                        </a:rPr>
+                        <a:t>rs142682195</a:t>
+                      </a:r>
+                    </a:p>
+                  </a:txBody>
+                  <a:tcPr marL="7620" marR="7620" marT="7620" marB="0" anchor="b"/>
+                </a:tc>
+                <a:tc>
+                  <a:txBody>
+                    <a:bodyPr/>
+                    <a:lstStyle/>
+                    <a:p>
+                      <a:pPr algn="l" fontAlgn="b"/>
+                      <a:r>
+                        <a:rPr lang="en-GB" sz="1100" b="0" i="0" u="none" strike="noStrike">
+                          <a:solidFill>
+                            <a:srgbClr val="000000"/>
+                          </a:solidFill>
+                          <a:effectLst/>
+                          <a:latin typeface="Calibri" panose="020F0502020204030204" pitchFamily="34" charset="0"/>
+                        </a:rPr>
+                        <a:t>chr19:8094596</a:t>
+                      </a:r>
+                    </a:p>
+                  </a:txBody>
+                  <a:tcPr marL="7620" marR="7620" marT="7620" marB="0" anchor="b"/>
+                </a:tc>
+                <a:tc>
+                  <a:txBody>
+                    <a:bodyPr/>
+                    <a:lstStyle/>
+                    <a:p>
+                      <a:pPr algn="l" fontAlgn="b"/>
+                      <a:r>
+                        <a:rPr lang="en-GB" sz="1100" b="0" i="0" u="none" strike="noStrike">
+                          <a:solidFill>
+                            <a:srgbClr val="000000"/>
+                          </a:solidFill>
+                          <a:effectLst/>
+                          <a:latin typeface="Calibri" panose="020F0502020204030204" pitchFamily="34" charset="0"/>
+                        </a:rPr>
+                        <a:t>A/G</a:t>
+                      </a:r>
+                    </a:p>
+                  </a:txBody>
+                  <a:tcPr marL="7620" marR="7620" marT="7620" marB="0" anchor="b"/>
+                </a:tc>
+                <a:extLst>
+                  <a:ext uri="{0D108BD9-81ED-4DB2-BD59-A6C34878D82A}">
+                    <a16:rowId xmlns:a16="http://schemas.microsoft.com/office/drawing/2014/main" val="522236567"/>
+                  </a:ext>
+                </a:extLst>
+              </a:tr>
+              <a:tr h="403412">
+                <a:tc>
+                  <a:txBody>
+                    <a:bodyPr/>
+                    <a:lstStyle/>
+                    <a:p>
+                      <a:pPr algn="l" fontAlgn="b"/>
+                      <a:r>
+                        <a:rPr lang="en-GB" sz="1100" b="0" i="0" u="none" strike="noStrike">
+                          <a:solidFill>
+                            <a:srgbClr val="000000"/>
+                          </a:solidFill>
+                          <a:effectLst/>
+                          <a:latin typeface="Calibri" panose="020F0502020204030204" pitchFamily="34" charset="0"/>
+                        </a:rPr>
+                        <a:t>chr19:8120283</a:t>
+                      </a:r>
+                    </a:p>
+                  </a:txBody>
+                  <a:tcPr marL="7620" marR="7620" marT="7620" marB="0" anchor="b"/>
+                </a:tc>
+                <a:tc>
+                  <a:txBody>
+                    <a:bodyPr/>
+                    <a:lstStyle/>
+                    <a:p>
+                      <a:pPr algn="l" fontAlgn="b"/>
+                      <a:r>
+                        <a:rPr lang="en-GB" sz="1100" b="0" i="0" u="none" strike="noStrike">
+                          <a:solidFill>
+                            <a:srgbClr val="000000"/>
+                          </a:solidFill>
+                          <a:effectLst/>
+                          <a:latin typeface="Calibri" panose="020F0502020204030204" pitchFamily="34" charset="0"/>
+                        </a:rPr>
+                        <a:t>chr19:8120283</a:t>
+                      </a:r>
+                    </a:p>
+                  </a:txBody>
+                  <a:tcPr marL="7620" marR="7620" marT="7620" marB="0" anchor="b"/>
+                </a:tc>
+                <a:tc>
+                  <a:txBody>
+                    <a:bodyPr/>
+                    <a:lstStyle/>
+                    <a:p>
+                      <a:pPr algn="l" fontAlgn="b"/>
+                      <a:r>
+                        <a:rPr lang="en-GB" sz="1100" b="0" i="0" u="none" strike="noStrike">
+                          <a:solidFill>
+                            <a:srgbClr val="000000"/>
+                          </a:solidFill>
+                          <a:effectLst/>
+                          <a:latin typeface="Calibri" panose="020F0502020204030204" pitchFamily="34" charset="0"/>
+                        </a:rPr>
+                        <a:t>chr19:8120283</a:t>
+                      </a:r>
+                    </a:p>
+                  </a:txBody>
+                  <a:tcPr marL="7620" marR="7620" marT="7620" marB="0" anchor="b"/>
+                </a:tc>
+                <a:tc>
+                  <a:txBody>
+                    <a:bodyPr/>
+                    <a:lstStyle/>
+                    <a:p>
+                      <a:pPr algn="l" fontAlgn="b"/>
+                      <a:r>
+                        <a:rPr lang="en-GB" sz="1100" b="0" i="0" u="none" strike="noStrike">
+                          <a:solidFill>
+                            <a:srgbClr val="000000"/>
+                          </a:solidFill>
+                          <a:effectLst/>
+                          <a:latin typeface="Calibri" panose="020F0502020204030204" pitchFamily="34" charset="0"/>
+                        </a:rPr>
+                        <a:t>NA</a:t>
+                      </a:r>
+                    </a:p>
+                  </a:txBody>
+                  <a:tcPr marL="7620" marR="7620" marT="7620" marB="0" anchor="b"/>
+                </a:tc>
+                <a:extLst>
+                  <a:ext uri="{0D108BD9-81ED-4DB2-BD59-A6C34878D82A}">
+                    <a16:rowId xmlns:a16="http://schemas.microsoft.com/office/drawing/2014/main" val="1643906254"/>
+                  </a:ext>
+                </a:extLst>
+              </a:tr>
+              <a:tr h="403412">
+                <a:tc>
+                  <a:txBody>
+                    <a:bodyPr/>
+                    <a:lstStyle/>
+                    <a:p>
+                      <a:pPr algn="l" fontAlgn="b"/>
+                      <a:r>
+                        <a:rPr lang="en-GB" sz="1100" b="0" i="0" u="none" strike="noStrike" dirty="0">
+                          <a:solidFill>
+                            <a:srgbClr val="000000"/>
+                          </a:solidFill>
+                          <a:effectLst/>
+                          <a:latin typeface="Calibri" panose="020F0502020204030204" pitchFamily="34" charset="0"/>
+                        </a:rPr>
+                        <a:t>chr19:13181330</a:t>
+                      </a:r>
+                    </a:p>
+                  </a:txBody>
+                  <a:tcPr marL="7620" marR="7620" marT="7620" marB="0" anchor="b"/>
+                </a:tc>
+                <a:tc>
+                  <a:txBody>
+                    <a:bodyPr/>
+                    <a:lstStyle/>
+                    <a:p>
+                      <a:pPr algn="l" fontAlgn="b"/>
+                      <a:r>
+                        <a:rPr lang="en-GB" sz="1100" b="0" i="0" u="none" strike="noStrike">
+                          <a:solidFill>
+                            <a:srgbClr val="000000"/>
+                          </a:solidFill>
+                          <a:effectLst/>
+                          <a:latin typeface="Calibri" panose="020F0502020204030204" pitchFamily="34" charset="0"/>
+                        </a:rPr>
+                        <a:t>chr19:13181330</a:t>
+                      </a:r>
+                    </a:p>
+                  </a:txBody>
+                  <a:tcPr marL="7620" marR="7620" marT="7620" marB="0" anchor="b"/>
+                </a:tc>
+                <a:tc>
+                  <a:txBody>
+                    <a:bodyPr/>
+                    <a:lstStyle/>
+                    <a:p>
+                      <a:pPr algn="l" fontAlgn="b"/>
+                      <a:r>
+                        <a:rPr lang="en-GB" sz="1100" b="0" i="0" u="none" strike="noStrike">
+                          <a:solidFill>
+                            <a:srgbClr val="000000"/>
+                          </a:solidFill>
+                          <a:effectLst/>
+                          <a:latin typeface="Calibri" panose="020F0502020204030204" pitchFamily="34" charset="0"/>
+                        </a:rPr>
+                        <a:t>chr19:13181330</a:t>
+                      </a:r>
+                    </a:p>
+                  </a:txBody>
+                  <a:tcPr marL="7620" marR="7620" marT="7620" marB="0" anchor="b"/>
+                </a:tc>
+                <a:tc>
+                  <a:txBody>
+                    <a:bodyPr/>
+                    <a:lstStyle/>
+                    <a:p>
+                      <a:pPr algn="l" fontAlgn="b"/>
+                      <a:r>
+                        <a:rPr lang="en-GB" sz="1100" b="0" i="0" u="none" strike="noStrike">
+                          <a:solidFill>
+                            <a:srgbClr val="000000"/>
+                          </a:solidFill>
+                          <a:effectLst/>
+                          <a:latin typeface="Calibri" panose="020F0502020204030204" pitchFamily="34" charset="0"/>
+                        </a:rPr>
+                        <a:t>NA</a:t>
+                      </a:r>
+                    </a:p>
+                  </a:txBody>
+                  <a:tcPr marL="7620" marR="7620" marT="7620" marB="0" anchor="b"/>
+                </a:tc>
+                <a:extLst>
+                  <a:ext uri="{0D108BD9-81ED-4DB2-BD59-A6C34878D82A}">
+                    <a16:rowId xmlns:a16="http://schemas.microsoft.com/office/drawing/2014/main" val="830810826"/>
+                  </a:ext>
+                </a:extLst>
+              </a:tr>
+              <a:tr h="403412">
+                <a:tc>
+                  <a:txBody>
+                    <a:bodyPr/>
+                    <a:lstStyle/>
+                    <a:p>
+                      <a:pPr algn="l" fontAlgn="b"/>
+                      <a:r>
+                        <a:rPr lang="en-GB" sz="1100" b="0" i="0" u="none" strike="noStrike">
+                          <a:solidFill>
+                            <a:srgbClr val="000000"/>
+                          </a:solidFill>
+                          <a:effectLst/>
+                          <a:latin typeface="Calibri" panose="020F0502020204030204" pitchFamily="34" charset="0"/>
+                        </a:rPr>
+                        <a:t>chr19:14165598</a:t>
+                      </a:r>
+                    </a:p>
+                  </a:txBody>
+                  <a:tcPr marL="7620" marR="7620" marT="7620" marB="0" anchor="b"/>
+                </a:tc>
+                <a:tc>
+                  <a:txBody>
+                    <a:bodyPr/>
+                    <a:lstStyle/>
+                    <a:p>
+                      <a:pPr algn="l" fontAlgn="b"/>
+                      <a:r>
+                        <a:rPr lang="en-GB" sz="1100" b="0" i="0" u="none" strike="noStrike">
+                          <a:solidFill>
+                            <a:srgbClr val="000000"/>
+                          </a:solidFill>
+                          <a:effectLst/>
+                          <a:latin typeface="Calibri" panose="020F0502020204030204" pitchFamily="34" charset="0"/>
+                        </a:rPr>
+                        <a:t>rs56361194</a:t>
+                      </a:r>
+                    </a:p>
+                  </a:txBody>
+                  <a:tcPr marL="7620" marR="7620" marT="7620" marB="0" anchor="b"/>
+                </a:tc>
+                <a:tc>
+                  <a:txBody>
+                    <a:bodyPr/>
+                    <a:lstStyle/>
+                    <a:p>
+                      <a:pPr algn="l" fontAlgn="b"/>
+                      <a:r>
+                        <a:rPr lang="en-GB" sz="1100" b="0" i="0" u="none" strike="noStrike">
+                          <a:solidFill>
+                            <a:srgbClr val="000000"/>
+                          </a:solidFill>
+                          <a:effectLst/>
+                          <a:latin typeface="Calibri" panose="020F0502020204030204" pitchFamily="34" charset="0"/>
+                        </a:rPr>
+                        <a:t>chr19:14165598</a:t>
+                      </a:r>
+                    </a:p>
+                  </a:txBody>
+                  <a:tcPr marL="7620" marR="7620" marT="7620" marB="0" anchor="b"/>
+                </a:tc>
+                <a:tc>
+                  <a:txBody>
+                    <a:bodyPr/>
+                    <a:lstStyle/>
+                    <a:p>
+                      <a:pPr algn="l" fontAlgn="b"/>
+                      <a:r>
+                        <a:rPr lang="en-GB" sz="1100" b="0" i="0" u="none" strike="noStrike">
+                          <a:solidFill>
+                            <a:srgbClr val="000000"/>
+                          </a:solidFill>
+                          <a:effectLst/>
+                          <a:latin typeface="Calibri" panose="020F0502020204030204" pitchFamily="34" charset="0"/>
+                        </a:rPr>
+                        <a:t>C/T</a:t>
+                      </a:r>
+                    </a:p>
+                  </a:txBody>
+                  <a:tcPr marL="7620" marR="7620" marT="7620" marB="0" anchor="b"/>
+                </a:tc>
+                <a:extLst>
+                  <a:ext uri="{0D108BD9-81ED-4DB2-BD59-A6C34878D82A}">
+                    <a16:rowId xmlns:a16="http://schemas.microsoft.com/office/drawing/2014/main" val="1195124701"/>
+                  </a:ext>
+                </a:extLst>
+              </a:tr>
+              <a:tr h="403412">
+                <a:tc>
+                  <a:txBody>
+                    <a:bodyPr/>
+                    <a:lstStyle/>
+                    <a:p>
+                      <a:pPr algn="l" fontAlgn="b"/>
+                      <a:r>
+                        <a:rPr lang="en-GB" sz="1100" b="0" i="0" u="none" strike="noStrike">
+                          <a:solidFill>
+                            <a:srgbClr val="000000"/>
+                          </a:solidFill>
+                          <a:effectLst/>
+                          <a:latin typeface="Calibri" panose="020F0502020204030204" pitchFamily="34" charset="0"/>
+                        </a:rPr>
+                        <a:t>chr19:22506594</a:t>
+                      </a:r>
+                    </a:p>
+                  </a:txBody>
+                  <a:tcPr marL="7620" marR="7620" marT="7620" marB="0" anchor="b"/>
+                </a:tc>
+                <a:tc>
+                  <a:txBody>
+                    <a:bodyPr/>
+                    <a:lstStyle/>
+                    <a:p>
+                      <a:pPr algn="l" fontAlgn="b"/>
+                      <a:r>
+                        <a:rPr lang="en-GB" sz="1100" b="0" i="0" u="none" strike="noStrike">
+                          <a:solidFill>
+                            <a:srgbClr val="000000"/>
+                          </a:solidFill>
+                          <a:effectLst/>
+                          <a:latin typeface="Calibri" panose="020F0502020204030204" pitchFamily="34" charset="0"/>
+                        </a:rPr>
+                        <a:t>rs193135521</a:t>
+                      </a:r>
+                    </a:p>
+                  </a:txBody>
+                  <a:tcPr marL="7620" marR="7620" marT="7620" marB="0" anchor="b"/>
+                </a:tc>
+                <a:tc>
+                  <a:txBody>
+                    <a:bodyPr/>
+                    <a:lstStyle/>
+                    <a:p>
+                      <a:pPr algn="l" fontAlgn="b"/>
+                      <a:r>
+                        <a:rPr lang="en-GB" sz="1100" b="0" i="0" u="none" strike="noStrike">
+                          <a:solidFill>
+                            <a:srgbClr val="000000"/>
+                          </a:solidFill>
+                          <a:effectLst/>
+                          <a:latin typeface="Calibri" panose="020F0502020204030204" pitchFamily="34" charset="0"/>
+                        </a:rPr>
+                        <a:t>chr19:22506594</a:t>
+                      </a:r>
+                    </a:p>
+                  </a:txBody>
+                  <a:tcPr marL="7620" marR="7620" marT="7620" marB="0" anchor="b"/>
+                </a:tc>
+                <a:tc>
+                  <a:txBody>
+                    <a:bodyPr/>
+                    <a:lstStyle/>
+                    <a:p>
+                      <a:pPr algn="l" fontAlgn="b"/>
+                      <a:r>
+                        <a:rPr lang="en-GB" sz="1100" b="0" i="0" u="none" strike="noStrike">
+                          <a:solidFill>
+                            <a:srgbClr val="000000"/>
+                          </a:solidFill>
+                          <a:effectLst/>
+                          <a:latin typeface="Calibri" panose="020F0502020204030204" pitchFamily="34" charset="0"/>
+                        </a:rPr>
+                        <a:t>A/G</a:t>
+                      </a:r>
+                    </a:p>
+                  </a:txBody>
+                  <a:tcPr marL="7620" marR="7620" marT="7620" marB="0" anchor="b"/>
+                </a:tc>
+                <a:extLst>
+                  <a:ext uri="{0D108BD9-81ED-4DB2-BD59-A6C34878D82A}">
+                    <a16:rowId xmlns:a16="http://schemas.microsoft.com/office/drawing/2014/main" val="1314175112"/>
+                  </a:ext>
+                </a:extLst>
+              </a:tr>
+              <a:tr h="403412">
+                <a:tc>
+                  <a:txBody>
+                    <a:bodyPr/>
+                    <a:lstStyle/>
+                    <a:p>
+                      <a:pPr algn="l" fontAlgn="b"/>
+                      <a:r>
+                        <a:rPr lang="en-GB" sz="1100" b="0" i="0" u="none" strike="noStrike" dirty="0">
+                          <a:solidFill>
+                            <a:srgbClr val="000000"/>
+                          </a:solidFill>
+                          <a:effectLst/>
+                          <a:latin typeface="Calibri" panose="020F0502020204030204" pitchFamily="34" charset="0"/>
+                        </a:rPr>
+                        <a:t>chr19:54324995</a:t>
+                      </a:r>
+                    </a:p>
+                  </a:txBody>
+                  <a:tcPr marL="7620" marR="7620" marT="7620" marB="0" anchor="b"/>
+                </a:tc>
+                <a:tc>
+                  <a:txBody>
+                    <a:bodyPr/>
+                    <a:lstStyle/>
+                    <a:p>
+                      <a:pPr algn="l" fontAlgn="b"/>
+                      <a:r>
+                        <a:rPr lang="en-GB" sz="1100" b="0" i="0" u="none" strike="noStrike">
+                          <a:solidFill>
+                            <a:srgbClr val="000000"/>
+                          </a:solidFill>
+                          <a:effectLst/>
+                          <a:latin typeface="Calibri" panose="020F0502020204030204" pitchFamily="34" charset="0"/>
+                        </a:rPr>
+                        <a:t>rs4632248</a:t>
+                      </a:r>
+                    </a:p>
+                  </a:txBody>
+                  <a:tcPr marL="7620" marR="7620" marT="7620" marB="0" anchor="b"/>
+                </a:tc>
+                <a:tc>
+                  <a:txBody>
+                    <a:bodyPr/>
+                    <a:lstStyle/>
+                    <a:p>
+                      <a:pPr algn="l" fontAlgn="b"/>
+                      <a:r>
+                        <a:rPr lang="en-GB" sz="1100" b="0" i="0" u="none" strike="noStrike">
+                          <a:solidFill>
+                            <a:srgbClr val="000000"/>
+                          </a:solidFill>
+                          <a:effectLst/>
+                          <a:latin typeface="Calibri" panose="020F0502020204030204" pitchFamily="34" charset="0"/>
+                        </a:rPr>
+                        <a:t>chr19:54324995</a:t>
+                      </a:r>
+                    </a:p>
+                  </a:txBody>
+                  <a:tcPr marL="7620" marR="7620" marT="7620" marB="0" anchor="b"/>
+                </a:tc>
+                <a:tc>
+                  <a:txBody>
+                    <a:bodyPr/>
+                    <a:lstStyle/>
+                    <a:p>
+                      <a:pPr algn="l" fontAlgn="b"/>
+                      <a:r>
+                        <a:rPr lang="en-GB" sz="1100" b="0" i="0" u="none" strike="noStrike" dirty="0">
+                          <a:solidFill>
+                            <a:srgbClr val="000000"/>
+                          </a:solidFill>
+                          <a:effectLst/>
+                          <a:latin typeface="Calibri" panose="020F0502020204030204" pitchFamily="34" charset="0"/>
+                        </a:rPr>
+                        <a:t>G/T</a:t>
+                      </a:r>
+                    </a:p>
+                  </a:txBody>
+                  <a:tcPr marL="7620" marR="7620" marT="7620" marB="0" anchor="b"/>
+                </a:tc>
+                <a:extLst>
+                  <a:ext uri="{0D108BD9-81ED-4DB2-BD59-A6C34878D82A}">
+                    <a16:rowId xmlns:a16="http://schemas.microsoft.com/office/drawing/2014/main" val="964284980"/>
+                  </a:ext>
+                </a:extLst>
+              </a:tr>
+            </a:tbl>
+          </a:graphicData>
+        </a:graphic>
+      </p:graphicFrame>
+    </p:spTree>
+    <p:extLst>
+      <p:ext uri="{BB962C8B-B14F-4D97-AF65-F5344CB8AC3E}">
+        <p14:creationId xmlns:p14="http://schemas.microsoft.com/office/powerpoint/2010/main" val="1015306248"/>
+      </p:ext>
+    </p:extLst>
+  </p:cSld>
+  <p:clrMapOvr>
+    <a:masterClrMapping/>
+  </p:clrMapOvr>
+</p:sld>
+</file>
+
+<file path=ppt/slides/slide8.xml><?xml version="1.0" encoding="utf-8"?>
+<p:sld xmlns:a="http://schemas.openxmlformats.org/drawingml/2006/main" xmlns:r="http://schemas.openxmlformats.org/officeDocument/2006/relationships" xmlns:p="http://schemas.openxmlformats.org/presentationml/2006/main">
+  <p:cSld>
+    <p:spTree>
+      <p:nvGrpSpPr>
+        <p:cNvPr id="1" name=""/>
+        <p:cNvGrpSpPr/>
+        <p:nvPr/>
+      </p:nvGrpSpPr>
+      <p:grpSpPr>
+        <a:xfrm>
+          <a:off x="0" y="0"/>
+          <a:ext cx="0" cy="0"/>
+          <a:chOff x="0" y="0"/>
+          <a:chExt cx="0" cy="0"/>
+        </a:xfrm>
+      </p:grpSpPr>
+      <p:sp>
+        <p:nvSpPr>
+          <p:cNvPr id="2" name="Title 1"/>
+          <p:cNvSpPr>
+            <a:spLocks noGrp="1"/>
+          </p:cNvSpPr>
+          <p:nvPr>
+            <p:ph type="title"/>
+          </p:nvPr>
+        </p:nvSpPr>
+        <p:spPr/>
+        <p:txBody>
+          <a:bodyPr/>
+          <a:lstStyle/>
+          <a:p>
+            <a:pPr algn="ctr"/>
+            <a:r>
+              <a:rPr lang="en-GB" b="1" dirty="0" smtClean="0"/>
+              <a:t>cis-/trans- classification</a:t>
+            </a:r>
+            <a:endParaRPr lang="en-GB" b="1" dirty="0"/>
+          </a:p>
+        </p:txBody>
+      </p:sp>
+      <p:sp>
+        <p:nvSpPr>
+          <p:cNvPr id="3" name="Content Placeholder 2"/>
+          <p:cNvSpPr>
+            <a:spLocks noGrp="1"/>
+          </p:cNvSpPr>
+          <p:nvPr>
+            <p:ph idx="1"/>
+          </p:nvPr>
+        </p:nvSpPr>
+        <p:spPr/>
+        <p:txBody>
+          <a:bodyPr/>
+          <a:lstStyle/>
+          <a:p>
+            <a:endParaRPr lang="en-GB" dirty="0"/>
+          </a:p>
+        </p:txBody>
+      </p:sp>
+    </p:spTree>
+    <p:extLst>
+      <p:ext uri="{BB962C8B-B14F-4D97-AF65-F5344CB8AC3E}">
+        <p14:creationId xmlns:p14="http://schemas.microsoft.com/office/powerpoint/2010/main" val="3874895758"/>
+      </p:ext>
+    </p:extLst>
+  </p:cSld>
+  <p:clrMapOvr>
+    <a:masterClrMapping/>
+  </p:clrMapOvr>
+</p:sld>
+</file>
+
+<file path=ppt/slides/slide9.xml><?xml version="1.0" encoding="utf-8"?>
+<p:sld xmlns:a="http://schemas.openxmlformats.org/drawingml/2006/main" xmlns:r="http://schemas.openxmlformats.org/officeDocument/2006/relationships" xmlns:p="http://schemas.openxmlformats.org/presentationml/2006/main">
+  <p:cSld>
+    <p:spTree>
+      <p:nvGrpSpPr>
+        <p:cNvPr id="1" name=""/>
+        <p:cNvGrpSpPr/>
+        <p:nvPr/>
+      </p:nvGrpSpPr>
+      <p:grpSpPr>
+        <a:xfrm>
+          <a:off x="0" y="0"/>
+          <a:ext cx="0" cy="0"/>
+          <a:chOff x="0" y="0"/>
+          <a:chExt cx="0" cy="0"/>
+        </a:xfrm>
+      </p:grpSpPr>
+      <p:sp>
+        <p:nvSpPr>
+          <p:cNvPr id="2" name="Title 1">
+            <a:extLst>
+              <a:ext uri="{FF2B5EF4-FFF2-40B4-BE49-F238E27FC236}">
+                <a16:creationId xmlns:a16="http://schemas.microsoft.com/office/drawing/2014/main" id="{0B706D4B-56BB-4904-95C8-C7317B2F9042}"/>
+              </a:ext>
+            </a:extLst>
+          </p:cNvPr>
+          <p:cNvSpPr>
+            <a:spLocks noGrp="1"/>
+          </p:cNvSpPr>
+          <p:nvPr>
+            <p:ph type="title"/>
+          </p:nvPr>
+        </p:nvSpPr>
+        <p:spPr/>
+        <p:txBody>
+          <a:bodyPr/>
+          <a:lstStyle/>
+          <a:p>
+            <a:pPr algn="ctr"/>
+            <a:r>
+              <a:rPr lang="en-GB" b="1" dirty="0" smtClean="0"/>
+              <a:t>On next steps of meta-analysis</a:t>
+            </a:r>
+            <a:endParaRPr lang="en-GB" b="1" dirty="0"/>
+          </a:p>
+        </p:txBody>
+      </p:sp>
+      <p:sp>
+        <p:nvSpPr>
+          <p:cNvPr id="3" name="Content Placeholder 2">
+            <a:extLst>
+              <a:ext uri="{FF2B5EF4-FFF2-40B4-BE49-F238E27FC236}">
+                <a16:creationId xmlns:a16="http://schemas.microsoft.com/office/drawing/2014/main" id="{779C168B-FE2B-48BB-9F71-190FE784313F}"/>
+              </a:ext>
+            </a:extLst>
+          </p:cNvPr>
+          <p:cNvSpPr>
+            <a:spLocks noGrp="1"/>
+          </p:cNvSpPr>
+          <p:nvPr>
+            <p:ph idx="1"/>
+          </p:nvPr>
+        </p:nvSpPr>
+        <p:spPr/>
+        <p:txBody>
+          <a:bodyPr>
+            <a:normAutofit/>
+          </a:bodyPr>
+          <a:lstStyle/>
+          <a:p>
+            <a:r>
+              <a:rPr lang="en-GB" dirty="0" smtClean="0"/>
+              <a:t>KORA </a:t>
+            </a:r>
+            <a:r>
+              <a:rPr lang="en-GB" dirty="0"/>
+              <a:t>individual level data analysis will be </a:t>
+            </a:r>
+            <a:r>
+              <a:rPr lang="en-GB" dirty="0" smtClean="0"/>
+              <a:t>conducted centrally.</a:t>
+            </a:r>
+            <a:endParaRPr lang="en-GB" dirty="0"/>
+          </a:p>
+          <a:p>
+            <a:r>
+              <a:rPr lang="en-GB" dirty="0" smtClean="0"/>
+              <a:t>Additional studies </a:t>
+            </a:r>
+            <a:r>
+              <a:rPr lang="en-GB" dirty="0" smtClean="0"/>
+              <a:t>such as COMBINE </a:t>
+            </a:r>
+            <a:r>
+              <a:rPr lang="en-GB" dirty="0"/>
+              <a:t>will be added.</a:t>
+            </a:r>
+          </a:p>
+          <a:p>
+            <a:r>
+              <a:rPr lang="en-GB" dirty="0" smtClean="0"/>
+              <a:t>For cohorts contributing results on PLINK, information </a:t>
+            </a:r>
+            <a:r>
+              <a:rPr lang="en-GB" dirty="0" smtClean="0"/>
+              <a:t>such as effect allele (frequency), imputation </a:t>
+            </a:r>
+            <a:r>
+              <a:rPr lang="en-GB" dirty="0" smtClean="0"/>
+              <a:t>quality is recommended on </a:t>
+            </a:r>
+            <a:r>
+              <a:rPr lang="en-GB" dirty="0" smtClean="0"/>
+              <a:t>a per-cohort basis </a:t>
+            </a:r>
+            <a:r>
+              <a:rPr lang="en-GB" dirty="0" smtClean="0"/>
+              <a:t>via </a:t>
+            </a:r>
+            <a:r>
+              <a:rPr lang="en-GB" dirty="0" err="1" smtClean="0"/>
+              <a:t>qctool</a:t>
+            </a:r>
+            <a:r>
+              <a:rPr lang="en-GB" dirty="0" smtClean="0"/>
+              <a:t> as noted in SCALLOP_INF_I_analysis_plan.md.</a:t>
+            </a:r>
+            <a:endParaRPr lang="en-GB" dirty="0"/>
+          </a:p>
+          <a:p>
+            <a:r>
+              <a:rPr lang="en-GB" dirty="0"/>
+              <a:t>Refined </a:t>
+            </a:r>
+            <a:r>
+              <a:rPr lang="en-GB" dirty="0" smtClean="0"/>
+              <a:t>QC and </a:t>
+            </a:r>
+            <a:r>
+              <a:rPr lang="en-GB" dirty="0"/>
+              <a:t>downstream analysis, as the results shown </a:t>
+            </a:r>
+            <a:r>
+              <a:rPr lang="en-GB" dirty="0" smtClean="0"/>
+              <a:t>here were </a:t>
+            </a:r>
+            <a:r>
+              <a:rPr lang="en-GB" dirty="0"/>
+              <a:t>based on 1000Genomes extracted from </a:t>
+            </a:r>
+            <a:r>
+              <a:rPr lang="en-GB" dirty="0" err="1"/>
+              <a:t>LocusZoom</a:t>
+            </a:r>
+            <a:r>
+              <a:rPr lang="en-GB" dirty="0"/>
+              <a:t> 1.4 at </a:t>
+            </a:r>
+            <a:r>
+              <a:rPr lang="en-GB" dirty="0" err="1" smtClean="0"/>
+              <a:t>tryggve</a:t>
+            </a:r>
+            <a:r>
+              <a:rPr lang="en-GB" dirty="0" smtClean="0"/>
+              <a:t> when there was issues with the </a:t>
+            </a:r>
+            <a:r>
+              <a:rPr lang="en-GB" dirty="0" smtClean="0"/>
+              <a:t>up-/</a:t>
+            </a:r>
+            <a:r>
+              <a:rPr lang="en-GB" dirty="0" smtClean="0"/>
+              <a:t>down-load. A more desirable </a:t>
+            </a:r>
+            <a:r>
+              <a:rPr lang="en-GB" dirty="0" smtClean="0"/>
+              <a:t>reference panel </a:t>
+            </a:r>
+            <a:r>
+              <a:rPr lang="en-GB" dirty="0" smtClean="0"/>
+              <a:t>would be INTERVAL, </a:t>
+            </a:r>
+            <a:r>
+              <a:rPr lang="en-GB" dirty="0" err="1" smtClean="0"/>
+              <a:t>UKBiobank</a:t>
+            </a:r>
+            <a:r>
+              <a:rPr lang="en-GB" dirty="0" smtClean="0"/>
+              <a:t>. </a:t>
+            </a:r>
+            <a:r>
+              <a:rPr lang="en-GB" dirty="0" err="1" smtClean="0"/>
+              <a:t>Finemapping</a:t>
+            </a:r>
+            <a:r>
+              <a:rPr lang="en-GB" smtClean="0"/>
+              <a:t> is set to involve </a:t>
+            </a:r>
+            <a:r>
+              <a:rPr lang="en-GB" dirty="0" smtClean="0"/>
+              <a:t>PLINK, GCTA, </a:t>
+            </a:r>
+            <a:r>
+              <a:rPr lang="en-GB" dirty="0" err="1" smtClean="0"/>
+              <a:t>finemap</a:t>
+            </a:r>
+            <a:r>
+              <a:rPr lang="en-GB" dirty="0" smtClean="0"/>
+              <a:t>, and JAM, among others.</a:t>
+            </a:r>
+            <a:endParaRPr lang="en-GB" dirty="0"/>
+          </a:p>
+        </p:txBody>
+      </p:sp>
+    </p:spTree>
+    <p:extLst>
+      <p:ext uri="{BB962C8B-B14F-4D97-AF65-F5344CB8AC3E}">
+        <p14:creationId xmlns:p14="http://schemas.microsoft.com/office/powerpoint/2010/main" val="435210134"/>
       </p:ext>
     </p:extLst>
   </p:cSld>

--- a/doc/SCALLOP_INF1-291118.pptx
+++ b/doc/SCALLOP_INF1-291118.pptx
@@ -10377,31 +10377,45 @@
             <a:pPr algn="ctr"/>
             <a:r>
               <a:rPr lang="en-GB" b="1" dirty="0" smtClean="0"/>
-              <a:t>cis-/trans- classification</a:t>
+              <a:t>cis-/trans- </a:t>
+            </a:r>
+            <a:r>
+              <a:rPr lang="en-GB" b="1" dirty="0" smtClean="0"/>
+              <a:t>classification (INTERVAL/)</a:t>
             </a:r>
             <a:endParaRPr lang="en-GB" b="1" dirty="0"/>
           </a:p>
         </p:txBody>
       </p:sp>
-      <p:sp>
-        <p:nvSpPr>
-          <p:cNvPr id="5" name="Content Placeholder 4"/>
-          <p:cNvSpPr>
-            <a:spLocks noGrp="1"/>
-          </p:cNvSpPr>
+      <p:pic>
+        <p:nvPicPr>
+          <p:cNvPr id="3" name="Content Placeholder 2"/>
+          <p:cNvPicPr>
+            <a:picLocks noGrp="1" noChangeAspect="1"/>
+          </p:cNvPicPr>
           <p:nvPr>
             <p:ph idx="1"/>
           </p:nvPr>
-        </p:nvSpPr>
-        <p:spPr/>
-        <p:txBody>
-          <a:bodyPr/>
-          <a:lstStyle/>
-          <a:p>
-            <a:endParaRPr lang="en-GB"/>
-          </a:p>
-        </p:txBody>
-      </p:sp>
+        </p:nvPicPr>
+        <p:blipFill>
+          <a:blip r:embed="rId2" cstate="hqprint">
+            <a:extLst>
+              <a:ext uri="{28A0092B-C50C-407E-A947-70E740481C1C}">
+                <a14:useLocalDpi xmlns:a14="http://schemas.microsoft.com/office/drawing/2010/main" val="0"/>
+              </a:ext>
+            </a:extLst>
+          </a:blip>
+          <a:stretch>
+            <a:fillRect/>
+          </a:stretch>
+        </p:blipFill>
+        <p:spPr>
+          <a:xfrm>
+            <a:off x="508000" y="1520824"/>
+            <a:ext cx="5147469" cy="5032375"/>
+          </a:xfrm>
+        </p:spPr>
+      </p:pic>
     </p:spTree>
     <p:extLst>
       <p:ext uri="{BB962C8B-B14F-4D97-AF65-F5344CB8AC3E}">

--- a/doc/SCALLOP_INF1-291118.pptx
+++ b/doc/SCALLOP_INF1-291118.pptx
@@ -3480,7 +3480,15 @@
             <a:pPr algn="ctr"/>
             <a:r>
               <a:rPr lang="en-GB" b="1" dirty="0" smtClean="0"/>
-              <a:t>On next steps of meta-analysis</a:t>
+              <a:t>On </a:t>
+            </a:r>
+            <a:r>
+              <a:rPr lang="en-GB" b="1" smtClean="0"/>
+              <a:t>next </a:t>
+            </a:r>
+            <a:r>
+              <a:rPr lang="en-GB" b="1" smtClean="0"/>
+              <a:t>steps</a:t>
             </a:r>
             <a:endParaRPr lang="en-GB" b="1" dirty="0"/>
           </a:p>
@@ -10377,11 +10385,7 @@
             <a:pPr algn="ctr"/>
             <a:r>
               <a:rPr lang="en-GB" b="1" dirty="0" smtClean="0"/>
-              <a:t>cis-/trans- </a:t>
-            </a:r>
-            <a:r>
-              <a:rPr lang="en-GB" b="1" dirty="0" smtClean="0"/>
-              <a:t>classification (INTERVAL/)</a:t>
+              <a:t>cis-/trans- classification (INTERVAL/)</a:t>
             </a:r>
             <a:endParaRPr lang="en-GB" b="1" dirty="0"/>
           </a:p>

--- a/doc/SCALLOP_INF1-291118.pptx
+++ b/doc/SCALLOP_INF1-291118.pptx
@@ -270,7 +270,7 @@
           <a:p>
             <a:fld id="{E1BC1721-5CED-45EF-BE6E-B0E4EE9D0A2D}" type="datetimeFigureOut">
               <a:rPr lang="en-GB" smtClean="0"/>
-              <a:t>27/11/2018</a:t>
+              <a:t>28/11/2018</a:t>
             </a:fld>
             <a:endParaRPr lang="en-GB"/>
           </a:p>
@@ -470,7 +470,7 @@
           <a:p>
             <a:fld id="{E1BC1721-5CED-45EF-BE6E-B0E4EE9D0A2D}" type="datetimeFigureOut">
               <a:rPr lang="en-GB" smtClean="0"/>
-              <a:t>27/11/2018</a:t>
+              <a:t>28/11/2018</a:t>
             </a:fld>
             <a:endParaRPr lang="en-GB"/>
           </a:p>
@@ -680,7 +680,7 @@
           <a:p>
             <a:fld id="{E1BC1721-5CED-45EF-BE6E-B0E4EE9D0A2D}" type="datetimeFigureOut">
               <a:rPr lang="en-GB" smtClean="0"/>
-              <a:t>27/11/2018</a:t>
+              <a:t>28/11/2018</a:t>
             </a:fld>
             <a:endParaRPr lang="en-GB"/>
           </a:p>
@@ -880,7 +880,7 @@
           <a:p>
             <a:fld id="{E1BC1721-5CED-45EF-BE6E-B0E4EE9D0A2D}" type="datetimeFigureOut">
               <a:rPr lang="en-GB" smtClean="0"/>
-              <a:t>27/11/2018</a:t>
+              <a:t>28/11/2018</a:t>
             </a:fld>
             <a:endParaRPr lang="en-GB"/>
           </a:p>
@@ -1156,7 +1156,7 @@
           <a:p>
             <a:fld id="{E1BC1721-5CED-45EF-BE6E-B0E4EE9D0A2D}" type="datetimeFigureOut">
               <a:rPr lang="en-GB" smtClean="0"/>
-              <a:t>27/11/2018</a:t>
+              <a:t>28/11/2018</a:t>
             </a:fld>
             <a:endParaRPr lang="en-GB"/>
           </a:p>
@@ -1424,7 +1424,7 @@
           <a:p>
             <a:fld id="{E1BC1721-5CED-45EF-BE6E-B0E4EE9D0A2D}" type="datetimeFigureOut">
               <a:rPr lang="en-GB" smtClean="0"/>
-              <a:t>27/11/2018</a:t>
+              <a:t>28/11/2018</a:t>
             </a:fld>
             <a:endParaRPr lang="en-GB"/>
           </a:p>
@@ -1839,7 +1839,7 @@
           <a:p>
             <a:fld id="{E1BC1721-5CED-45EF-BE6E-B0E4EE9D0A2D}" type="datetimeFigureOut">
               <a:rPr lang="en-GB" smtClean="0"/>
-              <a:t>27/11/2018</a:t>
+              <a:t>28/11/2018</a:t>
             </a:fld>
             <a:endParaRPr lang="en-GB"/>
           </a:p>
@@ -1981,7 +1981,7 @@
           <a:p>
             <a:fld id="{E1BC1721-5CED-45EF-BE6E-B0E4EE9D0A2D}" type="datetimeFigureOut">
               <a:rPr lang="en-GB" smtClean="0"/>
-              <a:t>27/11/2018</a:t>
+              <a:t>28/11/2018</a:t>
             </a:fld>
             <a:endParaRPr lang="en-GB"/>
           </a:p>
@@ -2094,7 +2094,7 @@
           <a:p>
             <a:fld id="{E1BC1721-5CED-45EF-BE6E-B0E4EE9D0A2D}" type="datetimeFigureOut">
               <a:rPr lang="en-GB" smtClean="0"/>
-              <a:t>27/11/2018</a:t>
+              <a:t>28/11/2018</a:t>
             </a:fld>
             <a:endParaRPr lang="en-GB"/>
           </a:p>
@@ -2407,7 +2407,7 @@
           <a:p>
             <a:fld id="{E1BC1721-5CED-45EF-BE6E-B0E4EE9D0A2D}" type="datetimeFigureOut">
               <a:rPr lang="en-GB" smtClean="0"/>
-              <a:t>27/11/2018</a:t>
+              <a:t>28/11/2018</a:t>
             </a:fld>
             <a:endParaRPr lang="en-GB"/>
           </a:p>
@@ -2696,7 +2696,7 @@
           <a:p>
             <a:fld id="{E1BC1721-5CED-45EF-BE6E-B0E4EE9D0A2D}" type="datetimeFigureOut">
               <a:rPr lang="en-GB" smtClean="0"/>
-              <a:t>27/11/2018</a:t>
+              <a:t>28/11/2018</a:t>
             </a:fld>
             <a:endParaRPr lang="en-GB"/>
           </a:p>
@@ -2939,7 +2939,7 @@
           <a:p>
             <a:fld id="{E1BC1721-5CED-45EF-BE6E-B0E4EE9D0A2D}" type="datetimeFigureOut">
               <a:rPr lang="en-GB" smtClean="0"/>
-              <a:t>27/11/2018</a:t>
+              <a:t>28/11/2018</a:t>
             </a:fld>
             <a:endParaRPr lang="en-GB"/>
           </a:p>
@@ -3419,10 +3419,9 @@
           </a:p>
           <a:p>
             <a:r>
-              <a:rPr lang="en-GB" dirty="0" smtClean="0"/>
+              <a:rPr lang="en-GB" dirty="0"/>
               <a:t>29/11/2018</a:t>
             </a:r>
-            <a:endParaRPr lang="en-GB" dirty="0"/>
           </a:p>
         </p:txBody>
       </p:sp>
@@ -3479,16 +3478,12 @@
           <a:p>
             <a:pPr algn="ctr"/>
             <a:r>
-              <a:rPr lang="en-GB" b="1" dirty="0" smtClean="0"/>
+              <a:rPr lang="en-GB" b="1" dirty="0"/>
               <a:t>On </a:t>
             </a:r>
             <a:r>
-              <a:rPr lang="en-GB" b="1" smtClean="0"/>
-              <a:t>next </a:t>
-            </a:r>
-            <a:r>
-              <a:rPr lang="en-GB" b="1" smtClean="0"/>
-              <a:t>steps</a:t>
+              <a:rPr lang="en-GB" b="1"/>
+              <a:t>next steps</a:t>
             </a:r>
             <a:endParaRPr lang="en-GB" b="1" dirty="0"/>
           </a:p>
@@ -3513,69 +3508,39 @@
         <p:spPr/>
         <p:txBody>
           <a:bodyPr>
-            <a:normAutofit/>
+            <a:normAutofit lnSpcReduction="10000"/>
           </a:bodyPr>
           <a:lstStyle/>
           <a:p>
             <a:r>
-              <a:rPr lang="en-GB" dirty="0" smtClean="0"/>
-              <a:t>KORA </a:t>
-            </a:r>
-            <a:r>
               <a:rPr lang="en-GB" dirty="0"/>
-              <a:t>individual level data analysis will be </a:t>
-            </a:r>
-            <a:r>
-              <a:rPr lang="en-GB" dirty="0" smtClean="0"/>
-              <a:t>conducted centrally.</a:t>
-            </a:r>
-            <a:endParaRPr lang="en-GB" dirty="0"/>
-          </a:p>
-          <a:p>
-            <a:r>
-              <a:rPr lang="en-GB" dirty="0" smtClean="0"/>
-              <a:t>Additional studies such as COMBINE </a:t>
-            </a:r>
+              <a:t>KORA individual level data analysis will be conducted centrally.</a:t>
+            </a:r>
+          </a:p>
+          <a:p>
             <a:r>
               <a:rPr lang="en-GB" dirty="0"/>
-              <a:t>will be added.</a:t>
-            </a:r>
-          </a:p>
-          <a:p>
-            <a:r>
-              <a:rPr lang="en-GB" dirty="0" smtClean="0"/>
+              <a:t>Additional studies such as COMBINE will be added.</a:t>
+            </a:r>
+          </a:p>
+          <a:p>
+            <a:r>
+              <a:rPr lang="en-GB" dirty="0"/>
               <a:t>For cohorts contributing results on PLINK, information such as effect allele (frequency), imputation quality is recommended on a per-cohort basis via </a:t>
             </a:r>
             <a:r>
-              <a:rPr lang="en-GB" dirty="0" err="1" smtClean="0"/>
+              <a:rPr lang="en-GB" dirty="0" err="1"/>
               <a:t>qctool</a:t>
             </a:r>
             <a:r>
-              <a:rPr lang="en-GB" dirty="0" smtClean="0"/>
+              <a:rPr lang="en-GB" dirty="0"/>
               <a:t> as noted in SCALLOP_INF_I_analysis_plan.md.</a:t>
             </a:r>
-            <a:endParaRPr lang="en-GB" dirty="0"/>
           </a:p>
           <a:p>
             <a:r>
               <a:rPr lang="en-GB" dirty="0"/>
-              <a:t>Refined </a:t>
-            </a:r>
-            <a:r>
-              <a:rPr lang="en-GB" dirty="0" smtClean="0"/>
-              <a:t>QC and </a:t>
-            </a:r>
-            <a:r>
-              <a:rPr lang="en-GB" dirty="0"/>
-              <a:t>downstream analysis, as the results shown </a:t>
-            </a:r>
-            <a:r>
-              <a:rPr lang="en-GB" dirty="0" smtClean="0"/>
-              <a:t>here were </a:t>
-            </a:r>
-            <a:r>
-              <a:rPr lang="en-GB" dirty="0"/>
-              <a:t>based on 1000Genomes extracted from </a:t>
+              <a:t>The QC will be refined and downstream analysis strengthened -- the experiments were based on 1000Genomes extracted from </a:t>
             </a:r>
             <a:r>
               <a:rPr lang="en-GB" dirty="0" err="1"/>
@@ -3586,38 +3551,41 @@
               <a:t> 1.4 at </a:t>
             </a:r>
             <a:r>
-              <a:rPr lang="en-GB" dirty="0" err="1" smtClean="0"/>
+              <a:rPr lang="en-GB" dirty="0" err="1"/>
               <a:t>tryggve</a:t>
             </a:r>
             <a:r>
-              <a:rPr lang="en-GB" dirty="0" smtClean="0"/>
+              <a:rPr lang="en-GB" dirty="0"/>
               <a:t> when there was issues with the up-/down-load. A more desirable reference panel would be INTERVAL, </a:t>
             </a:r>
             <a:r>
-              <a:rPr lang="en-GB" dirty="0" err="1" smtClean="0"/>
+              <a:rPr lang="en-GB" dirty="0" err="1"/>
               <a:t>UKBiobank</a:t>
             </a:r>
             <a:r>
-              <a:rPr lang="en-GB" dirty="0" smtClean="0"/>
-              <a:t>. </a:t>
-            </a:r>
-            <a:r>
-              <a:rPr lang="en-GB" dirty="0" err="1" smtClean="0"/>
+              <a:rPr lang="en-GB" dirty="0"/>
+              <a:t>, </a:t>
+            </a:r>
+            <a:r>
+              <a:rPr lang="en-GB"/>
+              <a:t>both involving HRC+UK10K. </a:t>
+            </a:r>
+            <a:r>
+              <a:rPr lang="en-GB" dirty="0" err="1"/>
               <a:t>Finemapping</a:t>
             </a:r>
             <a:r>
-              <a:rPr lang="en-GB" dirty="0" smtClean="0"/>
+              <a:rPr lang="en-GB" dirty="0"/>
               <a:t> is set to involve PLINK, GCTA, </a:t>
             </a:r>
             <a:r>
-              <a:rPr lang="en-GB" dirty="0" err="1" smtClean="0"/>
+              <a:rPr lang="en-GB" dirty="0" err="1"/>
               <a:t>finemap</a:t>
             </a:r>
             <a:r>
-              <a:rPr lang="en-GB" dirty="0" smtClean="0"/>
+              <a:rPr lang="en-GB" dirty="0"/>
               <a:t>, and JAM, among others.</a:t>
             </a:r>
-            <a:endParaRPr lang="en-GB" dirty="0"/>
           </a:p>
         </p:txBody>
       </p:sp>
@@ -3702,29 +3670,52 @@
           <a:lstStyle/>
           <a:p>
             <a:r>
-              <a:rPr lang="en-GB" dirty="0" smtClean="0"/>
-              <a:t>Further work on INTERVAL.</a:t>
-            </a:r>
-          </a:p>
-          <a:p>
-            <a:r>
-              <a:rPr lang="en-GB" dirty="0" smtClean="0"/>
+              <a:rPr lang="en-GB" dirty="0"/>
+              <a:t>A initial look at INTERVAL.</a:t>
+            </a:r>
+          </a:p>
+          <a:p>
+            <a:r>
+              <a:rPr lang="en-GB" dirty="0"/>
               <a:t>Meta-analysis:</a:t>
             </a:r>
           </a:p>
           <a:p>
             <a:pPr lvl="1"/>
             <a:r>
-              <a:rPr lang="en-GB" dirty="0" smtClean="0"/>
-              <a:t>Summary </a:t>
-            </a:r>
-            <a:r>
               <a:rPr lang="en-GB" dirty="0"/>
-              <a:t>data from EGCUT, INTERVAL, NSPHS, ORCADES, STABILITY, STANLEY, </a:t>
-            </a:r>
-            <a:r>
-              <a:rPr lang="en-GB" dirty="0" smtClean="0"/>
-              <a:t>VIS</a:t>
+              <a:t>Summary data from EGCUT, INTERVAL, NSPHS, ORCADES, STABILITY, STANLEY, VIS.</a:t>
+            </a:r>
+          </a:p>
+          <a:p>
+            <a:pPr lvl="1"/>
+            <a:r>
+              <a:rPr lang="en-GB" dirty="0"/>
+              <a:t>METAL (WEIGHTS &gt;= 50, SCHEME STDERR).</a:t>
+            </a:r>
+          </a:p>
+          <a:p>
+            <a:r>
+              <a:rPr lang="en-GB" dirty="0"/>
+              <a:t>Highlights: </a:t>
+            </a:r>
+          </a:p>
+          <a:p>
+            <a:pPr lvl="1"/>
+            <a:r>
+              <a:rPr lang="en-GB" dirty="0"/>
+              <a:t>Results for two benchmarks.</a:t>
+            </a:r>
+          </a:p>
+          <a:p>
+            <a:pPr lvl="1"/>
+            <a:r>
+              <a:rPr lang="en-GB" dirty="0"/>
+              <a:t>PLINK –clump and GCTA –</a:t>
+            </a:r>
+            <a:r>
+              <a:rPr lang="en-GB" dirty="0" err="1"/>
+              <a:t>cojo-slct</a:t>
             </a:r>
             <a:r>
               <a:rPr lang="en-GB" dirty="0"/>
@@ -3735,53 +3726,8 @@
             <a:pPr lvl="1"/>
             <a:r>
               <a:rPr lang="en-GB" dirty="0"/>
-              <a:t>METAL (WEIGHTS &gt;= 50, SCHEME STDERR).</a:t>
-            </a:r>
-          </a:p>
-          <a:p>
-            <a:r>
-              <a:rPr lang="en-GB" dirty="0" smtClean="0"/>
-              <a:t>Highlights: </a:t>
-            </a:r>
-          </a:p>
-          <a:p>
-            <a:pPr lvl="1"/>
-            <a:r>
-              <a:rPr lang="en-GB" dirty="0" smtClean="0"/>
-              <a:t>PLINK </a:t>
-            </a:r>
-            <a:r>
-              <a:rPr lang="en-GB" dirty="0"/>
-              <a:t>–</a:t>
-            </a:r>
-            <a:r>
-              <a:rPr lang="en-GB" dirty="0" smtClean="0"/>
-              <a:t>clump </a:t>
-            </a:r>
-            <a:r>
-              <a:rPr lang="en-GB" dirty="0"/>
-              <a:t>and GCTA –</a:t>
-            </a:r>
-            <a:r>
-              <a:rPr lang="en-GB" dirty="0" err="1"/>
-              <a:t>cojo-slct</a:t>
-            </a:r>
-            <a:r>
-              <a:rPr lang="en-GB" dirty="0"/>
-              <a:t>.</a:t>
-            </a:r>
-          </a:p>
-          <a:p>
-            <a:pPr lvl="1"/>
-            <a:r>
-              <a:rPr lang="en-GB" dirty="0"/>
-              <a:t>Shown for two benchmarks and cis-/trans- </a:t>
-            </a:r>
-            <a:r>
-              <a:rPr lang="en-GB" dirty="0" smtClean="0"/>
-              <a:t>classifications (generic R function now available).</a:t>
-            </a:r>
-            <a:endParaRPr lang="en-GB" dirty="0"/>
+              <a:t>cis-/trans- classifications (now available as a generic R function).</a:t>
+            </a:r>
           </a:p>
           <a:p>
             <a:endParaRPr lang="en-GB" dirty="0"/>
@@ -4211,16 +4157,12 @@
               <a:t>GCTA –</a:t>
             </a:r>
             <a:r>
-              <a:rPr lang="en-GB" b="1" dirty="0" err="1" smtClean="0"/>
+              <a:rPr lang="en-GB" b="1" dirty="0" err="1"/>
               <a:t>cojo-slct</a:t>
             </a:r>
             <a:r>
-              <a:rPr lang="en-GB" b="1" dirty="0" smtClean="0"/>
-              <a:t>: A ~ increasing </a:t>
-            </a:r>
-            <a:r>
               <a:rPr lang="en-GB" b="1" dirty="0"/>
-              <a:t>level (p=7.0e-21)</a:t>
+              <a:t>: A ~ increasing level (p=7.0e-21)</a:t>
             </a:r>
           </a:p>
         </p:txBody>
@@ -4337,7 +4279,7 @@
                     <a:p>
                       <a:pPr algn="l" fontAlgn="b"/>
                       <a:r>
-                        <a:rPr lang="en-GB" sz="1800" b="0" i="0" u="none" strike="noStrike" dirty="0" smtClean="0">
+                        <a:rPr lang="en-GB" sz="1800" b="0" i="0" u="none" strike="noStrike" dirty="0">
                           <a:solidFill>
                             <a:srgbClr val="FFFF00"/>
                           </a:solidFill>
@@ -4345,6 +4287,206 @@
                           <a:latin typeface="Calibri" panose="020F0502020204030204" pitchFamily="34" charset="0"/>
                         </a:rPr>
                         <a:t>Protein</a:t>
+                      </a:r>
+                    </a:p>
+                  </a:txBody>
+                  <a:tcPr marL="9525" marR="9525" marT="9525" marB="0" anchor="b"/>
+                </a:tc>
+                <a:tc>
+                  <a:txBody>
+                    <a:bodyPr/>
+                    <a:lstStyle/>
+                    <a:p>
+                      <a:pPr algn="l" fontAlgn="b"/>
+                      <a:r>
+                        <a:rPr lang="en-GB" sz="1800" b="0" i="0" u="none" strike="noStrike">
+                          <a:solidFill>
+                            <a:srgbClr val="FFFF00"/>
+                          </a:solidFill>
+                          <a:effectLst/>
+                          <a:latin typeface="Calibri" panose="020F0502020204030204" pitchFamily="34" charset="0"/>
+                        </a:rPr>
+                        <a:t>snp</a:t>
+                      </a:r>
+                    </a:p>
+                  </a:txBody>
+                  <a:tcPr marL="9525" marR="9525" marT="9525" marB="0" anchor="b"/>
+                </a:tc>
+                <a:tc>
+                  <a:txBody>
+                    <a:bodyPr/>
+                    <a:lstStyle/>
+                    <a:p>
+                      <a:pPr algn="l" fontAlgn="b"/>
+                      <a:r>
+                        <a:rPr lang="en-GB" sz="1800" b="0" i="0" u="none" strike="noStrike">
+                          <a:solidFill>
+                            <a:srgbClr val="FFFF00"/>
+                          </a:solidFill>
+                          <a:effectLst/>
+                          <a:latin typeface="Calibri" panose="020F0502020204030204" pitchFamily="34" charset="0"/>
+                        </a:rPr>
+                        <a:t>refa</a:t>
+                      </a:r>
+                    </a:p>
+                  </a:txBody>
+                  <a:tcPr marL="9525" marR="9525" marT="9525" marB="0" anchor="b"/>
+                </a:tc>
+                <a:tc>
+                  <a:txBody>
+                    <a:bodyPr/>
+                    <a:lstStyle/>
+                    <a:p>
+                      <a:pPr algn="l" fontAlgn="b"/>
+                      <a:r>
+                        <a:rPr lang="en-GB" sz="1800" b="0" i="0" u="none" strike="noStrike">
+                          <a:solidFill>
+                            <a:srgbClr val="FFFF00"/>
+                          </a:solidFill>
+                          <a:effectLst/>
+                          <a:latin typeface="Calibri" panose="020F0502020204030204" pitchFamily="34" charset="0"/>
+                        </a:rPr>
+                        <a:t>freq</a:t>
+                      </a:r>
+                    </a:p>
+                  </a:txBody>
+                  <a:tcPr marL="9525" marR="9525" marT="9525" marB="0" anchor="b"/>
+                </a:tc>
+                <a:tc>
+                  <a:txBody>
+                    <a:bodyPr/>
+                    <a:lstStyle/>
+                    <a:p>
+                      <a:pPr algn="l" fontAlgn="b"/>
+                      <a:r>
+                        <a:rPr lang="en-GB" sz="1800" b="0" i="0" u="none" strike="noStrike" dirty="0">
+                          <a:solidFill>
+                            <a:srgbClr val="FFFF00"/>
+                          </a:solidFill>
+                          <a:effectLst/>
+                          <a:latin typeface="Calibri" panose="020F0502020204030204" pitchFamily="34" charset="0"/>
+                        </a:rPr>
+                        <a:t>b</a:t>
+                      </a:r>
+                    </a:p>
+                  </a:txBody>
+                  <a:tcPr marL="9525" marR="9525" marT="9525" marB="0" anchor="b"/>
+                </a:tc>
+                <a:tc>
+                  <a:txBody>
+                    <a:bodyPr/>
+                    <a:lstStyle/>
+                    <a:p>
+                      <a:pPr algn="l" fontAlgn="b"/>
+                      <a:r>
+                        <a:rPr lang="en-GB" sz="1800" b="0" i="0" u="none" strike="noStrike">
+                          <a:solidFill>
+                            <a:srgbClr val="FFFF00"/>
+                          </a:solidFill>
+                          <a:effectLst/>
+                          <a:latin typeface="Calibri" panose="020F0502020204030204" pitchFamily="34" charset="0"/>
+                        </a:rPr>
+                        <a:t>se</a:t>
+                      </a:r>
+                    </a:p>
+                  </a:txBody>
+                  <a:tcPr marL="9525" marR="9525" marT="9525" marB="0" anchor="b"/>
+                </a:tc>
+                <a:tc>
+                  <a:txBody>
+                    <a:bodyPr/>
+                    <a:lstStyle/>
+                    <a:p>
+                      <a:pPr algn="l" fontAlgn="b"/>
+                      <a:r>
+                        <a:rPr lang="en-GB" sz="1800" b="0" i="0" u="none" strike="noStrike">
+                          <a:solidFill>
+                            <a:srgbClr val="FFFF00"/>
+                          </a:solidFill>
+                          <a:effectLst/>
+                          <a:latin typeface="Calibri" panose="020F0502020204030204" pitchFamily="34" charset="0"/>
+                        </a:rPr>
+                        <a:t>p</a:t>
+                      </a:r>
+                    </a:p>
+                  </a:txBody>
+                  <a:tcPr marL="9525" marR="9525" marT="9525" marB="0" anchor="b"/>
+                </a:tc>
+                <a:tc>
+                  <a:txBody>
+                    <a:bodyPr/>
+                    <a:lstStyle/>
+                    <a:p>
+                      <a:pPr algn="l" fontAlgn="b"/>
+                      <a:r>
+                        <a:rPr lang="en-GB" sz="1800" b="0" i="0" u="none" strike="noStrike">
+                          <a:solidFill>
+                            <a:srgbClr val="FFFF00"/>
+                          </a:solidFill>
+                          <a:effectLst/>
+                          <a:latin typeface="Calibri" panose="020F0502020204030204" pitchFamily="34" charset="0"/>
+                        </a:rPr>
+                        <a:t>n</a:t>
+                      </a:r>
+                    </a:p>
+                  </a:txBody>
+                  <a:tcPr marL="9525" marR="9525" marT="9525" marB="0" anchor="b"/>
+                </a:tc>
+                <a:tc>
+                  <a:txBody>
+                    <a:bodyPr/>
+                    <a:lstStyle/>
+                    <a:p>
+                      <a:pPr algn="l" fontAlgn="b"/>
+                      <a:r>
+                        <a:rPr lang="en-GB" sz="1800" b="0" i="0" u="none" strike="noStrike">
+                          <a:solidFill>
+                            <a:srgbClr val="FFFF00"/>
+                          </a:solidFill>
+                          <a:effectLst/>
+                          <a:latin typeface="Calibri" panose="020F0502020204030204" pitchFamily="34" charset="0"/>
+                        </a:rPr>
+                        <a:t>bj</a:t>
+                      </a:r>
+                    </a:p>
+                  </a:txBody>
+                  <a:tcPr marL="9525" marR="9525" marT="9525" marB="0" anchor="b"/>
+                </a:tc>
+                <a:tc>
+                  <a:txBody>
+                    <a:bodyPr/>
+                    <a:lstStyle/>
+                    <a:p>
+                      <a:pPr algn="l" fontAlgn="b"/>
+                      <a:r>
+                        <a:rPr lang="en-GB" sz="1800" b="0" i="0" u="none" strike="noStrike">
+                          <a:solidFill>
+                            <a:srgbClr val="FFFF00"/>
+                          </a:solidFill>
+                          <a:effectLst/>
+                          <a:latin typeface="Calibri" panose="020F0502020204030204" pitchFamily="34" charset="0"/>
+                        </a:rPr>
+                        <a:t>bj_se</a:t>
+                      </a:r>
+                    </a:p>
+                  </a:txBody>
+                  <a:tcPr marL="9525" marR="9525" marT="9525" marB="0" anchor="b"/>
+                </a:tc>
+                <a:tc>
+                  <a:txBody>
+                    <a:bodyPr/>
+                    <a:lstStyle/>
+                    <a:p>
+                      <a:pPr algn="l" fontAlgn="b"/>
+                      <a:r>
+                        <a:rPr lang="en-GB" sz="1800" b="0" i="0" u="none" strike="noStrike" dirty="0" err="1">
+                          <a:solidFill>
+                            <a:srgbClr val="FFFF00"/>
+                          </a:solidFill>
+                          <a:effectLst/>
+                          <a:latin typeface="Calibri" panose="020F0502020204030204" pitchFamily="34" charset="0"/>
+                        </a:rPr>
+                        <a:t>pj</a:t>
                       </a:r>
                       <a:endParaRPr lang="en-GB" sz="1800" b="0" i="0" u="none" strike="noStrike" dirty="0">
                         <a:solidFill>
@@ -4357,213 +4499,6 @@
                   </a:txBody>
                   <a:tcPr marL="9525" marR="9525" marT="9525" marB="0" anchor="b"/>
                 </a:tc>
-                <a:tc>
-                  <a:txBody>
-                    <a:bodyPr/>
-                    <a:lstStyle/>
-                    <a:p>
-                      <a:pPr algn="l" fontAlgn="b"/>
-                      <a:r>
-                        <a:rPr lang="en-GB" sz="1800" b="0" i="0" u="none" strike="noStrike">
-                          <a:solidFill>
-                            <a:srgbClr val="FFFF00"/>
-                          </a:solidFill>
-                          <a:effectLst/>
-                          <a:latin typeface="Calibri" panose="020F0502020204030204" pitchFamily="34" charset="0"/>
-                        </a:rPr>
-                        <a:t>snp</a:t>
-                      </a:r>
-                    </a:p>
-                  </a:txBody>
-                  <a:tcPr marL="9525" marR="9525" marT="9525" marB="0" anchor="b"/>
-                </a:tc>
-                <a:tc>
-                  <a:txBody>
-                    <a:bodyPr/>
-                    <a:lstStyle/>
-                    <a:p>
-                      <a:pPr algn="l" fontAlgn="b"/>
-                      <a:r>
-                        <a:rPr lang="en-GB" sz="1800" b="0" i="0" u="none" strike="noStrike">
-                          <a:solidFill>
-                            <a:srgbClr val="FFFF00"/>
-                          </a:solidFill>
-                          <a:effectLst/>
-                          <a:latin typeface="Calibri" panose="020F0502020204030204" pitchFamily="34" charset="0"/>
-                        </a:rPr>
-                        <a:t>refa</a:t>
-                      </a:r>
-                    </a:p>
-                  </a:txBody>
-                  <a:tcPr marL="9525" marR="9525" marT="9525" marB="0" anchor="b"/>
-                </a:tc>
-                <a:tc>
-                  <a:txBody>
-                    <a:bodyPr/>
-                    <a:lstStyle/>
-                    <a:p>
-                      <a:pPr algn="l" fontAlgn="b"/>
-                      <a:r>
-                        <a:rPr lang="en-GB" sz="1800" b="0" i="0" u="none" strike="noStrike">
-                          <a:solidFill>
-                            <a:srgbClr val="FFFF00"/>
-                          </a:solidFill>
-                          <a:effectLst/>
-                          <a:latin typeface="Calibri" panose="020F0502020204030204" pitchFamily="34" charset="0"/>
-                        </a:rPr>
-                        <a:t>freq</a:t>
-                      </a:r>
-                    </a:p>
-                  </a:txBody>
-                  <a:tcPr marL="9525" marR="9525" marT="9525" marB="0" anchor="b"/>
-                </a:tc>
-                <a:tc>
-                  <a:txBody>
-                    <a:bodyPr/>
-                    <a:lstStyle/>
-                    <a:p>
-                      <a:pPr algn="l" fontAlgn="b"/>
-                      <a:r>
-                        <a:rPr lang="en-GB" sz="1800" b="0" i="0" u="none" strike="noStrike" dirty="0">
-                          <a:solidFill>
-                            <a:srgbClr val="FFFF00"/>
-                          </a:solidFill>
-                          <a:effectLst/>
-                          <a:latin typeface="Calibri" panose="020F0502020204030204" pitchFamily="34" charset="0"/>
-                        </a:rPr>
-                        <a:t>b</a:t>
-                      </a:r>
-                    </a:p>
-                  </a:txBody>
-                  <a:tcPr marL="9525" marR="9525" marT="9525" marB="0" anchor="b"/>
-                </a:tc>
-                <a:tc>
-                  <a:txBody>
-                    <a:bodyPr/>
-                    <a:lstStyle/>
-                    <a:p>
-                      <a:pPr algn="l" fontAlgn="b"/>
-                      <a:r>
-                        <a:rPr lang="en-GB" sz="1800" b="0" i="0" u="none" strike="noStrike">
-                          <a:solidFill>
-                            <a:srgbClr val="FFFF00"/>
-                          </a:solidFill>
-                          <a:effectLst/>
-                          <a:latin typeface="Calibri" panose="020F0502020204030204" pitchFamily="34" charset="0"/>
-                        </a:rPr>
-                        <a:t>se</a:t>
-                      </a:r>
-                    </a:p>
-                  </a:txBody>
-                  <a:tcPr marL="9525" marR="9525" marT="9525" marB="0" anchor="b"/>
-                </a:tc>
-                <a:tc>
-                  <a:txBody>
-                    <a:bodyPr/>
-                    <a:lstStyle/>
-                    <a:p>
-                      <a:pPr algn="l" fontAlgn="b"/>
-                      <a:r>
-                        <a:rPr lang="en-GB" sz="1800" b="0" i="0" u="none" strike="noStrike">
-                          <a:solidFill>
-                            <a:srgbClr val="FFFF00"/>
-                          </a:solidFill>
-                          <a:effectLst/>
-                          <a:latin typeface="Calibri" panose="020F0502020204030204" pitchFamily="34" charset="0"/>
-                        </a:rPr>
-                        <a:t>p</a:t>
-                      </a:r>
-                    </a:p>
-                  </a:txBody>
-                  <a:tcPr marL="9525" marR="9525" marT="9525" marB="0" anchor="b"/>
-                </a:tc>
-                <a:tc>
-                  <a:txBody>
-                    <a:bodyPr/>
-                    <a:lstStyle/>
-                    <a:p>
-                      <a:pPr algn="l" fontAlgn="b"/>
-                      <a:r>
-                        <a:rPr lang="en-GB" sz="1800" b="0" i="0" u="none" strike="noStrike">
-                          <a:solidFill>
-                            <a:srgbClr val="FFFF00"/>
-                          </a:solidFill>
-                          <a:effectLst/>
-                          <a:latin typeface="Calibri" panose="020F0502020204030204" pitchFamily="34" charset="0"/>
-                        </a:rPr>
-                        <a:t>n</a:t>
-                      </a:r>
-                    </a:p>
-                  </a:txBody>
-                  <a:tcPr marL="9525" marR="9525" marT="9525" marB="0" anchor="b"/>
-                </a:tc>
-                <a:tc>
-                  <a:txBody>
-                    <a:bodyPr/>
-                    <a:lstStyle/>
-                    <a:p>
-                      <a:pPr algn="l" fontAlgn="b"/>
-                      <a:r>
-                        <a:rPr lang="en-GB" sz="1800" b="0" i="0" u="none" strike="noStrike">
-                          <a:solidFill>
-                            <a:srgbClr val="FFFF00"/>
-                          </a:solidFill>
-                          <a:effectLst/>
-                          <a:latin typeface="Calibri" panose="020F0502020204030204" pitchFamily="34" charset="0"/>
-                        </a:rPr>
-                        <a:t>bj</a:t>
-                      </a:r>
-                    </a:p>
-                  </a:txBody>
-                  <a:tcPr marL="9525" marR="9525" marT="9525" marB="0" anchor="b"/>
-                </a:tc>
-                <a:tc>
-                  <a:txBody>
-                    <a:bodyPr/>
-                    <a:lstStyle/>
-                    <a:p>
-                      <a:pPr algn="l" fontAlgn="b"/>
-                      <a:r>
-                        <a:rPr lang="en-GB" sz="1800" b="0" i="0" u="none" strike="noStrike">
-                          <a:solidFill>
-                            <a:srgbClr val="FFFF00"/>
-                          </a:solidFill>
-                          <a:effectLst/>
-                          <a:latin typeface="Calibri" panose="020F0502020204030204" pitchFamily="34" charset="0"/>
-                        </a:rPr>
-                        <a:t>bj_se</a:t>
-                      </a:r>
-                    </a:p>
-                  </a:txBody>
-                  <a:tcPr marL="9525" marR="9525" marT="9525" marB="0" anchor="b"/>
-                </a:tc>
-                <a:tc>
-                  <a:txBody>
-                    <a:bodyPr/>
-                    <a:lstStyle/>
-                    <a:p>
-                      <a:pPr algn="l" fontAlgn="b"/>
-                      <a:r>
-                        <a:rPr lang="en-GB" sz="1800" b="0" i="0" u="none" strike="noStrike" dirty="0" err="1">
-                          <a:solidFill>
-                            <a:srgbClr val="FFFF00"/>
-                          </a:solidFill>
-                          <a:effectLst/>
-                          <a:latin typeface="Calibri" panose="020F0502020204030204" pitchFamily="34" charset="0"/>
-                        </a:rPr>
-                        <a:t>pj</a:t>
-                      </a:r>
-                      <a:endParaRPr lang="en-GB" sz="1800" b="0" i="0" u="none" strike="noStrike" dirty="0">
-                        <a:solidFill>
-                          <a:srgbClr val="FFFF00"/>
-                        </a:solidFill>
-                        <a:effectLst/>
-                        <a:latin typeface="Calibri" panose="020F0502020204030204" pitchFamily="34" charset="0"/>
-                      </a:endParaRPr>
-                    </a:p>
-                  </a:txBody>
-                  <a:tcPr marL="9525" marR="9525" marT="9525" marB="0" anchor="b"/>
-                </a:tc>
                 <a:extLst>
                   <a:ext uri="{0D108BD9-81ED-4DB2-BD59-A6C34878D82A}">
                     <a16:rowId xmlns:a16="http://schemas.microsoft.com/office/drawing/2014/main" val="1483918116"/>
@@ -4578,7 +4513,7 @@
                     <a:p>
                       <a:pPr algn="l" fontAlgn="b"/>
                       <a:r>
-                        <a:rPr lang="en-GB" sz="1800" b="0" i="0" u="none" strike="noStrike" dirty="0" smtClean="0">
+                        <a:rPr lang="en-GB" sz="1800" b="0" i="0" u="none" strike="noStrike" dirty="0">
                           <a:solidFill>
                             <a:srgbClr val="000000"/>
                           </a:solidFill>
@@ -4587,13 +4522,6 @@
                         </a:rPr>
                         <a:t>OPG</a:t>
                       </a:r>
-                      <a:endParaRPr lang="en-GB" sz="1800" b="0" i="0" u="none" strike="noStrike" dirty="0">
-                        <a:solidFill>
-                          <a:srgbClr val="000000"/>
-                        </a:solidFill>
-                        <a:effectLst/>
-                        <a:latin typeface="Calibri" panose="020F0502020204030204" pitchFamily="34" charset="0"/>
-                      </a:endParaRPr>
                     </a:p>
                   </a:txBody>
                   <a:tcPr marL="9525" marR="9525" marT="9525" marB="0" anchor="b"/>
@@ -4812,7 +4740,7 @@
                     <a:p>
                       <a:pPr algn="l" fontAlgn="b"/>
                       <a:r>
-                        <a:rPr lang="en-GB" sz="1800" b="0" i="0" u="none" strike="noStrike" dirty="0" smtClean="0">
+                        <a:rPr lang="en-GB" sz="1800" b="0" i="0" u="none" strike="noStrike" dirty="0">
                           <a:solidFill>
                             <a:srgbClr val="000000"/>
                           </a:solidFill>
@@ -4821,13 +4749,6 @@
                         </a:rPr>
                         <a:t>OPG</a:t>
                       </a:r>
-                      <a:endParaRPr lang="en-GB" sz="1800" b="0" i="0" u="none" strike="noStrike" dirty="0">
-                        <a:solidFill>
-                          <a:srgbClr val="000000"/>
-                        </a:solidFill>
-                        <a:effectLst/>
-                        <a:latin typeface="Calibri" panose="020F0502020204030204" pitchFamily="34" charset="0"/>
-                      </a:endParaRPr>
                     </a:p>
                   </a:txBody>
                   <a:tcPr marL="9525" marR="9525" marT="9525" marB="0" anchor="b"/>
@@ -5046,7 +4967,7 @@
                     <a:p>
                       <a:pPr algn="l" fontAlgn="b"/>
                       <a:r>
-                        <a:rPr lang="en-GB" sz="1800" b="0" i="0" u="none" strike="noStrike" dirty="0" smtClean="0">
+                        <a:rPr lang="en-GB" sz="1800" b="0" i="0" u="none" strike="noStrike" dirty="0">
                           <a:solidFill>
                             <a:srgbClr val="FF0000"/>
                           </a:solidFill>
@@ -5055,13 +4976,6 @@
                         </a:rPr>
                         <a:t>OPG</a:t>
                       </a:r>
-                      <a:endParaRPr lang="en-GB" sz="1800" b="0" i="0" u="none" strike="noStrike" dirty="0">
-                        <a:solidFill>
-                          <a:srgbClr val="FF0000"/>
-                        </a:solidFill>
-                        <a:effectLst/>
-                        <a:latin typeface="Calibri" panose="020F0502020204030204" pitchFamily="34" charset="0"/>
-                      </a:endParaRPr>
                     </a:p>
                   </a:txBody>
                   <a:tcPr marL="9525" marR="9525" marT="9525" marB="0" anchor="b"/>
@@ -5280,7 +5194,7 @@
                     <a:p>
                       <a:pPr algn="l" fontAlgn="b"/>
                       <a:r>
-                        <a:rPr lang="en-GB" sz="1800" b="0" i="0" u="none" strike="noStrike" dirty="0" smtClean="0">
+                        <a:rPr lang="en-GB" sz="1800" b="0" i="0" u="none" strike="noStrike" dirty="0">
                           <a:solidFill>
                             <a:srgbClr val="000000"/>
                           </a:solidFill>
@@ -5289,13 +5203,6 @@
                         </a:rPr>
                         <a:t>TNFSF14</a:t>
                       </a:r>
-                      <a:endParaRPr lang="en-GB" sz="1800" b="0" i="0" u="none" strike="noStrike" dirty="0">
-                        <a:solidFill>
-                          <a:srgbClr val="000000"/>
-                        </a:solidFill>
-                        <a:effectLst/>
-                        <a:latin typeface="Calibri" panose="020F0502020204030204" pitchFamily="34" charset="0"/>
-                      </a:endParaRPr>
                     </a:p>
                   </a:txBody>
                   <a:tcPr marL="9525" marR="9525" marT="9525" marB="0" anchor="b"/>
@@ -5514,7 +5421,7 @@
                     <a:p>
                       <a:pPr algn="l" fontAlgn="b"/>
                       <a:r>
-                        <a:rPr lang="en-GB" sz="1800" b="0" i="0" u="none" strike="noStrike" dirty="0" smtClean="0">
+                        <a:rPr lang="en-GB" sz="1800" b="0" i="0" u="none" strike="noStrike" dirty="0">
                           <a:solidFill>
                             <a:srgbClr val="000000"/>
                           </a:solidFill>
@@ -5523,13 +5430,6 @@
                         </a:rPr>
                         <a:t>TNFSF14</a:t>
                       </a:r>
-                      <a:endParaRPr lang="en-GB" sz="1800" b="0" i="0" u="none" strike="noStrike" dirty="0">
-                        <a:solidFill>
-                          <a:srgbClr val="000000"/>
-                        </a:solidFill>
-                        <a:effectLst/>
-                        <a:latin typeface="Calibri" panose="020F0502020204030204" pitchFamily="34" charset="0"/>
-                      </a:endParaRPr>
                     </a:p>
                   </a:txBody>
                   <a:tcPr marL="9525" marR="9525" marT="9525" marB="0" anchor="b"/>
@@ -5748,7 +5648,7 @@
                     <a:p>
                       <a:pPr algn="l" fontAlgn="b"/>
                       <a:r>
-                        <a:rPr lang="en-GB" sz="1800" b="0" i="0" u="none" strike="noStrike" dirty="0" smtClean="0">
+                        <a:rPr lang="en-GB" sz="1800" b="0" i="0" u="none" strike="noStrike" dirty="0">
                           <a:solidFill>
                             <a:srgbClr val="000000"/>
                           </a:solidFill>
@@ -5757,13 +5657,6 @@
                         </a:rPr>
                         <a:t>TNFSF14</a:t>
                       </a:r>
-                      <a:endParaRPr lang="en-GB" sz="1800" b="0" i="0" u="none" strike="noStrike" dirty="0">
-                        <a:solidFill>
-                          <a:srgbClr val="000000"/>
-                        </a:solidFill>
-                        <a:effectLst/>
-                        <a:latin typeface="Calibri" panose="020F0502020204030204" pitchFamily="34" charset="0"/>
-                      </a:endParaRPr>
                     </a:p>
                   </a:txBody>
                   <a:tcPr marL="9525" marR="9525" marT="9525" marB="0" anchor="b"/>
@@ -5982,7 +5875,7 @@
                     <a:p>
                       <a:pPr algn="l" fontAlgn="b"/>
                       <a:r>
-                        <a:rPr lang="en-GB" sz="1800" b="0" i="0" u="none" strike="noStrike" dirty="0" smtClean="0">
+                        <a:rPr lang="en-GB" sz="1800" b="0" i="0" u="none" strike="noStrike" dirty="0">
                           <a:solidFill>
                             <a:srgbClr val="000000"/>
                           </a:solidFill>
@@ -5991,13 +5884,6 @@
                         </a:rPr>
                         <a:t>TNFSF14</a:t>
                       </a:r>
-                      <a:endParaRPr lang="en-GB" sz="1800" b="0" i="0" u="none" strike="noStrike" dirty="0">
-                        <a:solidFill>
-                          <a:srgbClr val="000000"/>
-                        </a:solidFill>
-                        <a:effectLst/>
-                        <a:latin typeface="Calibri" panose="020F0502020204030204" pitchFamily="34" charset="0"/>
-                      </a:endParaRPr>
                     </a:p>
                   </a:txBody>
                   <a:tcPr marL="9525" marR="9525" marT="9525" marB="0" anchor="b"/>
@@ -6216,7 +6102,7 @@
                     <a:p>
                       <a:pPr algn="l" fontAlgn="b"/>
                       <a:r>
-                        <a:rPr lang="en-GB" sz="1800" b="0" i="0" u="none" strike="noStrike" dirty="0" smtClean="0">
+                        <a:rPr lang="en-GB" sz="1800" b="0" i="0" u="none" strike="noStrike" dirty="0">
                           <a:solidFill>
                             <a:srgbClr val="000000"/>
                           </a:solidFill>
@@ -6225,13 +6111,6 @@
                         </a:rPr>
                         <a:t>TNFSF14</a:t>
                       </a:r>
-                      <a:endParaRPr lang="en-GB" sz="1800" b="0" i="0" u="none" strike="noStrike" dirty="0">
-                        <a:solidFill>
-                          <a:srgbClr val="000000"/>
-                        </a:solidFill>
-                        <a:effectLst/>
-                        <a:latin typeface="Calibri" panose="020F0502020204030204" pitchFamily="34" charset="0"/>
-                      </a:endParaRPr>
                     </a:p>
                   </a:txBody>
                   <a:tcPr marL="9525" marR="9525" marT="9525" marB="0" anchor="b"/>
@@ -6450,7 +6329,7 @@
                     <a:p>
                       <a:pPr algn="l" fontAlgn="b"/>
                       <a:r>
-                        <a:rPr lang="en-GB" sz="1800" b="0" i="0" u="none" strike="noStrike" dirty="0" smtClean="0">
+                        <a:rPr lang="en-GB" sz="1800" b="0" i="0" u="none" strike="noStrike" dirty="0">
                           <a:solidFill>
                             <a:srgbClr val="000000"/>
                           </a:solidFill>
@@ -6459,13 +6338,6 @@
                         </a:rPr>
                         <a:t>TNFSF14</a:t>
                       </a:r>
-                      <a:endParaRPr lang="en-GB" sz="1800" b="0" i="0" u="none" strike="noStrike" dirty="0">
-                        <a:solidFill>
-                          <a:srgbClr val="000000"/>
-                        </a:solidFill>
-                        <a:effectLst/>
-                        <a:latin typeface="Calibri" panose="020F0502020204030204" pitchFamily="34" charset="0"/>
-                      </a:endParaRPr>
                     </a:p>
                   </a:txBody>
                   <a:tcPr marL="9525" marR="9525" marT="9525" marB="0" anchor="b"/>
@@ -6684,7 +6556,7 @@
                     <a:p>
                       <a:pPr algn="l" fontAlgn="b"/>
                       <a:r>
-                        <a:rPr lang="en-GB" sz="1800" b="0" i="0" u="none" strike="noStrike" dirty="0" smtClean="0">
+                        <a:rPr lang="en-GB" sz="1800" b="0" i="0" u="none" strike="noStrike" dirty="0">
                           <a:solidFill>
                             <a:srgbClr val="000000"/>
                           </a:solidFill>
@@ -6693,13 +6565,6 @@
                         </a:rPr>
                         <a:t>TNFSF14</a:t>
                       </a:r>
-                      <a:endParaRPr lang="en-GB" sz="1800" b="0" i="0" u="none" strike="noStrike" dirty="0">
-                        <a:solidFill>
-                          <a:srgbClr val="000000"/>
-                        </a:solidFill>
-                        <a:effectLst/>
-                        <a:latin typeface="Calibri" panose="020F0502020204030204" pitchFamily="34" charset="0"/>
-                      </a:endParaRPr>
                     </a:p>
                   </a:txBody>
                   <a:tcPr marL="9525" marR="9525" marT="9525" marB="0" anchor="b"/>
@@ -6918,7 +6783,7 @@
                     <a:p>
                       <a:pPr algn="l" fontAlgn="b"/>
                       <a:r>
-                        <a:rPr lang="en-GB" sz="1800" b="0" i="0" u="none" strike="noStrike" dirty="0" smtClean="0">
+                        <a:rPr lang="en-GB" sz="1800" b="0" i="0" u="none" strike="noStrike" dirty="0">
                           <a:solidFill>
                             <a:srgbClr val="000000"/>
                           </a:solidFill>
@@ -6927,13 +6792,6 @@
                         </a:rPr>
                         <a:t>TNFSF14</a:t>
                       </a:r>
-                      <a:endParaRPr lang="en-GB" sz="1800" b="0" i="0" u="none" strike="noStrike" dirty="0">
-                        <a:solidFill>
-                          <a:srgbClr val="000000"/>
-                        </a:solidFill>
-                        <a:effectLst/>
-                        <a:latin typeface="Calibri" panose="020F0502020204030204" pitchFamily="34" charset="0"/>
-                      </a:endParaRPr>
                     </a:p>
                   </a:txBody>
                   <a:tcPr marL="9525" marR="9525" marT="9525" marB="0" anchor="b"/>
@@ -7152,7 +7010,7 @@
                     <a:p>
                       <a:pPr algn="l" fontAlgn="b"/>
                       <a:r>
-                        <a:rPr lang="en-GB" sz="1800" b="0" i="0" u="none" strike="noStrike" dirty="0" smtClean="0">
+                        <a:rPr lang="en-GB" sz="1800" b="0" i="0" u="none" strike="noStrike" dirty="0">
                           <a:solidFill>
                             <a:srgbClr val="000000"/>
                           </a:solidFill>
@@ -7161,13 +7019,6 @@
                         </a:rPr>
                         <a:t>TNFSF14</a:t>
                       </a:r>
-                      <a:endParaRPr lang="en-GB" sz="1800" b="0" i="0" u="none" strike="noStrike" dirty="0">
-                        <a:solidFill>
-                          <a:srgbClr val="000000"/>
-                        </a:solidFill>
-                        <a:effectLst/>
-                        <a:latin typeface="Calibri" panose="020F0502020204030204" pitchFamily="34" charset="0"/>
-                      </a:endParaRPr>
                     </a:p>
                   </a:txBody>
                   <a:tcPr marL="9525" marR="9525" marT="9525" marB="0" anchor="b"/>
@@ -7386,7 +7237,7 @@
                     <a:p>
                       <a:pPr algn="l" fontAlgn="b"/>
                       <a:r>
-                        <a:rPr lang="en-GB" sz="1800" b="0" i="0" u="none" strike="noStrike" dirty="0" smtClean="0">
+                        <a:rPr lang="en-GB" sz="1800" b="0" i="0" u="none" strike="noStrike" dirty="0">
                           <a:solidFill>
                             <a:srgbClr val="000000"/>
                           </a:solidFill>
@@ -7395,13 +7246,6 @@
                         </a:rPr>
                         <a:t>TNFSF14</a:t>
                       </a:r>
-                      <a:endParaRPr lang="en-GB" sz="1800" b="0" i="0" u="none" strike="noStrike" dirty="0">
-                        <a:solidFill>
-                          <a:srgbClr val="000000"/>
-                        </a:solidFill>
-                        <a:effectLst/>
-                        <a:latin typeface="Calibri" panose="020F0502020204030204" pitchFamily="34" charset="0"/>
-                      </a:endParaRPr>
                     </a:p>
                   </a:txBody>
                   <a:tcPr marL="9525" marR="9525" marT="9525" marB="0" anchor="b"/>
@@ -7620,7 +7464,7 @@
                     <a:p>
                       <a:pPr algn="l" fontAlgn="b"/>
                       <a:r>
-                        <a:rPr lang="en-GB" sz="1800" b="0" i="0" u="none" strike="noStrike" dirty="0" smtClean="0">
+                        <a:rPr lang="en-GB" sz="1800" b="0" i="0" u="none" strike="noStrike" dirty="0">
                           <a:solidFill>
                             <a:srgbClr val="000000"/>
                           </a:solidFill>
@@ -7629,13 +7473,6 @@
                         </a:rPr>
                         <a:t>TNFSF14</a:t>
                       </a:r>
-                      <a:endParaRPr lang="en-GB" sz="1800" b="0" i="0" u="none" strike="noStrike" dirty="0">
-                        <a:solidFill>
-                          <a:srgbClr val="000000"/>
-                        </a:solidFill>
-                        <a:effectLst/>
-                        <a:latin typeface="Calibri" panose="020F0502020204030204" pitchFamily="34" charset="0"/>
-                      </a:endParaRPr>
                     </a:p>
                   </a:txBody>
                   <a:tcPr marL="9525" marR="9525" marT="9525" marB="0" anchor="b"/>
@@ -7854,7 +7691,7 @@
                     <a:p>
                       <a:pPr algn="l" fontAlgn="b"/>
                       <a:r>
-                        <a:rPr lang="en-GB" sz="1800" b="0" i="0" u="none" strike="noStrike" dirty="0" smtClean="0">
+                        <a:rPr lang="en-GB" sz="1800" b="0" i="0" u="none" strike="noStrike" dirty="0">
                           <a:solidFill>
                             <a:srgbClr val="000000"/>
                           </a:solidFill>
@@ -7863,13 +7700,6 @@
                         </a:rPr>
                         <a:t>TNFSF14</a:t>
                       </a:r>
-                      <a:endParaRPr lang="en-GB" sz="1800" b="0" i="0" u="none" strike="noStrike" dirty="0">
-                        <a:solidFill>
-                          <a:srgbClr val="000000"/>
-                        </a:solidFill>
-                        <a:effectLst/>
-                        <a:latin typeface="Calibri" panose="020F0502020204030204" pitchFamily="34" charset="0"/>
-                      </a:endParaRPr>
                     </a:p>
                   </a:txBody>
                   <a:tcPr marL="9525" marR="9525" marT="9525" marB="0" anchor="b"/>
@@ -8088,7 +7918,7 @@
                     <a:p>
                       <a:pPr algn="l" fontAlgn="b"/>
                       <a:r>
-                        <a:rPr lang="en-GB" sz="1800" b="0" i="0" u="none" strike="noStrike" dirty="0" smtClean="0">
+                        <a:rPr lang="en-GB" sz="1800" b="0" i="0" u="none" strike="noStrike" dirty="0">
                           <a:solidFill>
                             <a:srgbClr val="000000"/>
                           </a:solidFill>
@@ -8097,13 +7927,6 @@
                         </a:rPr>
                         <a:t>TNFSF14</a:t>
                       </a:r>
-                      <a:endParaRPr lang="en-GB" sz="1800" b="0" i="0" u="none" strike="noStrike" dirty="0">
-                        <a:solidFill>
-                          <a:srgbClr val="000000"/>
-                        </a:solidFill>
-                        <a:effectLst/>
-                        <a:latin typeface="Calibri" panose="020F0502020204030204" pitchFamily="34" charset="0"/>
-                      </a:endParaRPr>
                     </a:p>
                   </a:txBody>
                   <a:tcPr marL="9525" marR="9525" marT="9525" marB="0" anchor="b"/>
@@ -8322,7 +8145,7 @@
                     <a:p>
                       <a:pPr algn="l" fontAlgn="b"/>
                       <a:r>
-                        <a:rPr lang="en-GB" sz="1800" b="0" i="0" u="none" strike="noStrike" dirty="0" smtClean="0">
+                        <a:rPr lang="en-GB" sz="1800" b="0" i="0" u="none" strike="noStrike" dirty="0">
                           <a:solidFill>
                             <a:srgbClr val="000000"/>
                           </a:solidFill>
@@ -8331,13 +8154,6 @@
                         </a:rPr>
                         <a:t>TNFSF14</a:t>
                       </a:r>
-                      <a:endParaRPr lang="en-GB" sz="1800" b="0" i="0" u="none" strike="noStrike" dirty="0">
-                        <a:solidFill>
-                          <a:srgbClr val="000000"/>
-                        </a:solidFill>
-                        <a:effectLst/>
-                        <a:latin typeface="Calibri" panose="020F0502020204030204" pitchFamily="34" charset="0"/>
-                      </a:endParaRPr>
                     </a:p>
                   </a:txBody>
                   <a:tcPr marL="9525" marR="9525" marT="9525" marB="0" anchor="b"/>
@@ -8623,10 +8439,6 @@
               <a:rPr lang="en-GB" b="1" dirty="0"/>
               <a:t>)</a:t>
             </a:r>
-            <a:r>
-              <a:rPr lang="en-GB" sz="2800" b="1" dirty="0"/>
-              <a:t/>
-            </a:r>
             <a:br>
               <a:rPr lang="en-GB" sz="2800" b="1" dirty="0"/>
             </a:br>
@@ -8646,31 +8458,23 @@
             </a:br>
             <a:r>
               <a:rPr lang="en-GB" sz="2800" b="1" dirty="0"/>
-              <a:t>Kwan </a:t>
-            </a:r>
-            <a:r>
-              <a:rPr lang="en-GB" sz="2800" b="1" dirty="0" smtClean="0"/>
-              <a:t>JS, et al. (2014), </a:t>
-            </a:r>
-            <a:r>
-              <a:rPr lang="en-GB" sz="2800" b="1" i="1" dirty="0" smtClean="0"/>
+              <a:t>Kwan JS, et al. (2014), </a:t>
+            </a:r>
+            <a:r>
+              <a:rPr lang="en-GB" sz="2800" b="1" i="1" dirty="0"/>
               <a:t>Hum </a:t>
             </a:r>
             <a:r>
-              <a:rPr lang="en-GB" sz="2800" b="1" i="1" dirty="0" err="1" smtClean="0"/>
+              <a:rPr lang="en-GB" sz="2800" b="1" i="1" dirty="0" err="1"/>
               <a:t>Mol</a:t>
             </a:r>
             <a:r>
-              <a:rPr lang="en-GB" sz="2800" b="1" i="1" dirty="0" smtClean="0"/>
+              <a:rPr lang="en-GB" sz="2800" b="1" i="1" dirty="0"/>
               <a:t> Genet</a:t>
             </a:r>
             <a:r>
-              <a:rPr lang="en-GB" sz="2800" b="1" dirty="0" smtClean="0"/>
-              <a:t>, PMID25080503</a:t>
-            </a:r>
-            <a:r>
               <a:rPr lang="en-GB" sz="2800" b="1" dirty="0"/>
-              <a:t>, allele G ~ decrease of </a:t>
+              <a:t>, PMID25080503, allele G ~ decrease of </a:t>
             </a:r>
             <a:r>
               <a:rPr lang="en-GB" sz="2800" b="1" dirty="0" err="1"/>
@@ -10377,17 +10181,21 @@
             <p:ph type="title"/>
           </p:nvPr>
         </p:nvSpPr>
-        <p:spPr/>
+        <p:spPr>
+          <a:xfrm>
+            <a:off x="0" y="0"/>
+            <a:ext cx="12192000" cy="1325563"/>
+          </a:xfrm>
+        </p:spPr>
         <p:txBody>
           <a:bodyPr/>
           <a:lstStyle/>
           <a:p>
             <a:pPr algn="ctr"/>
             <a:r>
-              <a:rPr lang="en-GB" b="1" dirty="0" smtClean="0"/>
-              <a:t>cis-/trans- classification (INTERVAL/)</a:t>
-            </a:r>
-            <a:endParaRPr lang="en-GB" b="1" dirty="0"/>
+              <a:rPr lang="en-GB" b="1" dirty="0"/>
+              <a:t>cis-/trans- classification (INTERVAL[58/68]/INF1[55/102])</a:t>
+            </a:r>
           </a:p>
         </p:txBody>
       </p:sp>
@@ -10415,9 +10223,45 @@
         </p:blipFill>
         <p:spPr>
           <a:xfrm>
-            <a:off x="508000" y="1520824"/>
-            <a:ext cx="5147469" cy="5032375"/>
+            <a:off x="203200" y="1201071"/>
+            <a:ext cx="5722871" cy="5594912"/>
           </a:xfrm>
+        </p:spPr>
+      </p:pic>
+      <p:pic>
+        <p:nvPicPr>
+          <p:cNvPr id="5" name="Picture 4">
+            <a:extLst>
+              <a:ext uri="{FF2B5EF4-FFF2-40B4-BE49-F238E27FC236}">
+                <a16:creationId xmlns:a16="http://schemas.microsoft.com/office/drawing/2014/main" id="{9BD2BA78-9D17-493F-B7AF-79B1B83A2E3C}"/>
+              </a:ext>
+            </a:extLst>
+          </p:cNvPr>
+          <p:cNvPicPr>
+            <a:picLocks noChangeAspect="1"/>
+          </p:cNvPicPr>
+          <p:nvPr/>
+        </p:nvPicPr>
+        <p:blipFill>
+          <a:blip r:embed="rId3">
+            <a:extLst>
+              <a:ext uri="{28A0092B-C50C-407E-A947-70E740481C1C}">
+                <a14:useLocalDpi xmlns:a14="http://schemas.microsoft.com/office/drawing/2010/main" val="0"/>
+              </a:ext>
+            </a:extLst>
+          </a:blip>
+          <a:stretch>
+            <a:fillRect/>
+          </a:stretch>
+        </p:blipFill>
+        <p:spPr>
+          <a:xfrm>
+            <a:off x="6536532" y="1310640"/>
+            <a:ext cx="5547360" cy="5547360"/>
+          </a:xfrm>
+          <a:prstGeom prst="rect">
+            <a:avLst/>
+          </a:prstGeom>
         </p:spPr>
       </p:pic>
     </p:spTree>
@@ -10467,10 +10311,9 @@
           <a:p>
             <a:pPr algn="ctr"/>
             <a:r>
-              <a:rPr lang="en-GB" b="1" dirty="0" smtClean="0"/>
+              <a:rPr lang="en-GB" b="1" dirty="0"/>
               <a:t>A brief summary</a:t>
             </a:r>
-            <a:endParaRPr lang="en-GB" b="1" dirty="0"/>
           </a:p>
         </p:txBody>
       </p:sp>
@@ -10486,40 +10329,39 @@
         </p:nvSpPr>
         <p:spPr/>
         <p:txBody>
-          <a:bodyPr/>
+          <a:bodyPr>
+            <a:normAutofit/>
+          </a:bodyPr>
           <a:lstStyle/>
           <a:p>
             <a:r>
-              <a:rPr lang="en-GB" dirty="0" smtClean="0"/>
-              <a:t>INTERVAL follow-up and the benchmarks showed promising results from initial meta-analysis.</a:t>
-            </a:r>
-          </a:p>
-          <a:p>
-            <a:r>
-              <a:rPr lang="en-GB" dirty="0" smtClean="0"/>
-              <a:t>A particular problem with PLINK –clump procedure is its ability to handle small p-value, and a z-score based approach as in recent GCTA is more desirable. Stricter LD possibly can lead to conservative estimate of independent signals.</a:t>
-            </a:r>
-          </a:p>
-          <a:p>
-            <a:r>
-              <a:rPr lang="en-GB" dirty="0" smtClean="0"/>
-              <a:t>It is </a:t>
-            </a:r>
-            <a:r>
-              <a:rPr lang="en-GB" smtClean="0"/>
-              <a:t>worthwhile to other </a:t>
-            </a:r>
-            <a:r>
-              <a:rPr lang="en-GB" dirty="0" smtClean="0"/>
-              <a:t>explore approaches available. </a:t>
-            </a:r>
-          </a:p>
-          <a:p>
-            <a:r>
-              <a:rPr lang="en-GB" dirty="0" smtClean="0"/>
-              <a:t>There will be continuing endeavour to return to the meta-analysis QC.</a:t>
-            </a:r>
-            <a:endParaRPr lang="en-GB" dirty="0"/>
+              <a:rPr lang="en-GB" dirty="0"/>
+              <a:t>It is still a very early stage of the analysis.</a:t>
+            </a:r>
+          </a:p>
+          <a:p>
+            <a:r>
+              <a:rPr lang="en-GB" dirty="0"/>
+              <a:t>Results from INTERVAL and benchmarks from meta-analysis were reassuring.</a:t>
+            </a:r>
+          </a:p>
+          <a:p>
+            <a:r>
+              <a:rPr lang="en-GB" dirty="0"/>
+              <a:t>This was based on stricter criteria on –ld-r2 of the PLINK –clump procedure which was somewhat hampered is its inability to handle small p-value.</a:t>
+            </a:r>
+          </a:p>
+          <a:p>
+            <a:r>
+              <a:rPr lang="en-GB" dirty="0"/>
+              <a:t>It is worthwhile to explore approaches.</a:t>
+            </a:r>
+          </a:p>
+          <a:p>
+            <a:r>
+              <a:rPr lang="en-GB" dirty="0"/>
+              <a:t>There will be further effort on the meta-analysis QC.</a:t>
+            </a:r>
           </a:p>
         </p:txBody>
       </p:sp>

--- a/doc/SCALLOP_INF1-291118.pptx
+++ b/doc/SCALLOP_INF1-291118.pptx
@@ -10336,7 +10336,15 @@
           <a:p>
             <a:r>
               <a:rPr lang="en-GB" dirty="0"/>
-              <a:t>It is still a very early stage of the analysis.</a:t>
+              <a:t>It is </a:t>
+            </a:r>
+            <a:r>
+              <a:rPr lang="en-GB"/>
+              <a:t>still at a </a:t>
+            </a:r>
+            <a:r>
+              <a:rPr lang="en-GB" dirty="0"/>
+              <a:t>very early stage of the analysis.</a:t>
             </a:r>
           </a:p>
           <a:p>
